--- a/Mutation net.pptx
+++ b/Mutation net.pptx
@@ -5,10 +5,10 @@
     <p:sldMasterId id="2147483660" r:id="rId2"/>
   </p:sldMasterIdLst>
   <p:notesMasterIdLst>
-    <p:notesMasterId r:id="rId30"/>
+    <p:notesMasterId r:id="rId29"/>
   </p:notesMasterIdLst>
   <p:handoutMasterIdLst>
-    <p:handoutMasterId r:id="rId31"/>
+    <p:handoutMasterId r:id="rId30"/>
   </p:handoutMasterIdLst>
   <p:sldIdLst>
     <p:sldId id="257" r:id="rId3"/>
@@ -27,17 +27,16 @@
     <p:sldId id="267" r:id="rId16"/>
     <p:sldId id="281" r:id="rId17"/>
     <p:sldId id="284" r:id="rId18"/>
-    <p:sldId id="282" r:id="rId19"/>
-    <p:sldId id="263" r:id="rId20"/>
-    <p:sldId id="285" r:id="rId21"/>
-    <p:sldId id="270" r:id="rId22"/>
-    <p:sldId id="262" r:id="rId23"/>
-    <p:sldId id="279" r:id="rId24"/>
-    <p:sldId id="264" r:id="rId25"/>
-    <p:sldId id="265" r:id="rId26"/>
-    <p:sldId id="268" r:id="rId27"/>
-    <p:sldId id="283" r:id="rId28"/>
-    <p:sldId id="288" r:id="rId29"/>
+    <p:sldId id="263" r:id="rId19"/>
+    <p:sldId id="285" r:id="rId20"/>
+    <p:sldId id="270" r:id="rId21"/>
+    <p:sldId id="262" r:id="rId22"/>
+    <p:sldId id="279" r:id="rId23"/>
+    <p:sldId id="264" r:id="rId24"/>
+    <p:sldId id="265" r:id="rId25"/>
+    <p:sldId id="268" r:id="rId26"/>
+    <p:sldId id="283" r:id="rId27"/>
+    <p:sldId id="288" r:id="rId28"/>
   </p:sldIdLst>
   <p:sldSz cx="12192000" cy="6858000"/>
   <p:notesSz cx="6858000" cy="9144000"/>
@@ -1173,7 +1172,7 @@
     </p:spTree>
     <p:extLst>
       <p:ext uri="{BB962C8B-B14F-4D97-AF65-F5344CB8AC3E}">
-        <p14:creationId xmlns:p14="http://schemas.microsoft.com/office/powerpoint/2010/main" val="1660098420"/>
+        <p14:creationId xmlns:p14="http://schemas.microsoft.com/office/powerpoint/2010/main" val="3821467194"/>
       </p:ext>
     </p:extLst>
   </p:cSld>
@@ -1260,7 +1259,7 @@
     </p:spTree>
     <p:extLst>
       <p:ext uri="{BB962C8B-B14F-4D97-AF65-F5344CB8AC3E}">
-        <p14:creationId xmlns:p14="http://schemas.microsoft.com/office/powerpoint/2010/main" val="3821467194"/>
+        <p14:creationId xmlns:p14="http://schemas.microsoft.com/office/powerpoint/2010/main" val="1024969221"/>
       </p:ext>
     </p:extLst>
   </p:cSld>
@@ -1347,7 +1346,7 @@
     </p:spTree>
     <p:extLst>
       <p:ext uri="{BB962C8B-B14F-4D97-AF65-F5344CB8AC3E}">
-        <p14:creationId xmlns:p14="http://schemas.microsoft.com/office/powerpoint/2010/main" val="1024969221"/>
+        <p14:creationId xmlns:p14="http://schemas.microsoft.com/office/powerpoint/2010/main" val="463080334"/>
       </p:ext>
     </p:extLst>
   </p:cSld>
@@ -1434,7 +1433,7 @@
     </p:spTree>
     <p:extLst>
       <p:ext uri="{BB962C8B-B14F-4D97-AF65-F5344CB8AC3E}">
-        <p14:creationId xmlns:p14="http://schemas.microsoft.com/office/powerpoint/2010/main" val="463080334"/>
+        <p14:creationId xmlns:p14="http://schemas.microsoft.com/office/powerpoint/2010/main" val="670403274"/>
       </p:ext>
     </p:extLst>
   </p:cSld>
@@ -1521,7 +1520,7 @@
     </p:spTree>
     <p:extLst>
       <p:ext uri="{BB962C8B-B14F-4D97-AF65-F5344CB8AC3E}">
-        <p14:creationId xmlns:p14="http://schemas.microsoft.com/office/powerpoint/2010/main" val="670403274"/>
+        <p14:creationId xmlns:p14="http://schemas.microsoft.com/office/powerpoint/2010/main" val="3413063944"/>
       </p:ext>
     </p:extLst>
   </p:cSld>
@@ -1608,7 +1607,7 @@
     </p:spTree>
     <p:extLst>
       <p:ext uri="{BB962C8B-B14F-4D97-AF65-F5344CB8AC3E}">
-        <p14:creationId xmlns:p14="http://schemas.microsoft.com/office/powerpoint/2010/main" val="3413063944"/>
+        <p14:creationId xmlns:p14="http://schemas.microsoft.com/office/powerpoint/2010/main" val="891204119"/>
       </p:ext>
     </p:extLst>
   </p:cSld>
@@ -1789,7 +1788,7 @@
     </p:spTree>
     <p:extLst>
       <p:ext uri="{BB962C8B-B14F-4D97-AF65-F5344CB8AC3E}">
-        <p14:creationId xmlns:p14="http://schemas.microsoft.com/office/powerpoint/2010/main" val="891204119"/>
+        <p14:creationId xmlns:p14="http://schemas.microsoft.com/office/powerpoint/2010/main" val="661384710"/>
       </p:ext>
     </p:extLst>
   </p:cSld>
@@ -1876,7 +1875,7 @@
     </p:spTree>
     <p:extLst>
       <p:ext uri="{BB962C8B-B14F-4D97-AF65-F5344CB8AC3E}">
-        <p14:creationId xmlns:p14="http://schemas.microsoft.com/office/powerpoint/2010/main" val="661384710"/>
+        <p14:creationId xmlns:p14="http://schemas.microsoft.com/office/powerpoint/2010/main" val="3951593836"/>
       </p:ext>
     </p:extLst>
   </p:cSld>
@@ -1955,93 +1954,6 @@
             <a:fld id="{9C003A2D-F27E-469C-ADB1-04668A9E28C3}" type="slidenum">
               <a:rPr lang="ru-RU" smtClean="0"/>
               <a:t>25</a:t>
-            </a:fld>
-            <a:endParaRPr lang="ru-RU"/>
-          </a:p>
-        </p:txBody>
-      </p:sp>
-    </p:spTree>
-    <p:extLst>
-      <p:ext uri="{BB962C8B-B14F-4D97-AF65-F5344CB8AC3E}">
-        <p14:creationId xmlns:p14="http://schemas.microsoft.com/office/powerpoint/2010/main" val="3951593836"/>
-      </p:ext>
-    </p:extLst>
-  </p:cSld>
-  <p:clrMapOvr>
-    <a:masterClrMapping/>
-  </p:clrMapOvr>
-</p:notes>
-</file>
-
-<file path=ppt/notesSlides/notesSlide23.xml><?xml version="1.0" encoding="utf-8"?>
-<p:notes xmlns:a="http://schemas.openxmlformats.org/drawingml/2006/main" xmlns:r="http://schemas.openxmlformats.org/officeDocument/2006/relationships" xmlns:p="http://schemas.openxmlformats.org/presentationml/2006/main">
-  <p:cSld>
-    <p:spTree>
-      <p:nvGrpSpPr>
-        <p:cNvPr id="1" name=""/>
-        <p:cNvGrpSpPr/>
-        <p:nvPr/>
-      </p:nvGrpSpPr>
-      <p:grpSpPr>
-        <a:xfrm>
-          <a:off x="0" y="0"/>
-          <a:ext cx="0" cy="0"/>
-          <a:chOff x="0" y="0"/>
-          <a:chExt cx="0" cy="0"/>
-        </a:xfrm>
-      </p:grpSpPr>
-      <p:sp>
-        <p:nvSpPr>
-          <p:cNvPr id="2" name="Slide Image Placeholder 1"/>
-          <p:cNvSpPr>
-            <a:spLocks noGrp="1" noRot="1" noChangeAspect="1"/>
-          </p:cNvSpPr>
-          <p:nvPr>
-            <p:ph type="sldImg"/>
-          </p:nvPr>
-        </p:nvSpPr>
-        <p:spPr/>
-      </p:sp>
-      <p:sp>
-        <p:nvSpPr>
-          <p:cNvPr id="3" name="Notes Placeholder 2"/>
-          <p:cNvSpPr>
-            <a:spLocks noGrp="1"/>
-          </p:cNvSpPr>
-          <p:nvPr>
-            <p:ph type="body" idx="1"/>
-          </p:nvPr>
-        </p:nvSpPr>
-        <p:spPr/>
-        <p:txBody>
-          <a:bodyPr/>
-          <a:lstStyle/>
-          <a:p>
-            <a:r>
-              <a:rPr lang="en-GB" sz="1200" dirty="0"/>
-              <a:t>What is WC (vs kendo)</a:t>
-            </a:r>
-          </a:p>
-        </p:txBody>
-      </p:sp>
-      <p:sp>
-        <p:nvSpPr>
-          <p:cNvPr id="4" name="Slide Number Placeholder 3"/>
-          <p:cNvSpPr>
-            <a:spLocks noGrp="1"/>
-          </p:cNvSpPr>
-          <p:nvPr>
-            <p:ph type="sldNum" sz="quarter" idx="10"/>
-          </p:nvPr>
-        </p:nvSpPr>
-        <p:spPr/>
-        <p:txBody>
-          <a:bodyPr/>
-          <a:lstStyle/>
-          <a:p>
-            <a:fld id="{9C003A2D-F27E-469C-ADB1-04668A9E28C3}" type="slidenum">
-              <a:rPr lang="ru-RU" smtClean="0"/>
-              <a:t>26</a:t>
             </a:fld>
             <a:endParaRPr lang="ru-RU"/>
           </a:p>
@@ -18551,42 +18463,6 @@
           </a:p>
         </p:txBody>
       </p:sp>
-      <p:pic>
-        <p:nvPicPr>
-          <p:cNvPr id="3" name="Picture 2"/>
-          <p:cNvPicPr>
-            <a:picLocks noChangeAspect="1"/>
-          </p:cNvPicPr>
-          <p:nvPr/>
-        </p:nvPicPr>
-        <p:blipFill>
-          <a:blip r:embed="rId3"/>
-          <a:stretch>
-            <a:fillRect/>
-          </a:stretch>
-        </p:blipFill>
-        <p:spPr>
-          <a:xfrm>
-            <a:off x="888117" y="2207154"/>
-            <a:ext cx="2996779" cy="2443868"/>
-          </a:xfrm>
-          <a:prstGeom prst="rect">
-            <a:avLst/>
-          </a:prstGeom>
-          <a:ln>
-            <a:solidFill>
-              <a:schemeClr val="bg1"/>
-            </a:solidFill>
-          </a:ln>
-          <a:effectLst>
-            <a:outerShdw blurRad="63500" sx="102000" sy="102000" algn="ctr" rotWithShape="0">
-              <a:prstClr val="black">
-                <a:alpha val="40000"/>
-              </a:prstClr>
-            </a:outerShdw>
-          </a:effectLst>
-        </p:spPr>
-      </p:pic>
       <p:sp>
         <p:nvSpPr>
           <p:cNvPr id="4" name="Arrow: Right 3"/>
@@ -18595,7 +18471,7 @@
         </p:nvSpPr>
         <p:spPr>
           <a:xfrm>
-            <a:off x="4118614" y="3339968"/>
+            <a:off x="4898895" y="3298405"/>
             <a:ext cx="745067" cy="178240"/>
           </a:xfrm>
           <a:prstGeom prst="rightArrow">
@@ -18635,7 +18511,7 @@
         </p:nvSpPr>
         <p:spPr>
           <a:xfrm>
-            <a:off x="4153828" y="5426871"/>
+            <a:off x="4898895" y="5426870"/>
             <a:ext cx="745067" cy="178240"/>
           </a:xfrm>
           <a:prstGeom prst="rightArrow">
@@ -18667,28 +18543,831 @@
           </a:p>
         </p:txBody>
       </p:sp>
+      <p:sp>
+        <p:nvSpPr>
+          <p:cNvPr id="8" name="Rectangle 7"/>
+          <p:cNvSpPr/>
+          <p:nvPr/>
+        </p:nvSpPr>
+        <p:spPr>
+          <a:xfrm>
+            <a:off x="621457" y="1964439"/>
+            <a:ext cx="4017818" cy="2308324"/>
+          </a:xfrm>
+          <a:prstGeom prst="rect">
+            <a:avLst/>
+          </a:prstGeom>
+          <a:solidFill>
+            <a:schemeClr val="bg1"/>
+          </a:solidFill>
+          <a:ln>
+            <a:solidFill>
+              <a:schemeClr val="bg1"/>
+            </a:solidFill>
+          </a:ln>
+          <a:effectLst>
+            <a:outerShdw blurRad="114300" sx="102000" sy="102000" algn="ctr" rotWithShape="0">
+              <a:prstClr val="black"/>
+            </a:outerShdw>
+          </a:effectLst>
+        </p:spPr>
+        <p:txBody>
+          <a:bodyPr wrap="square">
+            <a:spAutoFit/>
+          </a:bodyPr>
+          <a:lstStyle/>
+          <a:p>
+            <a:r>
+              <a:rPr lang="en-GB" dirty="0">
+                <a:solidFill>
+                  <a:srgbClr val="0000FF"/>
+                </a:solidFill>
+                <a:latin typeface="Consolas" panose="020B0609020204030204" pitchFamily="49" charset="0"/>
+              </a:rPr>
+              <a:t>public</a:t>
+            </a:r>
+            <a:r>
+              <a:rPr lang="en-GB" dirty="0">
+                <a:solidFill>
+                  <a:srgbClr val="000000"/>
+                </a:solidFill>
+                <a:latin typeface="Consolas" panose="020B0609020204030204" pitchFamily="49" charset="0"/>
+              </a:rPr>
+              <a:t> </a:t>
+            </a:r>
+            <a:r>
+              <a:rPr lang="en-GB" dirty="0">
+                <a:solidFill>
+                  <a:srgbClr val="0000FF"/>
+                </a:solidFill>
+                <a:latin typeface="Consolas" panose="020B0609020204030204" pitchFamily="49" charset="0"/>
+              </a:rPr>
+              <a:t>void</a:t>
+            </a:r>
+            <a:r>
+              <a:rPr lang="en-GB" dirty="0">
+                <a:solidFill>
+                  <a:srgbClr val="000000"/>
+                </a:solidFill>
+                <a:latin typeface="Consolas" panose="020B0609020204030204" pitchFamily="49" charset="0"/>
+              </a:rPr>
+              <a:t> Add(</a:t>
+            </a:r>
+            <a:r>
+              <a:rPr lang="en-GB" dirty="0" err="1">
+                <a:solidFill>
+                  <a:srgbClr val="0000FF"/>
+                </a:solidFill>
+                <a:latin typeface="Consolas" panose="020B0609020204030204" pitchFamily="49" charset="0"/>
+              </a:rPr>
+              <a:t>int</a:t>
+            </a:r>
+            <a:r>
+              <a:rPr lang="en-GB" dirty="0">
+                <a:solidFill>
+                  <a:srgbClr val="000000"/>
+                </a:solidFill>
+                <a:latin typeface="Consolas" panose="020B0609020204030204" pitchFamily="49" charset="0"/>
+              </a:rPr>
+              <a:t> </a:t>
+            </a:r>
+            <a:r>
+              <a:rPr lang="en-GB" dirty="0" err="1">
+                <a:solidFill>
+                  <a:srgbClr val="000000"/>
+                </a:solidFill>
+                <a:latin typeface="Consolas" panose="020B0609020204030204" pitchFamily="49" charset="0"/>
+              </a:rPr>
+              <a:t>inValue</a:t>
+            </a:r>
+            <a:r>
+              <a:rPr lang="en-GB" dirty="0">
+                <a:solidFill>
+                  <a:srgbClr val="000000"/>
+                </a:solidFill>
+                <a:latin typeface="Consolas" panose="020B0609020204030204" pitchFamily="49" charset="0"/>
+              </a:rPr>
+              <a:t>)</a:t>
+            </a:r>
+          </a:p>
+          <a:p>
+            <a:r>
+              <a:rPr lang="en-GB" dirty="0">
+                <a:solidFill>
+                  <a:srgbClr val="000000"/>
+                </a:solidFill>
+                <a:latin typeface="Consolas" panose="020B0609020204030204" pitchFamily="49" charset="0"/>
+              </a:rPr>
+              <a:t>{</a:t>
+            </a:r>
+          </a:p>
+          <a:p>
+            <a:r>
+              <a:rPr lang="en-GB" dirty="0">
+                <a:solidFill>
+                  <a:srgbClr val="000000"/>
+                </a:solidFill>
+                <a:latin typeface="Consolas" panose="020B0609020204030204" pitchFamily="49" charset="0"/>
+              </a:rPr>
+              <a:t>    value = value + </a:t>
+            </a:r>
+            <a:r>
+              <a:rPr lang="en-GB" dirty="0" err="1">
+                <a:solidFill>
+                  <a:srgbClr val="000000"/>
+                </a:solidFill>
+                <a:latin typeface="Consolas" panose="020B0609020204030204" pitchFamily="49" charset="0"/>
+              </a:rPr>
+              <a:t>inValue</a:t>
+            </a:r>
+            <a:r>
+              <a:rPr lang="en-GB" dirty="0">
+                <a:solidFill>
+                  <a:srgbClr val="000000"/>
+                </a:solidFill>
+                <a:latin typeface="Consolas" panose="020B0609020204030204" pitchFamily="49" charset="0"/>
+              </a:rPr>
+              <a:t>;</a:t>
+            </a:r>
+          </a:p>
+          <a:p>
+            <a:r>
+              <a:rPr lang="en-GB" dirty="0">
+                <a:solidFill>
+                  <a:srgbClr val="000000"/>
+                </a:solidFill>
+                <a:latin typeface="Consolas" panose="020B0609020204030204" pitchFamily="49" charset="0"/>
+              </a:rPr>
+              <a:t>}</a:t>
+            </a:r>
+          </a:p>
+          <a:p>
+            <a:r>
+              <a:rPr lang="en-GB" dirty="0">
+                <a:solidFill>
+                  <a:srgbClr val="0000FF"/>
+                </a:solidFill>
+                <a:latin typeface="Consolas" panose="020B0609020204030204" pitchFamily="49" charset="0"/>
+              </a:rPr>
+              <a:t>public</a:t>
+            </a:r>
+            <a:r>
+              <a:rPr lang="en-GB" dirty="0">
+                <a:solidFill>
+                  <a:srgbClr val="000000"/>
+                </a:solidFill>
+                <a:latin typeface="Consolas" panose="020B0609020204030204" pitchFamily="49" charset="0"/>
+              </a:rPr>
+              <a:t> </a:t>
+            </a:r>
+            <a:r>
+              <a:rPr lang="en-GB" dirty="0">
+                <a:solidFill>
+                  <a:srgbClr val="0000FF"/>
+                </a:solidFill>
+                <a:latin typeface="Consolas" panose="020B0609020204030204" pitchFamily="49" charset="0"/>
+              </a:rPr>
+              <a:t>void</a:t>
+            </a:r>
+            <a:r>
+              <a:rPr lang="en-GB" dirty="0">
+                <a:solidFill>
+                  <a:srgbClr val="000000"/>
+                </a:solidFill>
+                <a:latin typeface="Consolas" panose="020B0609020204030204" pitchFamily="49" charset="0"/>
+              </a:rPr>
+              <a:t> Sub(</a:t>
+            </a:r>
+            <a:r>
+              <a:rPr lang="en-GB" dirty="0" err="1">
+                <a:solidFill>
+                  <a:srgbClr val="0000FF"/>
+                </a:solidFill>
+                <a:latin typeface="Consolas" panose="020B0609020204030204" pitchFamily="49" charset="0"/>
+              </a:rPr>
+              <a:t>int</a:t>
+            </a:r>
+            <a:r>
+              <a:rPr lang="en-GB" dirty="0">
+                <a:solidFill>
+                  <a:srgbClr val="000000"/>
+                </a:solidFill>
+                <a:latin typeface="Consolas" panose="020B0609020204030204" pitchFamily="49" charset="0"/>
+              </a:rPr>
+              <a:t> </a:t>
+            </a:r>
+            <a:r>
+              <a:rPr lang="en-GB" dirty="0" err="1">
+                <a:solidFill>
+                  <a:srgbClr val="000000"/>
+                </a:solidFill>
+                <a:latin typeface="Consolas" panose="020B0609020204030204" pitchFamily="49" charset="0"/>
+              </a:rPr>
+              <a:t>inValue</a:t>
+            </a:r>
+            <a:r>
+              <a:rPr lang="en-GB" dirty="0">
+                <a:solidFill>
+                  <a:srgbClr val="000000"/>
+                </a:solidFill>
+                <a:latin typeface="Consolas" panose="020B0609020204030204" pitchFamily="49" charset="0"/>
+              </a:rPr>
+              <a:t>)</a:t>
+            </a:r>
+          </a:p>
+          <a:p>
+            <a:r>
+              <a:rPr lang="en-GB" dirty="0">
+                <a:solidFill>
+                  <a:srgbClr val="000000"/>
+                </a:solidFill>
+                <a:latin typeface="Consolas" panose="020B0609020204030204" pitchFamily="49" charset="0"/>
+              </a:rPr>
+              <a:t>{</a:t>
+            </a:r>
+          </a:p>
+          <a:p>
+            <a:r>
+              <a:rPr lang="en-GB" dirty="0">
+                <a:solidFill>
+                  <a:srgbClr val="000000"/>
+                </a:solidFill>
+                <a:latin typeface="Consolas" panose="020B0609020204030204" pitchFamily="49" charset="0"/>
+              </a:rPr>
+              <a:t>    value = value - </a:t>
+            </a:r>
+            <a:r>
+              <a:rPr lang="en-GB" dirty="0" err="1">
+                <a:solidFill>
+                  <a:srgbClr val="000000"/>
+                </a:solidFill>
+                <a:latin typeface="Consolas" panose="020B0609020204030204" pitchFamily="49" charset="0"/>
+              </a:rPr>
+              <a:t>inValue</a:t>
+            </a:r>
+            <a:r>
+              <a:rPr lang="en-GB" dirty="0">
+                <a:solidFill>
+                  <a:srgbClr val="000000"/>
+                </a:solidFill>
+                <a:latin typeface="Consolas" panose="020B0609020204030204" pitchFamily="49" charset="0"/>
+              </a:rPr>
+              <a:t>;</a:t>
+            </a:r>
+          </a:p>
+          <a:p>
+            <a:r>
+              <a:rPr lang="en-GB" dirty="0">
+                <a:solidFill>
+                  <a:srgbClr val="000000"/>
+                </a:solidFill>
+                <a:latin typeface="Consolas" panose="020B0609020204030204" pitchFamily="49" charset="0"/>
+              </a:rPr>
+              <a:t>}</a:t>
+            </a:r>
+            <a:endParaRPr lang="en-GB" dirty="0"/>
+          </a:p>
+        </p:txBody>
+      </p:sp>
+      <p:sp>
+        <p:nvSpPr>
+          <p:cNvPr id="14" name="Rectangle 13"/>
+          <p:cNvSpPr/>
+          <p:nvPr/>
+        </p:nvSpPr>
+        <p:spPr>
+          <a:xfrm>
+            <a:off x="5903582" y="1309532"/>
+            <a:ext cx="4017818" cy="2031325"/>
+          </a:xfrm>
+          <a:prstGeom prst="rect">
+            <a:avLst/>
+          </a:prstGeom>
+          <a:solidFill>
+            <a:schemeClr val="bg1"/>
+          </a:solidFill>
+          <a:ln>
+            <a:solidFill>
+              <a:schemeClr val="bg1"/>
+            </a:solidFill>
+          </a:ln>
+          <a:effectLst>
+            <a:outerShdw blurRad="114300" sx="102000" sy="102000" algn="ctr" rotWithShape="0">
+              <a:prstClr val="black"/>
+            </a:outerShdw>
+          </a:effectLst>
+        </p:spPr>
+        <p:txBody>
+          <a:bodyPr wrap="square">
+            <a:spAutoFit/>
+          </a:bodyPr>
+          <a:lstStyle/>
+          <a:p>
+            <a:r>
+              <a:rPr lang="en-GB" dirty="0">
+                <a:solidFill>
+                  <a:srgbClr val="0000FF"/>
+                </a:solidFill>
+                <a:latin typeface="Consolas" panose="020B0609020204030204" pitchFamily="49" charset="0"/>
+              </a:rPr>
+              <a:t>public</a:t>
+            </a:r>
+            <a:r>
+              <a:rPr lang="en-GB" dirty="0">
+                <a:solidFill>
+                  <a:srgbClr val="000000"/>
+                </a:solidFill>
+                <a:latin typeface="Consolas" panose="020B0609020204030204" pitchFamily="49" charset="0"/>
+              </a:rPr>
+              <a:t> </a:t>
+            </a:r>
+            <a:r>
+              <a:rPr lang="en-GB" dirty="0">
+                <a:solidFill>
+                  <a:srgbClr val="0000FF"/>
+                </a:solidFill>
+                <a:latin typeface="Consolas" panose="020B0609020204030204" pitchFamily="49" charset="0"/>
+              </a:rPr>
+              <a:t>void</a:t>
+            </a:r>
+            <a:r>
+              <a:rPr lang="en-GB" dirty="0">
+                <a:solidFill>
+                  <a:srgbClr val="000000"/>
+                </a:solidFill>
+                <a:latin typeface="Consolas" panose="020B0609020204030204" pitchFamily="49" charset="0"/>
+              </a:rPr>
+              <a:t> Add(</a:t>
+            </a:r>
+            <a:r>
+              <a:rPr lang="en-GB" dirty="0" err="1">
+                <a:solidFill>
+                  <a:srgbClr val="0000FF"/>
+                </a:solidFill>
+                <a:latin typeface="Consolas" panose="020B0609020204030204" pitchFamily="49" charset="0"/>
+              </a:rPr>
+              <a:t>int</a:t>
+            </a:r>
+            <a:r>
+              <a:rPr lang="en-GB" dirty="0">
+                <a:solidFill>
+                  <a:srgbClr val="000000"/>
+                </a:solidFill>
+                <a:latin typeface="Consolas" panose="020B0609020204030204" pitchFamily="49" charset="0"/>
+              </a:rPr>
+              <a:t> </a:t>
+            </a:r>
+            <a:r>
+              <a:rPr lang="en-GB" dirty="0" err="1">
+                <a:solidFill>
+                  <a:srgbClr val="000000"/>
+                </a:solidFill>
+                <a:latin typeface="Consolas" panose="020B0609020204030204" pitchFamily="49" charset="0"/>
+              </a:rPr>
+              <a:t>inValue</a:t>
+            </a:r>
+            <a:r>
+              <a:rPr lang="en-GB" dirty="0">
+                <a:solidFill>
+                  <a:srgbClr val="000000"/>
+                </a:solidFill>
+                <a:latin typeface="Consolas" panose="020B0609020204030204" pitchFamily="49" charset="0"/>
+              </a:rPr>
+              <a:t>)</a:t>
+            </a:r>
+          </a:p>
+          <a:p>
+            <a:r>
+              <a:rPr lang="en-GB" dirty="0">
+                <a:solidFill>
+                  <a:srgbClr val="000000"/>
+                </a:solidFill>
+                <a:latin typeface="Consolas" panose="020B0609020204030204" pitchFamily="49" charset="0"/>
+              </a:rPr>
+              <a:t>{</a:t>
+            </a:r>
+          </a:p>
+          <a:p>
+            <a:r>
+              <a:rPr lang="en-GB" dirty="0">
+                <a:solidFill>
+                  <a:srgbClr val="000000"/>
+                </a:solidFill>
+                <a:latin typeface="Consolas" panose="020B0609020204030204" pitchFamily="49" charset="0"/>
+              </a:rPr>
+              <a:t>}</a:t>
+            </a:r>
+          </a:p>
+          <a:p>
+            <a:r>
+              <a:rPr lang="en-GB" dirty="0">
+                <a:solidFill>
+                  <a:srgbClr val="0000FF"/>
+                </a:solidFill>
+                <a:latin typeface="Consolas" panose="020B0609020204030204" pitchFamily="49" charset="0"/>
+              </a:rPr>
+              <a:t>public</a:t>
+            </a:r>
+            <a:r>
+              <a:rPr lang="en-GB" dirty="0">
+                <a:solidFill>
+                  <a:srgbClr val="000000"/>
+                </a:solidFill>
+                <a:latin typeface="Consolas" panose="020B0609020204030204" pitchFamily="49" charset="0"/>
+              </a:rPr>
+              <a:t> </a:t>
+            </a:r>
+            <a:r>
+              <a:rPr lang="en-GB" dirty="0">
+                <a:solidFill>
+                  <a:srgbClr val="0000FF"/>
+                </a:solidFill>
+                <a:latin typeface="Consolas" panose="020B0609020204030204" pitchFamily="49" charset="0"/>
+              </a:rPr>
+              <a:t>void</a:t>
+            </a:r>
+            <a:r>
+              <a:rPr lang="en-GB" dirty="0">
+                <a:solidFill>
+                  <a:srgbClr val="000000"/>
+                </a:solidFill>
+                <a:latin typeface="Consolas" panose="020B0609020204030204" pitchFamily="49" charset="0"/>
+              </a:rPr>
+              <a:t> Sub(</a:t>
+            </a:r>
+            <a:r>
+              <a:rPr lang="en-GB" dirty="0" err="1">
+                <a:solidFill>
+                  <a:srgbClr val="0000FF"/>
+                </a:solidFill>
+                <a:latin typeface="Consolas" panose="020B0609020204030204" pitchFamily="49" charset="0"/>
+              </a:rPr>
+              <a:t>int</a:t>
+            </a:r>
+            <a:r>
+              <a:rPr lang="en-GB" dirty="0">
+                <a:solidFill>
+                  <a:srgbClr val="000000"/>
+                </a:solidFill>
+                <a:latin typeface="Consolas" panose="020B0609020204030204" pitchFamily="49" charset="0"/>
+              </a:rPr>
+              <a:t> </a:t>
+            </a:r>
+            <a:r>
+              <a:rPr lang="en-GB" dirty="0" err="1">
+                <a:solidFill>
+                  <a:srgbClr val="000000"/>
+                </a:solidFill>
+                <a:latin typeface="Consolas" panose="020B0609020204030204" pitchFamily="49" charset="0"/>
+              </a:rPr>
+              <a:t>inValue</a:t>
+            </a:r>
+            <a:r>
+              <a:rPr lang="en-GB" dirty="0">
+                <a:solidFill>
+                  <a:srgbClr val="000000"/>
+                </a:solidFill>
+                <a:latin typeface="Consolas" panose="020B0609020204030204" pitchFamily="49" charset="0"/>
+              </a:rPr>
+              <a:t>)</a:t>
+            </a:r>
+          </a:p>
+          <a:p>
+            <a:r>
+              <a:rPr lang="en-GB" dirty="0">
+                <a:solidFill>
+                  <a:srgbClr val="000000"/>
+                </a:solidFill>
+                <a:latin typeface="Consolas" panose="020B0609020204030204" pitchFamily="49" charset="0"/>
+              </a:rPr>
+              <a:t>{</a:t>
+            </a:r>
+          </a:p>
+          <a:p>
+            <a:r>
+              <a:rPr lang="en-GB" dirty="0">
+                <a:solidFill>
+                  <a:srgbClr val="000000"/>
+                </a:solidFill>
+                <a:latin typeface="Consolas" panose="020B0609020204030204" pitchFamily="49" charset="0"/>
+              </a:rPr>
+              <a:t>    value = value - </a:t>
+            </a:r>
+            <a:r>
+              <a:rPr lang="en-GB" dirty="0" err="1">
+                <a:solidFill>
+                  <a:srgbClr val="000000"/>
+                </a:solidFill>
+                <a:latin typeface="Consolas" panose="020B0609020204030204" pitchFamily="49" charset="0"/>
+              </a:rPr>
+              <a:t>inValue</a:t>
+            </a:r>
+            <a:r>
+              <a:rPr lang="en-GB" dirty="0">
+                <a:solidFill>
+                  <a:srgbClr val="000000"/>
+                </a:solidFill>
+                <a:latin typeface="Consolas" panose="020B0609020204030204" pitchFamily="49" charset="0"/>
+              </a:rPr>
+              <a:t>;</a:t>
+            </a:r>
+          </a:p>
+          <a:p>
+            <a:r>
+              <a:rPr lang="en-GB" dirty="0">
+                <a:solidFill>
+                  <a:srgbClr val="000000"/>
+                </a:solidFill>
+                <a:latin typeface="Consolas" panose="020B0609020204030204" pitchFamily="49" charset="0"/>
+              </a:rPr>
+              <a:t>}</a:t>
+            </a:r>
+            <a:endParaRPr lang="en-GB" dirty="0"/>
+          </a:p>
+        </p:txBody>
+      </p:sp>
+      <p:sp>
+        <p:nvSpPr>
+          <p:cNvPr id="15" name="Rectangle 14"/>
+          <p:cNvSpPr/>
+          <p:nvPr/>
+        </p:nvSpPr>
+        <p:spPr>
+          <a:xfrm>
+            <a:off x="7694281" y="2473627"/>
+            <a:ext cx="4017818" cy="2031325"/>
+          </a:xfrm>
+          <a:prstGeom prst="rect">
+            <a:avLst/>
+          </a:prstGeom>
+          <a:solidFill>
+            <a:schemeClr val="bg1"/>
+          </a:solidFill>
+          <a:ln>
+            <a:solidFill>
+              <a:schemeClr val="bg1"/>
+            </a:solidFill>
+          </a:ln>
+          <a:effectLst>
+            <a:outerShdw blurRad="114300" sx="102000" sy="102000" algn="ctr" rotWithShape="0">
+              <a:prstClr val="black"/>
+            </a:outerShdw>
+          </a:effectLst>
+        </p:spPr>
+        <p:txBody>
+          <a:bodyPr wrap="square">
+            <a:spAutoFit/>
+          </a:bodyPr>
+          <a:lstStyle/>
+          <a:p>
+            <a:r>
+              <a:rPr lang="en-GB" dirty="0">
+                <a:solidFill>
+                  <a:srgbClr val="0000FF"/>
+                </a:solidFill>
+                <a:latin typeface="Consolas" panose="020B0609020204030204" pitchFamily="49" charset="0"/>
+              </a:rPr>
+              <a:t>public</a:t>
+            </a:r>
+            <a:r>
+              <a:rPr lang="en-GB" dirty="0">
+                <a:solidFill>
+                  <a:srgbClr val="000000"/>
+                </a:solidFill>
+                <a:latin typeface="Consolas" panose="020B0609020204030204" pitchFamily="49" charset="0"/>
+              </a:rPr>
+              <a:t> </a:t>
+            </a:r>
+            <a:r>
+              <a:rPr lang="en-GB" dirty="0">
+                <a:solidFill>
+                  <a:srgbClr val="0000FF"/>
+                </a:solidFill>
+                <a:latin typeface="Consolas" panose="020B0609020204030204" pitchFamily="49" charset="0"/>
+              </a:rPr>
+              <a:t>void</a:t>
+            </a:r>
+            <a:r>
+              <a:rPr lang="en-GB" dirty="0">
+                <a:solidFill>
+                  <a:srgbClr val="000000"/>
+                </a:solidFill>
+                <a:latin typeface="Consolas" panose="020B0609020204030204" pitchFamily="49" charset="0"/>
+              </a:rPr>
+              <a:t> Add(</a:t>
+            </a:r>
+            <a:r>
+              <a:rPr lang="en-GB" dirty="0" err="1">
+                <a:solidFill>
+                  <a:srgbClr val="0000FF"/>
+                </a:solidFill>
+                <a:latin typeface="Consolas" panose="020B0609020204030204" pitchFamily="49" charset="0"/>
+              </a:rPr>
+              <a:t>int</a:t>
+            </a:r>
+            <a:r>
+              <a:rPr lang="en-GB" dirty="0">
+                <a:solidFill>
+                  <a:srgbClr val="000000"/>
+                </a:solidFill>
+                <a:latin typeface="Consolas" panose="020B0609020204030204" pitchFamily="49" charset="0"/>
+              </a:rPr>
+              <a:t> </a:t>
+            </a:r>
+            <a:r>
+              <a:rPr lang="en-GB" dirty="0" err="1">
+                <a:solidFill>
+                  <a:srgbClr val="000000"/>
+                </a:solidFill>
+                <a:latin typeface="Consolas" panose="020B0609020204030204" pitchFamily="49" charset="0"/>
+              </a:rPr>
+              <a:t>inValue</a:t>
+            </a:r>
+            <a:r>
+              <a:rPr lang="en-GB" dirty="0">
+                <a:solidFill>
+                  <a:srgbClr val="000000"/>
+                </a:solidFill>
+                <a:latin typeface="Consolas" panose="020B0609020204030204" pitchFamily="49" charset="0"/>
+              </a:rPr>
+              <a:t>)</a:t>
+            </a:r>
+          </a:p>
+          <a:p>
+            <a:r>
+              <a:rPr lang="en-GB" dirty="0">
+                <a:solidFill>
+                  <a:srgbClr val="000000"/>
+                </a:solidFill>
+                <a:latin typeface="Consolas" panose="020B0609020204030204" pitchFamily="49" charset="0"/>
+              </a:rPr>
+              <a:t>{</a:t>
+            </a:r>
+          </a:p>
+          <a:p>
+            <a:r>
+              <a:rPr lang="en-GB" dirty="0">
+                <a:solidFill>
+                  <a:srgbClr val="000000"/>
+                </a:solidFill>
+                <a:latin typeface="Consolas" panose="020B0609020204030204" pitchFamily="49" charset="0"/>
+              </a:rPr>
+              <a:t>    value = value + </a:t>
+            </a:r>
+            <a:r>
+              <a:rPr lang="en-GB" dirty="0" err="1">
+                <a:solidFill>
+                  <a:srgbClr val="000000"/>
+                </a:solidFill>
+                <a:latin typeface="Consolas" panose="020B0609020204030204" pitchFamily="49" charset="0"/>
+              </a:rPr>
+              <a:t>inValue</a:t>
+            </a:r>
+            <a:r>
+              <a:rPr lang="en-GB" dirty="0">
+                <a:solidFill>
+                  <a:srgbClr val="000000"/>
+                </a:solidFill>
+                <a:latin typeface="Consolas" panose="020B0609020204030204" pitchFamily="49" charset="0"/>
+              </a:rPr>
+              <a:t>;</a:t>
+            </a:r>
+          </a:p>
+          <a:p>
+            <a:r>
+              <a:rPr lang="en-GB" dirty="0">
+                <a:solidFill>
+                  <a:srgbClr val="000000"/>
+                </a:solidFill>
+                <a:latin typeface="Consolas" panose="020B0609020204030204" pitchFamily="49" charset="0"/>
+              </a:rPr>
+              <a:t>}</a:t>
+            </a:r>
+          </a:p>
+          <a:p>
+            <a:r>
+              <a:rPr lang="en-GB" dirty="0">
+                <a:solidFill>
+                  <a:srgbClr val="0000FF"/>
+                </a:solidFill>
+                <a:latin typeface="Consolas" panose="020B0609020204030204" pitchFamily="49" charset="0"/>
+              </a:rPr>
+              <a:t>public</a:t>
+            </a:r>
+            <a:r>
+              <a:rPr lang="en-GB" dirty="0">
+                <a:solidFill>
+                  <a:srgbClr val="000000"/>
+                </a:solidFill>
+                <a:latin typeface="Consolas" panose="020B0609020204030204" pitchFamily="49" charset="0"/>
+              </a:rPr>
+              <a:t> </a:t>
+            </a:r>
+            <a:r>
+              <a:rPr lang="en-GB" dirty="0">
+                <a:solidFill>
+                  <a:srgbClr val="0000FF"/>
+                </a:solidFill>
+                <a:latin typeface="Consolas" panose="020B0609020204030204" pitchFamily="49" charset="0"/>
+              </a:rPr>
+              <a:t>void</a:t>
+            </a:r>
+            <a:r>
+              <a:rPr lang="en-GB" dirty="0">
+                <a:solidFill>
+                  <a:srgbClr val="000000"/>
+                </a:solidFill>
+                <a:latin typeface="Consolas" panose="020B0609020204030204" pitchFamily="49" charset="0"/>
+              </a:rPr>
+              <a:t> Sub(</a:t>
+            </a:r>
+            <a:r>
+              <a:rPr lang="en-GB" dirty="0" err="1">
+                <a:solidFill>
+                  <a:srgbClr val="0000FF"/>
+                </a:solidFill>
+                <a:latin typeface="Consolas" panose="020B0609020204030204" pitchFamily="49" charset="0"/>
+              </a:rPr>
+              <a:t>int</a:t>
+            </a:r>
+            <a:r>
+              <a:rPr lang="en-GB" dirty="0">
+                <a:solidFill>
+                  <a:srgbClr val="000000"/>
+                </a:solidFill>
+                <a:latin typeface="Consolas" panose="020B0609020204030204" pitchFamily="49" charset="0"/>
+              </a:rPr>
+              <a:t> </a:t>
+            </a:r>
+            <a:r>
+              <a:rPr lang="en-GB" dirty="0" err="1">
+                <a:solidFill>
+                  <a:srgbClr val="000000"/>
+                </a:solidFill>
+                <a:latin typeface="Consolas" panose="020B0609020204030204" pitchFamily="49" charset="0"/>
+              </a:rPr>
+              <a:t>inValue</a:t>
+            </a:r>
+            <a:r>
+              <a:rPr lang="en-GB" dirty="0">
+                <a:solidFill>
+                  <a:srgbClr val="000000"/>
+                </a:solidFill>
+                <a:latin typeface="Consolas" panose="020B0609020204030204" pitchFamily="49" charset="0"/>
+              </a:rPr>
+              <a:t>)</a:t>
+            </a:r>
+          </a:p>
+          <a:p>
+            <a:r>
+              <a:rPr lang="en-GB" dirty="0">
+                <a:solidFill>
+                  <a:srgbClr val="000000"/>
+                </a:solidFill>
+                <a:latin typeface="Consolas" panose="020B0609020204030204" pitchFamily="49" charset="0"/>
+              </a:rPr>
+              <a:t>{</a:t>
+            </a:r>
+          </a:p>
+          <a:p>
+            <a:r>
+              <a:rPr lang="en-GB" dirty="0">
+                <a:solidFill>
+                  <a:srgbClr val="000000"/>
+                </a:solidFill>
+                <a:latin typeface="Consolas" panose="020B0609020204030204" pitchFamily="49" charset="0"/>
+              </a:rPr>
+              <a:t>}</a:t>
+            </a:r>
+            <a:endParaRPr lang="en-GB" dirty="0"/>
+          </a:p>
+        </p:txBody>
+      </p:sp>
       <p:pic>
         <p:nvPicPr>
-          <p:cNvPr id="6" name="Picture 5"/>
+          <p:cNvPr id="16" name="Picture 15"/>
           <p:cNvPicPr>
             <a:picLocks noChangeAspect="1"/>
           </p:cNvPicPr>
           <p:nvPr/>
         </p:nvPicPr>
         <p:blipFill>
-          <a:blip r:embed="rId4"/>
+          <a:blip r:embed="rId3"/>
           <a:stretch>
             <a:fillRect/>
           </a:stretch>
         </p:blipFill>
         <p:spPr>
           <a:xfrm>
-            <a:off x="1982890" y="5322095"/>
-            <a:ext cx="1294953" cy="390260"/>
+            <a:off x="5903582" y="5160161"/>
+            <a:ext cx="1904935" cy="444949"/>
           </a:xfrm>
           <a:prstGeom prst="rect">
             <a:avLst/>
           </a:prstGeom>
+          <a:solidFill>
+            <a:schemeClr val="bg1"/>
+          </a:solidFill>
           <a:ln>
             <a:solidFill>
               <a:schemeClr val="bg1"/>
@@ -18705,27 +19384,30 @@
       </p:pic>
       <p:pic>
         <p:nvPicPr>
-          <p:cNvPr id="7" name="Picture 6"/>
+          <p:cNvPr id="17" name="Picture 16"/>
           <p:cNvPicPr>
             <a:picLocks noChangeAspect="1"/>
           </p:cNvPicPr>
           <p:nvPr/>
         </p:nvPicPr>
         <p:blipFill>
-          <a:blip r:embed="rId5"/>
+          <a:blip r:embed="rId4"/>
           <a:stretch>
             <a:fillRect/>
           </a:stretch>
         </p:blipFill>
         <p:spPr>
           <a:xfrm>
-            <a:off x="5582969" y="5214851"/>
-            <a:ext cx="1593562" cy="390260"/>
+            <a:off x="3617675" y="5303028"/>
+            <a:ext cx="1021600" cy="435437"/>
           </a:xfrm>
           <a:prstGeom prst="rect">
             <a:avLst/>
           </a:prstGeom>
-          <a:ln w="38100">
+          <a:solidFill>
+            <a:schemeClr val="bg1"/>
+          </a:solidFill>
+          <a:ln>
             <a:solidFill>
               <a:schemeClr val="bg1"/>
             </a:solidFill>
@@ -18741,171 +19423,30 @@
       </p:pic>
       <p:pic>
         <p:nvPicPr>
-          <p:cNvPr id="9" name="Picture 8"/>
+          <p:cNvPr id="18" name="Picture 17"/>
           <p:cNvPicPr>
             <a:picLocks noChangeAspect="1"/>
           </p:cNvPicPr>
           <p:nvPr/>
         </p:nvPicPr>
         <p:blipFill>
-          <a:blip r:embed="rId6"/>
+          <a:blip r:embed="rId3"/>
           <a:stretch>
             <a:fillRect/>
           </a:stretch>
         </p:blipFill>
         <p:spPr>
           <a:xfrm>
-            <a:off x="5214232" y="1322695"/>
-            <a:ext cx="2984525" cy="2195513"/>
+            <a:off x="7167889" y="5460726"/>
+            <a:ext cx="1904935" cy="444949"/>
           </a:xfrm>
           <a:prstGeom prst="rect">
             <a:avLst/>
           </a:prstGeom>
-          <a:ln w="38100">
-            <a:solidFill>
-              <a:schemeClr val="bg1"/>
-            </a:solidFill>
-          </a:ln>
-          <a:effectLst>
-            <a:outerShdw blurRad="63500" sx="102000" sy="102000" algn="ctr" rotWithShape="0">
-              <a:prstClr val="black">
-                <a:alpha val="40000"/>
-              </a:prstClr>
-            </a:outerShdw>
-          </a:effectLst>
-        </p:spPr>
-      </p:pic>
-      <p:pic>
-        <p:nvPicPr>
-          <p:cNvPr id="10" name="Picture 9"/>
-          <p:cNvPicPr>
-            <a:picLocks noChangeAspect="1"/>
-          </p:cNvPicPr>
-          <p:nvPr/>
-        </p:nvPicPr>
-        <p:blipFill>
-          <a:blip r:embed="rId7"/>
-          <a:stretch>
-            <a:fillRect/>
-          </a:stretch>
-        </p:blipFill>
-        <p:spPr>
-          <a:xfrm>
-            <a:off x="6872463" y="2331331"/>
-            <a:ext cx="3010343" cy="2195513"/>
-          </a:xfrm>
-          <a:prstGeom prst="rect">
-            <a:avLst/>
-          </a:prstGeom>
-          <a:ln w="38100">
-            <a:solidFill>
-              <a:schemeClr val="bg1"/>
-            </a:solidFill>
-          </a:ln>
-          <a:effectLst>
-            <a:outerShdw blurRad="63500" sx="102000" sy="102000" algn="ctr" rotWithShape="0">
-              <a:prstClr val="black">
-                <a:alpha val="40000"/>
-              </a:prstClr>
-            </a:outerShdw>
-          </a:effectLst>
-        </p:spPr>
-      </p:pic>
-      <p:pic>
-        <p:nvPicPr>
-          <p:cNvPr id="11" name="Picture 10"/>
-          <p:cNvPicPr>
-            <a:picLocks noChangeAspect="1"/>
-          </p:cNvPicPr>
-          <p:nvPr/>
-        </p:nvPicPr>
-        <p:blipFill>
-          <a:blip r:embed="rId8"/>
-          <a:stretch>
-            <a:fillRect/>
-          </a:stretch>
-        </p:blipFill>
-        <p:spPr>
-          <a:xfrm>
-            <a:off x="8590816" y="3126582"/>
-            <a:ext cx="2950221" cy="2195513"/>
-          </a:xfrm>
-          <a:prstGeom prst="rect">
-            <a:avLst/>
-          </a:prstGeom>
-          <a:ln w="38100">
-            <a:solidFill>
-              <a:schemeClr val="bg1"/>
-            </a:solidFill>
-          </a:ln>
-          <a:effectLst>
-            <a:outerShdw blurRad="63500" sx="102000" sy="102000" algn="ctr" rotWithShape="0">
-              <a:prstClr val="black">
-                <a:alpha val="40000"/>
-              </a:prstClr>
-            </a:outerShdw>
-          </a:effectLst>
-        </p:spPr>
-      </p:pic>
-      <p:pic>
-        <p:nvPicPr>
-          <p:cNvPr id="12" name="Picture 11"/>
-          <p:cNvPicPr>
-            <a:picLocks noChangeAspect="1"/>
-          </p:cNvPicPr>
-          <p:nvPr/>
-        </p:nvPicPr>
-        <p:blipFill>
-          <a:blip r:embed="rId5"/>
-          <a:stretch>
-            <a:fillRect/>
-          </a:stretch>
-        </p:blipFill>
-        <p:spPr>
-          <a:xfrm>
-            <a:off x="6519947" y="5511715"/>
-            <a:ext cx="1593562" cy="390260"/>
-          </a:xfrm>
-          <a:prstGeom prst="rect">
-            <a:avLst/>
-          </a:prstGeom>
-          <a:ln w="38100">
-            <a:solidFill>
-              <a:schemeClr val="bg1"/>
-            </a:solidFill>
-          </a:ln>
-          <a:effectLst>
-            <a:outerShdw blurRad="63500" sx="102000" sy="102000" algn="ctr" rotWithShape="0">
-              <a:prstClr val="black">
-                <a:alpha val="40000"/>
-              </a:prstClr>
-            </a:outerShdw>
-          </a:effectLst>
-        </p:spPr>
-      </p:pic>
-      <p:pic>
-        <p:nvPicPr>
-          <p:cNvPr id="13" name="Picture 12"/>
-          <p:cNvPicPr>
-            <a:picLocks noChangeAspect="1"/>
-          </p:cNvPicPr>
-          <p:nvPr/>
-        </p:nvPicPr>
-        <p:blipFill>
-          <a:blip r:embed="rId5"/>
-          <a:stretch>
-            <a:fillRect/>
-          </a:stretch>
-        </p:blipFill>
-        <p:spPr>
-          <a:xfrm>
-            <a:off x="7291621" y="5808579"/>
-            <a:ext cx="1593562" cy="390260"/>
-          </a:xfrm>
-          <a:prstGeom prst="rect">
-            <a:avLst/>
-          </a:prstGeom>
-          <a:ln w="38100">
+          <a:solidFill>
+            <a:schemeClr val="bg1"/>
+          </a:solidFill>
+          <a:ln>
             <a:solidFill>
               <a:schemeClr val="bg1"/>
             </a:solidFill>
@@ -19368,7 +19909,7 @@
       </p:sp>
       <p:pic>
         <p:nvPicPr>
-          <p:cNvPr id="4" name="Picture 3"/>
+          <p:cNvPr id="7" name="Picture 6"/>
           <p:cNvPicPr>
             <a:picLocks noChangeAspect="1"/>
           </p:cNvPicPr>
@@ -19382,8 +19923,8 @@
         </p:blipFill>
         <p:spPr>
           <a:xfrm>
-            <a:off x="380118" y="1484665"/>
-            <a:ext cx="11274924" cy="3787246"/>
+            <a:off x="610108" y="1704109"/>
+            <a:ext cx="11062005" cy="3543299"/>
           </a:xfrm>
           <a:prstGeom prst="rect">
             <a:avLst/>
@@ -19448,9 +19989,313 @@
           </a:p>
         </p:txBody>
       </p:sp>
+      <p:sp>
+        <p:nvSpPr>
+          <p:cNvPr id="5" name="TextBox 4"/>
+          <p:cNvSpPr txBox="1"/>
+          <p:nvPr/>
+        </p:nvSpPr>
+        <p:spPr>
+          <a:xfrm>
+            <a:off x="738191" y="1306381"/>
+            <a:ext cx="825867" cy="461665"/>
+          </a:xfrm>
+          <a:prstGeom prst="rect">
+            <a:avLst/>
+          </a:prstGeom>
+          <a:noFill/>
+        </p:spPr>
+        <p:txBody>
+          <a:bodyPr wrap="none" rtlCol="0">
+            <a:spAutoFit/>
+          </a:bodyPr>
+          <a:lstStyle/>
+          <a:p>
+            <a:r>
+              <a:rPr lang="en-US" sz="2400" dirty="0"/>
+              <a:t>Code</a:t>
+            </a:r>
+            <a:endParaRPr lang="en-GB" sz="2400" dirty="0"/>
+          </a:p>
+        </p:txBody>
+      </p:sp>
+      <p:sp>
+        <p:nvSpPr>
+          <p:cNvPr id="6" name="TextBox 5"/>
+          <p:cNvSpPr txBox="1"/>
+          <p:nvPr/>
+        </p:nvSpPr>
+        <p:spPr>
+          <a:xfrm>
+            <a:off x="738191" y="3747565"/>
+            <a:ext cx="1989199" cy="461665"/>
+          </a:xfrm>
+          <a:prstGeom prst="rect">
+            <a:avLst/>
+          </a:prstGeom>
+          <a:noFill/>
+        </p:spPr>
+        <p:txBody>
+          <a:bodyPr wrap="none" rtlCol="0">
+            <a:spAutoFit/>
+          </a:bodyPr>
+          <a:lstStyle/>
+          <a:p>
+            <a:r>
+              <a:rPr lang="en-US" sz="2400" dirty="0"/>
+              <a:t>Stryker output</a:t>
+            </a:r>
+            <a:endParaRPr lang="en-GB" sz="2400" dirty="0"/>
+          </a:p>
+        </p:txBody>
+      </p:sp>
+      <p:sp>
+        <p:nvSpPr>
+          <p:cNvPr id="7" name="Rectangle 6"/>
+          <p:cNvSpPr/>
+          <p:nvPr/>
+        </p:nvSpPr>
+        <p:spPr>
+          <a:xfrm>
+            <a:off x="3899387" y="1716240"/>
+            <a:ext cx="4629374" cy="2031325"/>
+          </a:xfrm>
+          <a:prstGeom prst="rect">
+            <a:avLst/>
+          </a:prstGeom>
+          <a:ln>
+            <a:solidFill>
+              <a:schemeClr val="bg1"/>
+            </a:solidFill>
+          </a:ln>
+          <a:effectLst>
+            <a:outerShdw blurRad="63500" sx="102000" sy="102000" algn="ctr" rotWithShape="0">
+              <a:prstClr val="black">
+                <a:alpha val="40000"/>
+              </a:prstClr>
+            </a:outerShdw>
+          </a:effectLst>
+        </p:spPr>
+        <p:txBody>
+          <a:bodyPr wrap="square">
+            <a:spAutoFit/>
+          </a:bodyPr>
+          <a:lstStyle/>
+          <a:p>
+            <a:r>
+              <a:rPr lang="en-GB" dirty="0">
+                <a:solidFill>
+                  <a:srgbClr val="0000FF"/>
+                </a:solidFill>
+                <a:latin typeface="Consolas" panose="020B0609020204030204" pitchFamily="49" charset="0"/>
+              </a:rPr>
+              <a:t>public</a:t>
+            </a:r>
+            <a:r>
+              <a:rPr lang="en-GB" dirty="0">
+                <a:solidFill>
+                  <a:srgbClr val="000000"/>
+                </a:solidFill>
+                <a:latin typeface="Consolas" panose="020B0609020204030204" pitchFamily="49" charset="0"/>
+              </a:rPr>
+              <a:t> </a:t>
+            </a:r>
+            <a:r>
+              <a:rPr lang="en-GB" dirty="0">
+                <a:solidFill>
+                  <a:srgbClr val="0000FF"/>
+                </a:solidFill>
+                <a:latin typeface="Consolas" panose="020B0609020204030204" pitchFamily="49" charset="0"/>
+              </a:rPr>
+              <a:t>void</a:t>
+            </a:r>
+            <a:r>
+              <a:rPr lang="en-GB" dirty="0">
+                <a:solidFill>
+                  <a:srgbClr val="000000"/>
+                </a:solidFill>
+                <a:latin typeface="Consolas" panose="020B0609020204030204" pitchFamily="49" charset="0"/>
+              </a:rPr>
+              <a:t> Sub(</a:t>
+            </a:r>
+            <a:r>
+              <a:rPr lang="en-GB" dirty="0" err="1">
+                <a:solidFill>
+                  <a:srgbClr val="0000FF"/>
+                </a:solidFill>
+                <a:latin typeface="Consolas" panose="020B0609020204030204" pitchFamily="49" charset="0"/>
+              </a:rPr>
+              <a:t>int</a:t>
+            </a:r>
+            <a:r>
+              <a:rPr lang="en-GB" dirty="0">
+                <a:solidFill>
+                  <a:srgbClr val="000000"/>
+                </a:solidFill>
+                <a:latin typeface="Consolas" panose="020B0609020204030204" pitchFamily="49" charset="0"/>
+              </a:rPr>
+              <a:t> </a:t>
+            </a:r>
+            <a:r>
+              <a:rPr lang="en-GB" dirty="0" err="1">
+                <a:solidFill>
+                  <a:srgbClr val="000000"/>
+                </a:solidFill>
+                <a:latin typeface="Consolas" panose="020B0609020204030204" pitchFamily="49" charset="0"/>
+              </a:rPr>
+              <a:t>inValue</a:t>
+            </a:r>
+            <a:r>
+              <a:rPr lang="en-GB" dirty="0">
+                <a:solidFill>
+                  <a:srgbClr val="000000"/>
+                </a:solidFill>
+                <a:latin typeface="Consolas" panose="020B0609020204030204" pitchFamily="49" charset="0"/>
+              </a:rPr>
+              <a:t>)</a:t>
+            </a:r>
+          </a:p>
+          <a:p>
+            <a:r>
+              <a:rPr lang="en-GB" dirty="0">
+                <a:solidFill>
+                  <a:srgbClr val="000000"/>
+                </a:solidFill>
+                <a:latin typeface="Consolas" panose="020B0609020204030204" pitchFamily="49" charset="0"/>
+              </a:rPr>
+              <a:t>{</a:t>
+            </a:r>
+          </a:p>
+          <a:p>
+            <a:r>
+              <a:rPr lang="en-GB" dirty="0">
+                <a:solidFill>
+                  <a:srgbClr val="000000"/>
+                </a:solidFill>
+                <a:latin typeface="Consolas" panose="020B0609020204030204" pitchFamily="49" charset="0"/>
+              </a:rPr>
+              <a:t>    </a:t>
+            </a:r>
+            <a:r>
+              <a:rPr lang="en-GB" dirty="0">
+                <a:solidFill>
+                  <a:srgbClr val="0000FF"/>
+                </a:solidFill>
+                <a:latin typeface="Consolas" panose="020B0609020204030204" pitchFamily="49" charset="0"/>
+              </a:rPr>
+              <a:t>if</a:t>
+            </a:r>
+            <a:r>
+              <a:rPr lang="en-GB" dirty="0">
+                <a:solidFill>
+                  <a:srgbClr val="000000"/>
+                </a:solidFill>
+                <a:latin typeface="Consolas" panose="020B0609020204030204" pitchFamily="49" charset="0"/>
+              </a:rPr>
+              <a:t> (value &lt; </a:t>
+            </a:r>
+            <a:r>
+              <a:rPr lang="en-GB" dirty="0" err="1">
+                <a:solidFill>
+                  <a:srgbClr val="000000"/>
+                </a:solidFill>
+                <a:latin typeface="Consolas" panose="020B0609020204030204" pitchFamily="49" charset="0"/>
+              </a:rPr>
+              <a:t>inValue</a:t>
+            </a:r>
+            <a:r>
+              <a:rPr lang="en-GB" dirty="0">
+                <a:solidFill>
+                  <a:srgbClr val="000000"/>
+                </a:solidFill>
+                <a:latin typeface="Consolas" panose="020B0609020204030204" pitchFamily="49" charset="0"/>
+              </a:rPr>
+              <a:t>)</a:t>
+            </a:r>
+          </a:p>
+          <a:p>
+            <a:r>
+              <a:rPr lang="en-GB" dirty="0">
+                <a:solidFill>
+                  <a:srgbClr val="000000"/>
+                </a:solidFill>
+                <a:latin typeface="Consolas" panose="020B0609020204030204" pitchFamily="49" charset="0"/>
+              </a:rPr>
+              <a:t>        value = 0;</a:t>
+            </a:r>
+          </a:p>
+          <a:p>
+            <a:r>
+              <a:rPr lang="en-GB" dirty="0">
+                <a:solidFill>
+                  <a:srgbClr val="000000"/>
+                </a:solidFill>
+                <a:latin typeface="Consolas" panose="020B0609020204030204" pitchFamily="49" charset="0"/>
+              </a:rPr>
+              <a:t>    </a:t>
+            </a:r>
+            <a:r>
+              <a:rPr lang="en-GB" dirty="0">
+                <a:solidFill>
+                  <a:srgbClr val="0000FF"/>
+                </a:solidFill>
+                <a:latin typeface="Consolas" panose="020B0609020204030204" pitchFamily="49" charset="0"/>
+              </a:rPr>
+              <a:t>else</a:t>
+            </a:r>
+            <a:endParaRPr lang="en-GB" dirty="0">
+              <a:solidFill>
+                <a:srgbClr val="000000"/>
+              </a:solidFill>
+              <a:latin typeface="Consolas" panose="020B0609020204030204" pitchFamily="49" charset="0"/>
+            </a:endParaRPr>
+          </a:p>
+          <a:p>
+            <a:r>
+              <a:rPr lang="en-GB" dirty="0">
+                <a:solidFill>
+                  <a:srgbClr val="000000"/>
+                </a:solidFill>
+                <a:latin typeface="Consolas" panose="020B0609020204030204" pitchFamily="49" charset="0"/>
+              </a:rPr>
+              <a:t>        value = value - </a:t>
+            </a:r>
+            <a:r>
+              <a:rPr lang="en-GB" dirty="0" err="1">
+                <a:solidFill>
+                  <a:srgbClr val="000000"/>
+                </a:solidFill>
+                <a:latin typeface="Consolas" panose="020B0609020204030204" pitchFamily="49" charset="0"/>
+              </a:rPr>
+              <a:t>inValue</a:t>
+            </a:r>
+            <a:r>
+              <a:rPr lang="en-GB" dirty="0">
+                <a:solidFill>
+                  <a:srgbClr val="000000"/>
+                </a:solidFill>
+                <a:latin typeface="Consolas" panose="020B0609020204030204" pitchFamily="49" charset="0"/>
+              </a:rPr>
+              <a:t>;</a:t>
+            </a:r>
+          </a:p>
+          <a:p>
+            <a:r>
+              <a:rPr lang="en-GB" dirty="0">
+                <a:solidFill>
+                  <a:srgbClr val="000000"/>
+                </a:solidFill>
+                <a:latin typeface="Consolas" panose="020B0609020204030204" pitchFamily="49" charset="0"/>
+              </a:rPr>
+              <a:t>}</a:t>
+            </a:r>
+            <a:endParaRPr lang="en-GB" dirty="0"/>
+          </a:p>
+        </p:txBody>
+      </p:sp>
       <p:pic>
         <p:nvPicPr>
-          <p:cNvPr id="3" name="Picture 2"/>
+          <p:cNvPr id="9" name="Picture 8"/>
           <p:cNvPicPr>
             <a:picLocks noChangeAspect="1"/>
           </p:cNvPicPr>
@@ -19464,98 +20309,14 @@
         </p:blipFill>
         <p:spPr>
           <a:xfrm>
-            <a:off x="3788358" y="1369309"/>
-            <a:ext cx="4294114" cy="2218843"/>
+            <a:off x="912133" y="4572369"/>
+            <a:ext cx="10603882" cy="1100525"/>
           </a:xfrm>
           <a:prstGeom prst="rect">
             <a:avLst/>
           </a:prstGeom>
         </p:spPr>
       </p:pic>
-      <p:pic>
-        <p:nvPicPr>
-          <p:cNvPr id="4" name="Picture 3"/>
-          <p:cNvPicPr>
-            <a:picLocks noChangeAspect="1"/>
-          </p:cNvPicPr>
-          <p:nvPr/>
-        </p:nvPicPr>
-        <p:blipFill>
-          <a:blip r:embed="rId4"/>
-          <a:stretch>
-            <a:fillRect/>
-          </a:stretch>
-        </p:blipFill>
-        <p:spPr>
-          <a:xfrm>
-            <a:off x="3788358" y="4106118"/>
-            <a:ext cx="6230770" cy="1218236"/>
-          </a:xfrm>
-          <a:prstGeom prst="rect">
-            <a:avLst/>
-          </a:prstGeom>
-        </p:spPr>
-      </p:pic>
-      <p:sp>
-        <p:nvSpPr>
-          <p:cNvPr id="5" name="TextBox 4"/>
-          <p:cNvSpPr txBox="1"/>
-          <p:nvPr/>
-        </p:nvSpPr>
-        <p:spPr>
-          <a:xfrm>
-            <a:off x="738191" y="1306381"/>
-            <a:ext cx="825867" cy="461665"/>
-          </a:xfrm>
-          <a:prstGeom prst="rect">
-            <a:avLst/>
-          </a:prstGeom>
-          <a:noFill/>
-        </p:spPr>
-        <p:txBody>
-          <a:bodyPr wrap="none" rtlCol="0">
-            <a:spAutoFit/>
-          </a:bodyPr>
-          <a:lstStyle/>
-          <a:p>
-            <a:r>
-              <a:rPr lang="en-US" sz="2400" dirty="0"/>
-              <a:t>Code</a:t>
-            </a:r>
-            <a:endParaRPr lang="en-GB" sz="2400" dirty="0"/>
-          </a:p>
-        </p:txBody>
-      </p:sp>
-      <p:sp>
-        <p:nvSpPr>
-          <p:cNvPr id="6" name="TextBox 5"/>
-          <p:cNvSpPr txBox="1"/>
-          <p:nvPr/>
-        </p:nvSpPr>
-        <p:spPr>
-          <a:xfrm>
-            <a:off x="738191" y="4080074"/>
-            <a:ext cx="1989199" cy="461665"/>
-          </a:xfrm>
-          <a:prstGeom prst="rect">
-            <a:avLst/>
-          </a:prstGeom>
-          <a:noFill/>
-        </p:spPr>
-        <p:txBody>
-          <a:bodyPr wrap="none" rtlCol="0">
-            <a:spAutoFit/>
-          </a:bodyPr>
-          <a:lstStyle/>
-          <a:p>
-            <a:r>
-              <a:rPr lang="en-US" sz="2400" dirty="0"/>
-              <a:t>Stryker output</a:t>
-            </a:r>
-            <a:endParaRPr lang="en-GB" sz="2400" dirty="0"/>
-          </a:p>
-        </p:txBody>
-      </p:sp>
     </p:spTree>
     <p:extLst>
       <p:ext uri="{BB962C8B-B14F-4D97-AF65-F5344CB8AC3E}">
@@ -19827,83 +20588,117 @@
           <a:p>
             <a:r>
               <a:rPr lang="en-GB" dirty="0"/>
-              <a:t>Jasmine/Karma fails</a:t>
-            </a:r>
+              <a:t>Mutant testing complexity</a:t>
+            </a:r>
+          </a:p>
+          <a:p>
+            <a:endParaRPr lang="en-GB" dirty="0"/>
+          </a:p>
+          <a:p>
+            <a:endParaRPr lang="en-GB" dirty="0"/>
           </a:p>
           <a:p>
             <a:endParaRPr lang="ru-RU" dirty="0"/>
           </a:p>
         </p:txBody>
       </p:sp>
-      <p:pic>
-        <p:nvPicPr>
-          <p:cNvPr id="2050" name="Picture 2" descr="Related image"/>
-          <p:cNvPicPr>
-            <a:picLocks noChangeAspect="1" noChangeArrowheads="1"/>
-          </p:cNvPicPr>
+      <p:sp>
+        <p:nvSpPr>
+          <p:cNvPr id="3" name="TextBox 2"/>
+          <p:cNvSpPr txBox="1"/>
           <p:nvPr/>
-        </p:nvPicPr>
-        <p:blipFill>
-          <a:blip r:embed="rId3">
-            <a:extLst>
-              <a:ext uri="{28A0092B-C50C-407E-A947-70E740481C1C}">
-                <a14:useLocalDpi xmlns:a14="http://schemas.microsoft.com/office/drawing/2010/main" val="0"/>
-              </a:ext>
-            </a:extLst>
-          </a:blip>
-          <a:srcRect/>
-          <a:stretch>
-            <a:fillRect/>
-          </a:stretch>
-        </p:blipFill>
-        <p:spPr bwMode="auto">
-          <a:xfrm>
-            <a:off x="3666884" y="1678511"/>
-            <a:ext cx="4733925" cy="1857375"/>
+        </p:nvSpPr>
+        <p:spPr>
+          <a:xfrm>
+            <a:off x="1747777" y="1759352"/>
+            <a:ext cx="8102279" cy="3108543"/>
           </a:xfrm>
           <a:prstGeom prst="rect">
             <a:avLst/>
           </a:prstGeom>
           <a:noFill/>
-          <a:extLst>
-            <a:ext uri="{909E8E84-426E-40DD-AFC4-6F175D3DCCD1}">
-              <a14:hiddenFill xmlns:a14="http://schemas.microsoft.com/office/drawing/2010/main">
-                <a:solidFill>
-                  <a:srgbClr val="FFFFFF"/>
-                </a:solidFill>
-              </a14:hiddenFill>
-            </a:ext>
-          </a:extLst>
-        </p:spPr>
-      </p:pic>
-      <p:pic>
-        <p:nvPicPr>
-          <p:cNvPr id="3" name="Picture 2"/>
-          <p:cNvPicPr>
-            <a:picLocks noChangeAspect="1"/>
-          </p:cNvPicPr>
-          <p:nvPr/>
-        </p:nvPicPr>
-        <p:blipFill>
-          <a:blip r:embed="rId4"/>
-          <a:stretch>
-            <a:fillRect/>
-          </a:stretch>
-        </p:blipFill>
-        <p:spPr>
-          <a:xfrm>
-            <a:off x="4115704" y="3898358"/>
-            <a:ext cx="3836287" cy="1657490"/>
-          </a:xfrm>
-          <a:prstGeom prst="rect">
-            <a:avLst/>
-          </a:prstGeom>
-        </p:spPr>
-      </p:pic>
+        </p:spPr>
+        <p:txBody>
+          <a:bodyPr wrap="square" rtlCol="0">
+            <a:spAutoFit/>
+          </a:bodyPr>
+          <a:lstStyle/>
+          <a:p>
+            <a:pPr marL="285750" indent="-285750">
+              <a:buFont typeface="Arial" panose="020B0604020202020204" pitchFamily="34" charset="0"/>
+              <a:buChar char="•"/>
+            </a:pPr>
+            <a:r>
+              <a:rPr lang="en-US" sz="2800" dirty="0"/>
+              <a:t>N</a:t>
+            </a:r>
+            <a:r>
+              <a:rPr lang="en-US" sz="2800" baseline="30000" dirty="0"/>
+              <a:t>2  </a:t>
+            </a:r>
+            <a:r>
+              <a:rPr lang="en-US" sz="2800" dirty="0"/>
+              <a:t>?</a:t>
+            </a:r>
+          </a:p>
+          <a:p>
+            <a:pPr marL="285750" indent="-285750">
+              <a:buFont typeface="Arial" panose="020B0604020202020204" pitchFamily="34" charset="0"/>
+              <a:buChar char="•"/>
+            </a:pPr>
+            <a:endParaRPr lang="en-US" sz="2800" dirty="0"/>
+          </a:p>
+          <a:p>
+            <a:pPr marL="285750" indent="-285750">
+              <a:buFont typeface="Arial" panose="020B0604020202020204" pitchFamily="34" charset="0"/>
+              <a:buChar char="•"/>
+            </a:pPr>
+            <a:r>
+              <a:rPr lang="en-US" sz="2800" dirty="0"/>
+              <a:t>Independent for classes</a:t>
+            </a:r>
+          </a:p>
+          <a:p>
+            <a:pPr marL="285750" indent="-285750">
+              <a:buFont typeface="Arial" panose="020B0604020202020204" pitchFamily="34" charset="0"/>
+              <a:buChar char="•"/>
+            </a:pPr>
+            <a:endParaRPr lang="en-US" sz="2800" dirty="0"/>
+          </a:p>
+          <a:p>
+            <a:pPr marL="285750" indent="-285750">
+              <a:buFont typeface="Arial" panose="020B0604020202020204" pitchFamily="34" charset="0"/>
+              <a:buChar char="•"/>
+            </a:pPr>
+            <a:r>
+              <a:rPr lang="en-US" sz="2800" dirty="0"/>
+              <a:t>Clear code restriction</a:t>
+            </a:r>
+          </a:p>
+          <a:p>
+            <a:pPr marL="285750" indent="-285750">
+              <a:buFont typeface="Arial" panose="020B0604020202020204" pitchFamily="34" charset="0"/>
+              <a:buChar char="•"/>
+            </a:pPr>
+            <a:endParaRPr lang="en-US" sz="2800" dirty="0"/>
+          </a:p>
+          <a:p>
+            <a:pPr marL="285750" indent="-285750">
+              <a:buFont typeface="Arial" panose="020B0604020202020204" pitchFamily="34" charset="0"/>
+              <a:buChar char="•"/>
+            </a:pPr>
+            <a:r>
+              <a:rPr lang="en-US" sz="2800" dirty="0"/>
+              <a:t>Test coverage analyze</a:t>
+            </a:r>
+            <a:endParaRPr lang="en-GB" sz="2800" dirty="0"/>
+          </a:p>
+        </p:txBody>
+      </p:sp>
     </p:spTree>
     <p:extLst>
       <p:ext uri="{BB962C8B-B14F-4D97-AF65-F5344CB8AC3E}">
-        <p14:creationId xmlns:p14="http://schemas.microsoft.com/office/powerpoint/2010/main" val="1135466741"/>
+        <p14:creationId xmlns:p14="http://schemas.microsoft.com/office/powerpoint/2010/main" val="3125230620"/>
       </p:ext>
     </p:extLst>
   </p:cSld>
@@ -19947,7 +20742,7 @@
           <a:p>
             <a:r>
               <a:rPr lang="en-GB" dirty="0"/>
-              <a:t>Mutant testing complexity</a:t>
+              <a:t>Parallelization of Mutant killings</a:t>
             </a:r>
           </a:p>
           <a:p>
@@ -19989,15 +20784,7 @@
             </a:pPr>
             <a:r>
               <a:rPr lang="en-US" sz="2800" dirty="0"/>
-              <a:t>N</a:t>
-            </a:r>
-            <a:r>
-              <a:rPr lang="en-US" sz="2800" baseline="30000" dirty="0"/>
-              <a:t>2  </a:t>
-            </a:r>
-            <a:r>
-              <a:rPr lang="en-US" sz="2800" dirty="0"/>
-              <a:t>?</a:t>
+              <a:t>By class</a:t>
             </a:r>
           </a:p>
           <a:p>
@@ -20014,7 +20801,7 @@
             </a:pPr>
             <a:r>
               <a:rPr lang="en-US" sz="2800" dirty="0"/>
-              <a:t>Independent for classes</a:t>
+              <a:t>By mutants</a:t>
             </a:r>
           </a:p>
           <a:p>
@@ -20030,8 +20817,12 @@
               <a:buChar char="•"/>
             </a:pPr>
             <a:r>
-              <a:rPr lang="en-US" sz="2800" dirty="0"/>
-              <a:t>Clear code restriction</a:t>
+              <a:rPr lang="en-US" sz="2800" dirty="0">
+                <a:solidFill>
+                  <a:srgbClr val="FF0000"/>
+                </a:solidFill>
+              </a:rPr>
+              <a:t>By methods</a:t>
             </a:r>
           </a:p>
           <a:p>
@@ -20039,7 +20830,11 @@
               <a:buFont typeface="Arial" panose="020B0604020202020204" pitchFamily="34" charset="0"/>
               <a:buChar char="•"/>
             </a:pPr>
-            <a:endParaRPr lang="en-US" sz="2800" dirty="0"/>
+            <a:endParaRPr lang="en-US" sz="2800" dirty="0">
+              <a:solidFill>
+                <a:srgbClr val="FF0000"/>
+              </a:solidFill>
+            </a:endParaRPr>
           </a:p>
           <a:p>
             <a:pPr marL="285750" indent="-285750">
@@ -20048,16 +20843,15 @@
             </a:pPr>
             <a:r>
               <a:rPr lang="en-US" sz="2800" dirty="0"/>
-              <a:t>Test coverage analyze</a:t>
-            </a:r>
-            <a:endParaRPr lang="en-GB" sz="2800" dirty="0"/>
+              <a:t>Incrementation testing</a:t>
+            </a:r>
           </a:p>
         </p:txBody>
       </p:sp>
     </p:spTree>
     <p:extLst>
       <p:ext uri="{BB962C8B-B14F-4D97-AF65-F5344CB8AC3E}">
-        <p14:creationId xmlns:p14="http://schemas.microsoft.com/office/powerpoint/2010/main" val="3125230620"/>
+        <p14:creationId xmlns:p14="http://schemas.microsoft.com/office/powerpoint/2010/main" val="3085324142"/>
       </p:ext>
     </p:extLst>
   </p:cSld>
@@ -20101,7 +20895,7 @@
           <a:p>
             <a:r>
               <a:rPr lang="en-GB" dirty="0"/>
-              <a:t>Parallelization of Mutant killings</a:t>
+              <a:t>Mutant testing advantages and disadvantages</a:t>
             </a:r>
           </a:p>
           <a:p>
@@ -20123,8 +20917,8 @@
         </p:nvSpPr>
         <p:spPr>
           <a:xfrm>
-            <a:off x="1747777" y="1759352"/>
-            <a:ext cx="8102279" cy="3108543"/>
+            <a:off x="1027558" y="1805650"/>
+            <a:ext cx="4512454" cy="1384995"/>
           </a:xfrm>
           <a:prstGeom prst="rect">
             <a:avLst/>
@@ -20132,7 +20926,7 @@
           <a:noFill/>
         </p:spPr>
         <p:txBody>
-          <a:bodyPr wrap="square" rtlCol="0">
+          <a:bodyPr wrap="none" rtlCol="0">
             <a:spAutoFit/>
           </a:bodyPr>
           <a:lstStyle/>
@@ -20143,7 +20937,7 @@
             </a:pPr>
             <a:r>
               <a:rPr lang="en-US" sz="2800" dirty="0"/>
-              <a:t>By class</a:t>
+              <a:t>Hard tested code</a:t>
             </a:r>
           </a:p>
           <a:p>
@@ -20151,7 +20945,10 @@
               <a:buFont typeface="Arial" panose="020B0604020202020204" pitchFamily="34" charset="0"/>
               <a:buChar char="•"/>
             </a:pPr>
-            <a:endParaRPr lang="en-US" sz="2800" dirty="0"/>
+            <a:r>
+              <a:rPr lang="en-US" sz="2800" dirty="0"/>
+              <a:t>Show true untested code</a:t>
+            </a:r>
           </a:p>
           <a:p>
             <a:pPr marL="285750" indent="-285750">
@@ -20160,15 +20957,42 @@
             </a:pPr>
             <a:r>
               <a:rPr lang="en-US" sz="2800" dirty="0"/>
-              <a:t>By mutants</a:t>
-            </a:r>
-          </a:p>
+              <a:t>Force to write code smarter</a:t>
+            </a:r>
+            <a:endParaRPr lang="en-GB" sz="2800" dirty="0"/>
+          </a:p>
+        </p:txBody>
+      </p:sp>
+      <p:sp>
+        <p:nvSpPr>
+          <p:cNvPr id="5" name="TextBox 4"/>
+          <p:cNvSpPr txBox="1"/>
+          <p:nvPr/>
+        </p:nvSpPr>
+        <p:spPr>
+          <a:xfrm>
+            <a:off x="6157072" y="1828270"/>
+            <a:ext cx="3876382" cy="2246769"/>
+          </a:xfrm>
+          <a:prstGeom prst="rect">
+            <a:avLst/>
+          </a:prstGeom>
+          <a:noFill/>
+        </p:spPr>
+        <p:txBody>
+          <a:bodyPr wrap="none" rtlCol="0">
+            <a:spAutoFit/>
+          </a:bodyPr>
+          <a:lstStyle/>
           <a:p>
             <a:pPr marL="285750" indent="-285750">
               <a:buFont typeface="Arial" panose="020B0604020202020204" pitchFamily="34" charset="0"/>
               <a:buChar char="•"/>
             </a:pPr>
-            <a:endParaRPr lang="en-US" sz="2800" dirty="0"/>
+            <a:r>
+              <a:rPr lang="en-US" sz="2800" dirty="0"/>
+              <a:t>Hard to test code</a:t>
+            </a:r>
           </a:p>
           <a:p>
             <a:pPr marL="285750" indent="-285750">
@@ -20176,12 +21000,8 @@
               <a:buChar char="•"/>
             </a:pPr>
             <a:r>
-              <a:rPr lang="en-US" sz="2800" dirty="0">
-                <a:solidFill>
-                  <a:srgbClr val="FF0000"/>
-                </a:solidFill>
-              </a:rPr>
-              <a:t>By methods</a:t>
+              <a:rPr lang="en-US" sz="2800" dirty="0"/>
+              <a:t>Hard to change code</a:t>
             </a:r>
           </a:p>
           <a:p>
@@ -20189,11 +21009,22 @@
               <a:buFont typeface="Arial" panose="020B0604020202020204" pitchFamily="34" charset="0"/>
               <a:buChar char="•"/>
             </a:pPr>
-            <a:endParaRPr lang="en-US" sz="2800" dirty="0">
-              <a:solidFill>
-                <a:srgbClr val="FF0000"/>
-              </a:solidFill>
-            </a:endParaRPr>
+            <a:r>
+              <a:rPr lang="en-GB" sz="2800" dirty="0"/>
+              <a:t>“</a:t>
+            </a:r>
+            <a:r>
+              <a:rPr lang="en-US" sz="2800" dirty="0"/>
+              <a:t>Score”</a:t>
+            </a:r>
+            <a:r>
+              <a:rPr lang="ru-RU" sz="2800" dirty="0"/>
+              <a:t> </a:t>
+            </a:r>
+            <a:r>
+              <a:rPr lang="en-US" sz="2800" dirty="0"/>
+              <a:t>is not objective</a:t>
+            </a:r>
           </a:p>
           <a:p>
             <a:pPr marL="285750" indent="-285750">
@@ -20202,15 +21033,22 @@
             </a:pPr>
             <a:r>
               <a:rPr lang="en-US" sz="2800" dirty="0"/>
-              <a:t>Incrementation testing</a:t>
-            </a:r>
+              <a:t>Can be unstable</a:t>
+            </a:r>
+          </a:p>
+          <a:p>
+            <a:pPr marL="285750" indent="-285750">
+              <a:buFont typeface="Arial" panose="020B0604020202020204" pitchFamily="34" charset="0"/>
+              <a:buChar char="•"/>
+            </a:pPr>
+            <a:endParaRPr lang="en-GB" sz="2800" dirty="0"/>
           </a:p>
         </p:txBody>
       </p:sp>
     </p:spTree>
     <p:extLst>
       <p:ext uri="{BB962C8B-B14F-4D97-AF65-F5344CB8AC3E}">
-        <p14:creationId xmlns:p14="http://schemas.microsoft.com/office/powerpoint/2010/main" val="3085324142"/>
+        <p14:creationId xmlns:p14="http://schemas.microsoft.com/office/powerpoint/2010/main" val="902548611"/>
       </p:ext>
     </p:extLst>
   </p:cSld>
@@ -20416,7 +21254,7 @@
           <a:p>
             <a:r>
               <a:rPr lang="en-GB" dirty="0"/>
-              <a:t>Mutant testing advantages and disadvantages</a:t>
+              <a:t>Mutant tests can generate code?</a:t>
             </a:r>
           </a:p>
           <a:p>
@@ -20430,16 +21268,40 @@
           </a:p>
         </p:txBody>
       </p:sp>
-      <p:sp>
-        <p:nvSpPr>
-          <p:cNvPr id="3" name="TextBox 2"/>
+      <p:pic>
+        <p:nvPicPr>
+          <p:cNvPr id="3" name="Picture 2"/>
+          <p:cNvPicPr>
+            <a:picLocks noChangeAspect="1"/>
+          </p:cNvPicPr>
+          <p:nvPr/>
+        </p:nvPicPr>
+        <p:blipFill>
+          <a:blip r:embed="rId3"/>
+          <a:stretch>
+            <a:fillRect/>
+          </a:stretch>
+        </p:blipFill>
+        <p:spPr>
+          <a:xfrm>
+            <a:off x="1012648" y="2110317"/>
+            <a:ext cx="3118133" cy="1231194"/>
+          </a:xfrm>
+          <a:prstGeom prst="rect">
+            <a:avLst/>
+          </a:prstGeom>
+        </p:spPr>
+      </p:pic>
+      <p:sp>
+        <p:nvSpPr>
+          <p:cNvPr id="4" name="TextBox 3"/>
           <p:cNvSpPr txBox="1"/>
           <p:nvPr/>
         </p:nvSpPr>
         <p:spPr>
           <a:xfrm>
-            <a:off x="1027558" y="1805650"/>
-            <a:ext cx="4512454" cy="1384995"/>
+            <a:off x="679063" y="1488193"/>
+            <a:ext cx="825867" cy="461665"/>
           </a:xfrm>
           <a:prstGeom prst="rect">
             <a:avLst/>
@@ -20452,35 +21314,10 @@
           </a:bodyPr>
           <a:lstStyle/>
           <a:p>
-            <a:pPr marL="285750" indent="-285750">
-              <a:buFont typeface="Arial" panose="020B0604020202020204" pitchFamily="34" charset="0"/>
-              <a:buChar char="•"/>
-            </a:pPr>
-            <a:r>
-              <a:rPr lang="en-US" sz="2800" dirty="0"/>
-              <a:t>Hard tested code</a:t>
-            </a:r>
-          </a:p>
-          <a:p>
-            <a:pPr marL="285750" indent="-285750">
-              <a:buFont typeface="Arial" panose="020B0604020202020204" pitchFamily="34" charset="0"/>
-              <a:buChar char="•"/>
-            </a:pPr>
-            <a:r>
-              <a:rPr lang="en-US" sz="2800" dirty="0"/>
-              <a:t>Show true untested code</a:t>
-            </a:r>
-          </a:p>
-          <a:p>
-            <a:pPr marL="285750" indent="-285750">
-              <a:buFont typeface="Arial" panose="020B0604020202020204" pitchFamily="34" charset="0"/>
-              <a:buChar char="•"/>
-            </a:pPr>
-            <a:r>
-              <a:rPr lang="en-US" sz="2800" dirty="0"/>
-              <a:t>Force to write code smarter</a:t>
-            </a:r>
-            <a:endParaRPr lang="en-GB" sz="2800" dirty="0"/>
+            <a:r>
+              <a:rPr lang="en-GB" sz="2400" dirty="0"/>
+              <a:t>Code</a:t>
+            </a:r>
           </a:p>
         </p:txBody>
       </p:sp>
@@ -20492,8 +21329,8 @@
         </p:nvSpPr>
         <p:spPr>
           <a:xfrm>
-            <a:off x="6157072" y="1828270"/>
-            <a:ext cx="3876382" cy="2246769"/>
+            <a:off x="5594596" y="1488193"/>
+            <a:ext cx="801438" cy="461665"/>
           </a:xfrm>
           <a:prstGeom prst="rect">
             <a:avLst/>
@@ -20506,70 +21343,65 @@
           </a:bodyPr>
           <a:lstStyle/>
           <a:p>
-            <a:pPr marL="285750" indent="-285750">
-              <a:buFont typeface="Arial" panose="020B0604020202020204" pitchFamily="34" charset="0"/>
-              <a:buChar char="•"/>
-            </a:pPr>
-            <a:r>
-              <a:rPr lang="en-US" sz="2800" dirty="0"/>
-              <a:t>Hard to test code</a:t>
-            </a:r>
-          </a:p>
-          <a:p>
-            <a:pPr marL="285750" indent="-285750">
-              <a:buFont typeface="Arial" panose="020B0604020202020204" pitchFamily="34" charset="0"/>
-              <a:buChar char="•"/>
-            </a:pPr>
-            <a:r>
-              <a:rPr lang="en-US" sz="2800" dirty="0"/>
-              <a:t>Hard to change code</a:t>
-            </a:r>
-          </a:p>
-          <a:p>
-            <a:pPr marL="285750" indent="-285750">
-              <a:buFont typeface="Arial" panose="020B0604020202020204" pitchFamily="34" charset="0"/>
-              <a:buChar char="•"/>
-            </a:pPr>
-            <a:r>
-              <a:rPr lang="en-GB" sz="2800" dirty="0"/>
-              <a:t>“</a:t>
-            </a:r>
-            <a:r>
-              <a:rPr lang="en-US" sz="2800" dirty="0"/>
-              <a:t>Score”</a:t>
-            </a:r>
-            <a:r>
-              <a:rPr lang="ru-RU" sz="2800" dirty="0"/>
-              <a:t> </a:t>
-            </a:r>
-            <a:r>
-              <a:rPr lang="en-US" sz="2800" dirty="0"/>
-              <a:t>is not objective</a:t>
-            </a:r>
-          </a:p>
-          <a:p>
-            <a:pPr marL="285750" indent="-285750">
-              <a:buFont typeface="Arial" panose="020B0604020202020204" pitchFamily="34" charset="0"/>
-              <a:buChar char="•"/>
-            </a:pPr>
-            <a:r>
-              <a:rPr lang="en-US" sz="2800" dirty="0"/>
-              <a:t>Can be unstable</a:t>
-            </a:r>
-          </a:p>
-          <a:p>
-            <a:pPr marL="285750" indent="-285750">
-              <a:buFont typeface="Arial" panose="020B0604020202020204" pitchFamily="34" charset="0"/>
-              <a:buChar char="•"/>
-            </a:pPr>
-            <a:endParaRPr lang="en-GB" sz="2800" dirty="0"/>
-          </a:p>
-        </p:txBody>
-      </p:sp>
+            <a:r>
+              <a:rPr lang="en-GB" sz="2400" dirty="0"/>
+              <a:t>Tests</a:t>
+            </a:r>
+          </a:p>
+        </p:txBody>
+      </p:sp>
+      <p:pic>
+        <p:nvPicPr>
+          <p:cNvPr id="9" name="Picture 8"/>
+          <p:cNvPicPr>
+            <a:picLocks noChangeAspect="1"/>
+          </p:cNvPicPr>
+          <p:nvPr/>
+        </p:nvPicPr>
+        <p:blipFill>
+          <a:blip r:embed="rId4"/>
+          <a:stretch>
+            <a:fillRect/>
+          </a:stretch>
+        </p:blipFill>
+        <p:spPr>
+          <a:xfrm>
+            <a:off x="5913437" y="2110317"/>
+            <a:ext cx="5551305" cy="719870"/>
+          </a:xfrm>
+          <a:prstGeom prst="rect">
+            <a:avLst/>
+          </a:prstGeom>
+        </p:spPr>
+      </p:pic>
+      <p:pic>
+        <p:nvPicPr>
+          <p:cNvPr id="10" name="Picture 9"/>
+          <p:cNvPicPr>
+            <a:picLocks noChangeAspect="1"/>
+          </p:cNvPicPr>
+          <p:nvPr/>
+        </p:nvPicPr>
+        <p:blipFill>
+          <a:blip r:embed="rId5"/>
+          <a:stretch>
+            <a:fillRect/>
+          </a:stretch>
+        </p:blipFill>
+        <p:spPr>
+          <a:xfrm>
+            <a:off x="5913437" y="3834871"/>
+            <a:ext cx="4463328" cy="1538640"/>
+          </a:xfrm>
+          <a:prstGeom prst="rect">
+            <a:avLst/>
+          </a:prstGeom>
+        </p:spPr>
+      </p:pic>
     </p:spTree>
     <p:extLst>
       <p:ext uri="{BB962C8B-B14F-4D97-AF65-F5344CB8AC3E}">
-        <p14:creationId xmlns:p14="http://schemas.microsoft.com/office/powerpoint/2010/main" val="902548611"/>
+        <p14:creationId xmlns:p14="http://schemas.microsoft.com/office/powerpoint/2010/main" val="3277618454"/>
       </p:ext>
     </p:extLst>
   </p:cSld>
@@ -20757,197 +21589,6 @@
           </a:prstGeom>
         </p:spPr>
       </p:pic>
-    </p:spTree>
-    <p:extLst>
-      <p:ext uri="{BB962C8B-B14F-4D97-AF65-F5344CB8AC3E}">
-        <p14:creationId xmlns:p14="http://schemas.microsoft.com/office/powerpoint/2010/main" val="3277618454"/>
-      </p:ext>
-    </p:extLst>
-  </p:cSld>
-  <p:clrMapOvr>
-    <a:masterClrMapping/>
-  </p:clrMapOvr>
-</p:sld>
-</file>
-
-<file path=ppt/slides/slide22.xml><?xml version="1.0" encoding="utf-8"?>
-<p:sld xmlns:a="http://schemas.openxmlformats.org/drawingml/2006/main" xmlns:r="http://schemas.openxmlformats.org/officeDocument/2006/relationships" xmlns:p="http://schemas.openxmlformats.org/presentationml/2006/main">
-  <p:cSld>
-    <p:spTree>
-      <p:nvGrpSpPr>
-        <p:cNvPr id="1" name=""/>
-        <p:cNvGrpSpPr/>
-        <p:nvPr/>
-      </p:nvGrpSpPr>
-      <p:grpSpPr>
-        <a:xfrm>
-          <a:off x="0" y="0"/>
-          <a:ext cx="0" cy="0"/>
-          <a:chOff x="0" y="0"/>
-          <a:chExt cx="0" cy="0"/>
-        </a:xfrm>
-      </p:grpSpPr>
-      <p:sp>
-        <p:nvSpPr>
-          <p:cNvPr id="2" name="Текст 1"/>
-          <p:cNvSpPr>
-            <a:spLocks noGrp="1"/>
-          </p:cNvSpPr>
-          <p:nvPr>
-            <p:ph type="body" sz="quarter" idx="33"/>
-          </p:nvPr>
-        </p:nvSpPr>
-        <p:spPr/>
-        <p:txBody>
-          <a:bodyPr/>
-          <a:lstStyle/>
-          <a:p>
-            <a:r>
-              <a:rPr lang="en-GB" dirty="0"/>
-              <a:t>Mutant tests can generate code?</a:t>
-            </a:r>
-          </a:p>
-          <a:p>
-            <a:endParaRPr lang="en-GB" dirty="0"/>
-          </a:p>
-          <a:p>
-            <a:endParaRPr lang="en-GB" dirty="0"/>
-          </a:p>
-          <a:p>
-            <a:endParaRPr lang="ru-RU" dirty="0"/>
-          </a:p>
-        </p:txBody>
-      </p:sp>
-      <p:pic>
-        <p:nvPicPr>
-          <p:cNvPr id="3" name="Picture 2"/>
-          <p:cNvPicPr>
-            <a:picLocks noChangeAspect="1"/>
-          </p:cNvPicPr>
-          <p:nvPr/>
-        </p:nvPicPr>
-        <p:blipFill>
-          <a:blip r:embed="rId3"/>
-          <a:stretch>
-            <a:fillRect/>
-          </a:stretch>
-        </p:blipFill>
-        <p:spPr>
-          <a:xfrm>
-            <a:off x="1012648" y="2110317"/>
-            <a:ext cx="3118133" cy="1231194"/>
-          </a:xfrm>
-          <a:prstGeom prst="rect">
-            <a:avLst/>
-          </a:prstGeom>
-        </p:spPr>
-      </p:pic>
-      <p:sp>
-        <p:nvSpPr>
-          <p:cNvPr id="4" name="TextBox 3"/>
-          <p:cNvSpPr txBox="1"/>
-          <p:nvPr/>
-        </p:nvSpPr>
-        <p:spPr>
-          <a:xfrm>
-            <a:off x="679063" y="1488193"/>
-            <a:ext cx="825867" cy="461665"/>
-          </a:xfrm>
-          <a:prstGeom prst="rect">
-            <a:avLst/>
-          </a:prstGeom>
-          <a:noFill/>
-        </p:spPr>
-        <p:txBody>
-          <a:bodyPr wrap="none" rtlCol="0">
-            <a:spAutoFit/>
-          </a:bodyPr>
-          <a:lstStyle/>
-          <a:p>
-            <a:r>
-              <a:rPr lang="en-GB" sz="2400" dirty="0"/>
-              <a:t>Code</a:t>
-            </a:r>
-          </a:p>
-        </p:txBody>
-      </p:sp>
-      <p:sp>
-        <p:nvSpPr>
-          <p:cNvPr id="5" name="TextBox 4"/>
-          <p:cNvSpPr txBox="1"/>
-          <p:nvPr/>
-        </p:nvSpPr>
-        <p:spPr>
-          <a:xfrm>
-            <a:off x="5594596" y="1488193"/>
-            <a:ext cx="801438" cy="461665"/>
-          </a:xfrm>
-          <a:prstGeom prst="rect">
-            <a:avLst/>
-          </a:prstGeom>
-          <a:noFill/>
-        </p:spPr>
-        <p:txBody>
-          <a:bodyPr wrap="none" rtlCol="0">
-            <a:spAutoFit/>
-          </a:bodyPr>
-          <a:lstStyle/>
-          <a:p>
-            <a:r>
-              <a:rPr lang="en-GB" sz="2400" dirty="0"/>
-              <a:t>Tests</a:t>
-            </a:r>
-          </a:p>
-        </p:txBody>
-      </p:sp>
-      <p:pic>
-        <p:nvPicPr>
-          <p:cNvPr id="9" name="Picture 8"/>
-          <p:cNvPicPr>
-            <a:picLocks noChangeAspect="1"/>
-          </p:cNvPicPr>
-          <p:nvPr/>
-        </p:nvPicPr>
-        <p:blipFill>
-          <a:blip r:embed="rId4"/>
-          <a:stretch>
-            <a:fillRect/>
-          </a:stretch>
-        </p:blipFill>
-        <p:spPr>
-          <a:xfrm>
-            <a:off x="5913437" y="2110317"/>
-            <a:ext cx="5551305" cy="719870"/>
-          </a:xfrm>
-          <a:prstGeom prst="rect">
-            <a:avLst/>
-          </a:prstGeom>
-        </p:spPr>
-      </p:pic>
-      <p:pic>
-        <p:nvPicPr>
-          <p:cNvPr id="10" name="Picture 9"/>
-          <p:cNvPicPr>
-            <a:picLocks noChangeAspect="1"/>
-          </p:cNvPicPr>
-          <p:nvPr/>
-        </p:nvPicPr>
-        <p:blipFill>
-          <a:blip r:embed="rId5"/>
-          <a:stretch>
-            <a:fillRect/>
-          </a:stretch>
-        </p:blipFill>
-        <p:spPr>
-          <a:xfrm>
-            <a:off x="5913437" y="3834871"/>
-            <a:ext cx="4463328" cy="1538640"/>
-          </a:xfrm>
-          <a:prstGeom prst="rect">
-            <a:avLst/>
-          </a:prstGeom>
-        </p:spPr>
-      </p:pic>
       <p:sp>
         <p:nvSpPr>
           <p:cNvPr id="6" name="Arrow: Down 5"/>
@@ -21025,7 +21666,7 @@
 </p:sld>
 </file>
 
-<file path=ppt/slides/slide23.xml><?xml version="1.0" encoding="utf-8"?>
+<file path=ppt/slides/slide22.xml><?xml version="1.0" encoding="utf-8"?>
 <p:sld xmlns:a="http://schemas.openxmlformats.org/drawingml/2006/main" xmlns:r="http://schemas.openxmlformats.org/officeDocument/2006/relationships" xmlns:p="http://schemas.openxmlformats.org/presentationml/2006/main">
   <p:cSld>
     <p:spTree>
@@ -21700,7 +22341,7 @@
 </p:sld>
 </file>
 
-<file path=ppt/slides/slide24.xml><?xml version="1.0" encoding="utf-8"?>
+<file path=ppt/slides/slide23.xml><?xml version="1.0" encoding="utf-8"?>
 <p:sld xmlns:a="http://schemas.openxmlformats.org/drawingml/2006/main" xmlns:r="http://schemas.openxmlformats.org/officeDocument/2006/relationships" xmlns:p="http://schemas.openxmlformats.org/presentationml/2006/main">
   <p:cSld>
     <p:spTree>
@@ -22457,6 +23098,380 @@
     <p:extLst>
       <p:ext uri="{BB962C8B-B14F-4D97-AF65-F5344CB8AC3E}">
         <p14:creationId xmlns:p14="http://schemas.microsoft.com/office/powerpoint/2010/main" val="871478372"/>
+      </p:ext>
+    </p:extLst>
+  </p:cSld>
+  <p:clrMapOvr>
+    <a:masterClrMapping/>
+  </p:clrMapOvr>
+</p:sld>
+</file>
+
+<file path=ppt/slides/slide24.xml><?xml version="1.0" encoding="utf-8"?>
+<p:sld xmlns:a="http://schemas.openxmlformats.org/drawingml/2006/main" xmlns:r="http://schemas.openxmlformats.org/officeDocument/2006/relationships" xmlns:p="http://schemas.openxmlformats.org/presentationml/2006/main">
+  <p:cSld>
+    <p:spTree>
+      <p:nvGrpSpPr>
+        <p:cNvPr id="1" name=""/>
+        <p:cNvGrpSpPr/>
+        <p:nvPr/>
+      </p:nvGrpSpPr>
+      <p:grpSpPr>
+        <a:xfrm>
+          <a:off x="0" y="0"/>
+          <a:ext cx="0" cy="0"/>
+          <a:chOff x="0" y="0"/>
+          <a:chExt cx="0" cy="0"/>
+        </a:xfrm>
+      </p:grpSpPr>
+      <p:sp>
+        <p:nvSpPr>
+          <p:cNvPr id="2" name="Текст 1"/>
+          <p:cNvSpPr>
+            <a:spLocks noGrp="1"/>
+          </p:cNvSpPr>
+          <p:nvPr>
+            <p:ph type="body" sz="quarter" idx="33"/>
+          </p:nvPr>
+        </p:nvSpPr>
+        <p:spPr/>
+        <p:txBody>
+          <a:bodyPr/>
+          <a:lstStyle/>
+          <a:p>
+            <a:r>
+              <a:rPr lang="en-GB" dirty="0"/>
+              <a:t>Whole level mutation tests can generate code?</a:t>
+            </a:r>
+          </a:p>
+          <a:p>
+            <a:endParaRPr lang="en-GB" dirty="0"/>
+          </a:p>
+          <a:p>
+            <a:endParaRPr lang="en-GB" dirty="0"/>
+          </a:p>
+          <a:p>
+            <a:endParaRPr lang="en-GB" dirty="0"/>
+          </a:p>
+          <a:p>
+            <a:endParaRPr lang="en-GB" dirty="0"/>
+          </a:p>
+          <a:p>
+            <a:endParaRPr lang="en-GB" dirty="0"/>
+          </a:p>
+          <a:p>
+            <a:endParaRPr lang="ru-RU" dirty="0"/>
+          </a:p>
+        </p:txBody>
+      </p:sp>
+      <p:pic>
+        <p:nvPicPr>
+          <p:cNvPr id="3" name="Picture 2"/>
+          <p:cNvPicPr>
+            <a:picLocks noChangeAspect="1"/>
+          </p:cNvPicPr>
+          <p:nvPr/>
+        </p:nvPicPr>
+        <p:blipFill>
+          <a:blip r:embed="rId3"/>
+          <a:stretch>
+            <a:fillRect/>
+          </a:stretch>
+        </p:blipFill>
+        <p:spPr>
+          <a:xfrm>
+            <a:off x="738191" y="2163407"/>
+            <a:ext cx="3010420" cy="345458"/>
+          </a:xfrm>
+          <a:prstGeom prst="rect">
+            <a:avLst/>
+          </a:prstGeom>
+        </p:spPr>
+      </p:pic>
+      <p:pic>
+        <p:nvPicPr>
+          <p:cNvPr id="4" name="Picture 3"/>
+          <p:cNvPicPr>
+            <a:picLocks noChangeAspect="1"/>
+          </p:cNvPicPr>
+          <p:nvPr/>
+        </p:nvPicPr>
+        <p:blipFill>
+          <a:blip r:embed="rId4"/>
+          <a:stretch>
+            <a:fillRect/>
+          </a:stretch>
+        </p:blipFill>
+        <p:spPr>
+          <a:xfrm>
+            <a:off x="4506917" y="2146957"/>
+            <a:ext cx="3010419" cy="361908"/>
+          </a:xfrm>
+          <a:prstGeom prst="rect">
+            <a:avLst/>
+          </a:prstGeom>
+        </p:spPr>
+      </p:pic>
+      <p:pic>
+        <p:nvPicPr>
+          <p:cNvPr id="5" name="Picture 4"/>
+          <p:cNvPicPr>
+            <a:picLocks noChangeAspect="1"/>
+          </p:cNvPicPr>
+          <p:nvPr/>
+        </p:nvPicPr>
+        <p:blipFill>
+          <a:blip r:embed="rId5"/>
+          <a:stretch>
+            <a:fillRect/>
+          </a:stretch>
+        </p:blipFill>
+        <p:spPr>
+          <a:xfrm>
+            <a:off x="4506917" y="3027029"/>
+            <a:ext cx="3010420" cy="345458"/>
+          </a:xfrm>
+          <a:prstGeom prst="rect">
+            <a:avLst/>
+          </a:prstGeom>
+        </p:spPr>
+      </p:pic>
+      <p:pic>
+        <p:nvPicPr>
+          <p:cNvPr id="6" name="Picture 5"/>
+          <p:cNvPicPr>
+            <a:picLocks noChangeAspect="1"/>
+          </p:cNvPicPr>
+          <p:nvPr/>
+        </p:nvPicPr>
+        <p:blipFill>
+          <a:blip r:embed="rId6"/>
+          <a:stretch>
+            <a:fillRect/>
+          </a:stretch>
+        </p:blipFill>
+        <p:spPr>
+          <a:xfrm>
+            <a:off x="4506917" y="1266047"/>
+            <a:ext cx="3000896" cy="362746"/>
+          </a:xfrm>
+          <a:prstGeom prst="rect">
+            <a:avLst/>
+          </a:prstGeom>
+        </p:spPr>
+      </p:pic>
+      <p:pic>
+        <p:nvPicPr>
+          <p:cNvPr id="7" name="Picture 6"/>
+          <p:cNvPicPr>
+            <a:picLocks noChangeAspect="1"/>
+          </p:cNvPicPr>
+          <p:nvPr/>
+        </p:nvPicPr>
+        <p:blipFill>
+          <a:blip r:embed="rId7"/>
+          <a:stretch>
+            <a:fillRect/>
+          </a:stretch>
+        </p:blipFill>
+        <p:spPr>
+          <a:xfrm>
+            <a:off x="8275642" y="2130992"/>
+            <a:ext cx="3009900" cy="361950"/>
+          </a:xfrm>
+          <a:prstGeom prst="rect">
+            <a:avLst/>
+          </a:prstGeom>
+        </p:spPr>
+      </p:pic>
+      <p:sp>
+        <p:nvSpPr>
+          <p:cNvPr id="8" name="Arrow: Right 7"/>
+          <p:cNvSpPr/>
+          <p:nvPr/>
+        </p:nvSpPr>
+        <p:spPr>
+          <a:xfrm>
+            <a:off x="3960124" y="2224346"/>
+            <a:ext cx="335280" cy="148560"/>
+          </a:xfrm>
+          <a:prstGeom prst="rightArrow">
+            <a:avLst/>
+          </a:prstGeom>
+        </p:spPr>
+        <p:style>
+          <a:lnRef idx="2">
+            <a:schemeClr val="accent1">
+              <a:shade val="50000"/>
+            </a:schemeClr>
+          </a:lnRef>
+          <a:fillRef idx="1">
+            <a:schemeClr val="accent1"/>
+          </a:fillRef>
+          <a:effectRef idx="0">
+            <a:schemeClr val="accent1"/>
+          </a:effectRef>
+          <a:fontRef idx="minor">
+            <a:schemeClr val="lt1"/>
+          </a:fontRef>
+        </p:style>
+        <p:txBody>
+          <a:bodyPr rtlCol="0" anchor="ctr"/>
+          <a:lstStyle/>
+          <a:p>
+            <a:pPr algn="ctr"/>
+            <a:endParaRPr lang="en-GB"/>
+          </a:p>
+        </p:txBody>
+      </p:sp>
+      <p:sp>
+        <p:nvSpPr>
+          <p:cNvPr id="9" name="Arrow: Right 8"/>
+          <p:cNvSpPr/>
+          <p:nvPr/>
+        </p:nvSpPr>
+        <p:spPr>
+          <a:xfrm>
+            <a:off x="7728849" y="2237687"/>
+            <a:ext cx="335280" cy="148560"/>
+          </a:xfrm>
+          <a:prstGeom prst="rightArrow">
+            <a:avLst/>
+          </a:prstGeom>
+        </p:spPr>
+        <p:style>
+          <a:lnRef idx="2">
+            <a:schemeClr val="accent1">
+              <a:shade val="50000"/>
+            </a:schemeClr>
+          </a:lnRef>
+          <a:fillRef idx="1">
+            <a:schemeClr val="accent1"/>
+          </a:fillRef>
+          <a:effectRef idx="0">
+            <a:schemeClr val="accent1"/>
+          </a:effectRef>
+          <a:fontRef idx="minor">
+            <a:schemeClr val="lt1"/>
+          </a:fontRef>
+        </p:style>
+        <p:txBody>
+          <a:bodyPr rtlCol="0" anchor="ctr"/>
+          <a:lstStyle/>
+          <a:p>
+            <a:pPr algn="ctr"/>
+            <a:endParaRPr lang="en-GB"/>
+          </a:p>
+        </p:txBody>
+      </p:sp>
+      <p:sp>
+        <p:nvSpPr>
+          <p:cNvPr id="10" name="Arrow: Right 9"/>
+          <p:cNvSpPr/>
+          <p:nvPr/>
+        </p:nvSpPr>
+        <p:spPr>
+          <a:xfrm rot="18900000">
+            <a:off x="3956700" y="1696025"/>
+            <a:ext cx="335280" cy="148560"/>
+          </a:xfrm>
+          <a:prstGeom prst="rightArrow">
+            <a:avLst/>
+          </a:prstGeom>
+        </p:spPr>
+        <p:style>
+          <a:lnRef idx="2">
+            <a:schemeClr val="accent1">
+              <a:shade val="50000"/>
+            </a:schemeClr>
+          </a:lnRef>
+          <a:fillRef idx="1">
+            <a:schemeClr val="accent1"/>
+          </a:fillRef>
+          <a:effectRef idx="0">
+            <a:schemeClr val="accent1"/>
+          </a:effectRef>
+          <a:fontRef idx="minor">
+            <a:schemeClr val="lt1"/>
+          </a:fontRef>
+        </p:style>
+        <p:txBody>
+          <a:bodyPr rtlCol="0" anchor="ctr"/>
+          <a:lstStyle/>
+          <a:p>
+            <a:pPr algn="ctr"/>
+            <a:endParaRPr lang="en-GB"/>
+          </a:p>
+        </p:txBody>
+      </p:sp>
+      <p:sp>
+        <p:nvSpPr>
+          <p:cNvPr id="11" name="Arrow: Right 10"/>
+          <p:cNvSpPr/>
+          <p:nvPr/>
+        </p:nvSpPr>
+        <p:spPr>
+          <a:xfrm rot="1800000">
+            <a:off x="3945444" y="2744297"/>
+            <a:ext cx="335280" cy="148560"/>
+          </a:xfrm>
+          <a:prstGeom prst="rightArrow">
+            <a:avLst/>
+          </a:prstGeom>
+        </p:spPr>
+        <p:style>
+          <a:lnRef idx="2">
+            <a:schemeClr val="accent1">
+              <a:shade val="50000"/>
+            </a:schemeClr>
+          </a:lnRef>
+          <a:fillRef idx="1">
+            <a:schemeClr val="accent1"/>
+          </a:fillRef>
+          <a:effectRef idx="0">
+            <a:schemeClr val="accent1"/>
+          </a:effectRef>
+          <a:fontRef idx="minor">
+            <a:schemeClr val="lt1"/>
+          </a:fontRef>
+        </p:style>
+        <p:txBody>
+          <a:bodyPr rtlCol="0" anchor="ctr"/>
+          <a:lstStyle/>
+          <a:p>
+            <a:pPr algn="ctr"/>
+            <a:endParaRPr lang="en-GB"/>
+          </a:p>
+        </p:txBody>
+      </p:sp>
+      <p:pic>
+        <p:nvPicPr>
+          <p:cNvPr id="12" name="Picture 11"/>
+          <p:cNvPicPr>
+            <a:picLocks noChangeAspect="1"/>
+          </p:cNvPicPr>
+          <p:nvPr/>
+        </p:nvPicPr>
+        <p:blipFill>
+          <a:blip r:embed="rId8"/>
+          <a:stretch>
+            <a:fillRect/>
+          </a:stretch>
+        </p:blipFill>
+        <p:spPr>
+          <a:xfrm>
+            <a:off x="3396538" y="3918104"/>
+            <a:ext cx="5221653" cy="957303"/>
+          </a:xfrm>
+          <a:prstGeom prst="rect">
+            <a:avLst/>
+          </a:prstGeom>
+        </p:spPr>
+      </p:pic>
+    </p:spTree>
+    <p:extLst>
+      <p:ext uri="{BB962C8B-B14F-4D97-AF65-F5344CB8AC3E}">
+        <p14:creationId xmlns:p14="http://schemas.microsoft.com/office/powerpoint/2010/main" val="1854456634"/>
       </p:ext>
     </p:extLst>
   </p:cSld>
@@ -22827,380 +23842,6 @@
           </a:prstGeom>
         </p:spPr>
       </p:pic>
-    </p:spTree>
-    <p:extLst>
-      <p:ext uri="{BB962C8B-B14F-4D97-AF65-F5344CB8AC3E}">
-        <p14:creationId xmlns:p14="http://schemas.microsoft.com/office/powerpoint/2010/main" val="1854456634"/>
-      </p:ext>
-    </p:extLst>
-  </p:cSld>
-  <p:clrMapOvr>
-    <a:masterClrMapping/>
-  </p:clrMapOvr>
-</p:sld>
-</file>
-
-<file path=ppt/slides/slide26.xml><?xml version="1.0" encoding="utf-8"?>
-<p:sld xmlns:a="http://schemas.openxmlformats.org/drawingml/2006/main" xmlns:r="http://schemas.openxmlformats.org/officeDocument/2006/relationships" xmlns:p="http://schemas.openxmlformats.org/presentationml/2006/main">
-  <p:cSld>
-    <p:spTree>
-      <p:nvGrpSpPr>
-        <p:cNvPr id="1" name=""/>
-        <p:cNvGrpSpPr/>
-        <p:nvPr/>
-      </p:nvGrpSpPr>
-      <p:grpSpPr>
-        <a:xfrm>
-          <a:off x="0" y="0"/>
-          <a:ext cx="0" cy="0"/>
-          <a:chOff x="0" y="0"/>
-          <a:chExt cx="0" cy="0"/>
-        </a:xfrm>
-      </p:grpSpPr>
-      <p:sp>
-        <p:nvSpPr>
-          <p:cNvPr id="2" name="Текст 1"/>
-          <p:cNvSpPr>
-            <a:spLocks noGrp="1"/>
-          </p:cNvSpPr>
-          <p:nvPr>
-            <p:ph type="body" sz="quarter" idx="33"/>
-          </p:nvPr>
-        </p:nvSpPr>
-        <p:spPr/>
-        <p:txBody>
-          <a:bodyPr/>
-          <a:lstStyle/>
-          <a:p>
-            <a:r>
-              <a:rPr lang="en-GB" dirty="0"/>
-              <a:t>Whole level mutation tests can generate code?</a:t>
-            </a:r>
-          </a:p>
-          <a:p>
-            <a:endParaRPr lang="en-GB" dirty="0"/>
-          </a:p>
-          <a:p>
-            <a:endParaRPr lang="en-GB" dirty="0"/>
-          </a:p>
-          <a:p>
-            <a:endParaRPr lang="en-GB" dirty="0"/>
-          </a:p>
-          <a:p>
-            <a:endParaRPr lang="en-GB" dirty="0"/>
-          </a:p>
-          <a:p>
-            <a:endParaRPr lang="en-GB" dirty="0"/>
-          </a:p>
-          <a:p>
-            <a:endParaRPr lang="ru-RU" dirty="0"/>
-          </a:p>
-        </p:txBody>
-      </p:sp>
-      <p:pic>
-        <p:nvPicPr>
-          <p:cNvPr id="3" name="Picture 2"/>
-          <p:cNvPicPr>
-            <a:picLocks noChangeAspect="1"/>
-          </p:cNvPicPr>
-          <p:nvPr/>
-        </p:nvPicPr>
-        <p:blipFill>
-          <a:blip r:embed="rId3"/>
-          <a:stretch>
-            <a:fillRect/>
-          </a:stretch>
-        </p:blipFill>
-        <p:spPr>
-          <a:xfrm>
-            <a:off x="738191" y="2163407"/>
-            <a:ext cx="3010420" cy="345458"/>
-          </a:xfrm>
-          <a:prstGeom prst="rect">
-            <a:avLst/>
-          </a:prstGeom>
-        </p:spPr>
-      </p:pic>
-      <p:pic>
-        <p:nvPicPr>
-          <p:cNvPr id="4" name="Picture 3"/>
-          <p:cNvPicPr>
-            <a:picLocks noChangeAspect="1"/>
-          </p:cNvPicPr>
-          <p:nvPr/>
-        </p:nvPicPr>
-        <p:blipFill>
-          <a:blip r:embed="rId4"/>
-          <a:stretch>
-            <a:fillRect/>
-          </a:stretch>
-        </p:blipFill>
-        <p:spPr>
-          <a:xfrm>
-            <a:off x="4506917" y="2146957"/>
-            <a:ext cx="3010419" cy="361908"/>
-          </a:xfrm>
-          <a:prstGeom prst="rect">
-            <a:avLst/>
-          </a:prstGeom>
-        </p:spPr>
-      </p:pic>
-      <p:pic>
-        <p:nvPicPr>
-          <p:cNvPr id="5" name="Picture 4"/>
-          <p:cNvPicPr>
-            <a:picLocks noChangeAspect="1"/>
-          </p:cNvPicPr>
-          <p:nvPr/>
-        </p:nvPicPr>
-        <p:blipFill>
-          <a:blip r:embed="rId5"/>
-          <a:stretch>
-            <a:fillRect/>
-          </a:stretch>
-        </p:blipFill>
-        <p:spPr>
-          <a:xfrm>
-            <a:off x="4506917" y="3027029"/>
-            <a:ext cx="3010420" cy="345458"/>
-          </a:xfrm>
-          <a:prstGeom prst="rect">
-            <a:avLst/>
-          </a:prstGeom>
-        </p:spPr>
-      </p:pic>
-      <p:pic>
-        <p:nvPicPr>
-          <p:cNvPr id="6" name="Picture 5"/>
-          <p:cNvPicPr>
-            <a:picLocks noChangeAspect="1"/>
-          </p:cNvPicPr>
-          <p:nvPr/>
-        </p:nvPicPr>
-        <p:blipFill>
-          <a:blip r:embed="rId6"/>
-          <a:stretch>
-            <a:fillRect/>
-          </a:stretch>
-        </p:blipFill>
-        <p:spPr>
-          <a:xfrm>
-            <a:off x="4506917" y="1266047"/>
-            <a:ext cx="3000896" cy="362746"/>
-          </a:xfrm>
-          <a:prstGeom prst="rect">
-            <a:avLst/>
-          </a:prstGeom>
-        </p:spPr>
-      </p:pic>
-      <p:pic>
-        <p:nvPicPr>
-          <p:cNvPr id="7" name="Picture 6"/>
-          <p:cNvPicPr>
-            <a:picLocks noChangeAspect="1"/>
-          </p:cNvPicPr>
-          <p:nvPr/>
-        </p:nvPicPr>
-        <p:blipFill>
-          <a:blip r:embed="rId7"/>
-          <a:stretch>
-            <a:fillRect/>
-          </a:stretch>
-        </p:blipFill>
-        <p:spPr>
-          <a:xfrm>
-            <a:off x="8275642" y="2130992"/>
-            <a:ext cx="3009900" cy="361950"/>
-          </a:xfrm>
-          <a:prstGeom prst="rect">
-            <a:avLst/>
-          </a:prstGeom>
-        </p:spPr>
-      </p:pic>
-      <p:sp>
-        <p:nvSpPr>
-          <p:cNvPr id="8" name="Arrow: Right 7"/>
-          <p:cNvSpPr/>
-          <p:nvPr/>
-        </p:nvSpPr>
-        <p:spPr>
-          <a:xfrm>
-            <a:off x="3960124" y="2224346"/>
-            <a:ext cx="335280" cy="148560"/>
-          </a:xfrm>
-          <a:prstGeom prst="rightArrow">
-            <a:avLst/>
-          </a:prstGeom>
-        </p:spPr>
-        <p:style>
-          <a:lnRef idx="2">
-            <a:schemeClr val="accent1">
-              <a:shade val="50000"/>
-            </a:schemeClr>
-          </a:lnRef>
-          <a:fillRef idx="1">
-            <a:schemeClr val="accent1"/>
-          </a:fillRef>
-          <a:effectRef idx="0">
-            <a:schemeClr val="accent1"/>
-          </a:effectRef>
-          <a:fontRef idx="minor">
-            <a:schemeClr val="lt1"/>
-          </a:fontRef>
-        </p:style>
-        <p:txBody>
-          <a:bodyPr rtlCol="0" anchor="ctr"/>
-          <a:lstStyle/>
-          <a:p>
-            <a:pPr algn="ctr"/>
-            <a:endParaRPr lang="en-GB"/>
-          </a:p>
-        </p:txBody>
-      </p:sp>
-      <p:sp>
-        <p:nvSpPr>
-          <p:cNvPr id="9" name="Arrow: Right 8"/>
-          <p:cNvSpPr/>
-          <p:nvPr/>
-        </p:nvSpPr>
-        <p:spPr>
-          <a:xfrm>
-            <a:off x="7728849" y="2237687"/>
-            <a:ext cx="335280" cy="148560"/>
-          </a:xfrm>
-          <a:prstGeom prst="rightArrow">
-            <a:avLst/>
-          </a:prstGeom>
-        </p:spPr>
-        <p:style>
-          <a:lnRef idx="2">
-            <a:schemeClr val="accent1">
-              <a:shade val="50000"/>
-            </a:schemeClr>
-          </a:lnRef>
-          <a:fillRef idx="1">
-            <a:schemeClr val="accent1"/>
-          </a:fillRef>
-          <a:effectRef idx="0">
-            <a:schemeClr val="accent1"/>
-          </a:effectRef>
-          <a:fontRef idx="minor">
-            <a:schemeClr val="lt1"/>
-          </a:fontRef>
-        </p:style>
-        <p:txBody>
-          <a:bodyPr rtlCol="0" anchor="ctr"/>
-          <a:lstStyle/>
-          <a:p>
-            <a:pPr algn="ctr"/>
-            <a:endParaRPr lang="en-GB"/>
-          </a:p>
-        </p:txBody>
-      </p:sp>
-      <p:sp>
-        <p:nvSpPr>
-          <p:cNvPr id="10" name="Arrow: Right 9"/>
-          <p:cNvSpPr/>
-          <p:nvPr/>
-        </p:nvSpPr>
-        <p:spPr>
-          <a:xfrm rot="18900000">
-            <a:off x="3956700" y="1696025"/>
-            <a:ext cx="335280" cy="148560"/>
-          </a:xfrm>
-          <a:prstGeom prst="rightArrow">
-            <a:avLst/>
-          </a:prstGeom>
-        </p:spPr>
-        <p:style>
-          <a:lnRef idx="2">
-            <a:schemeClr val="accent1">
-              <a:shade val="50000"/>
-            </a:schemeClr>
-          </a:lnRef>
-          <a:fillRef idx="1">
-            <a:schemeClr val="accent1"/>
-          </a:fillRef>
-          <a:effectRef idx="0">
-            <a:schemeClr val="accent1"/>
-          </a:effectRef>
-          <a:fontRef idx="minor">
-            <a:schemeClr val="lt1"/>
-          </a:fontRef>
-        </p:style>
-        <p:txBody>
-          <a:bodyPr rtlCol="0" anchor="ctr"/>
-          <a:lstStyle/>
-          <a:p>
-            <a:pPr algn="ctr"/>
-            <a:endParaRPr lang="en-GB"/>
-          </a:p>
-        </p:txBody>
-      </p:sp>
-      <p:sp>
-        <p:nvSpPr>
-          <p:cNvPr id="11" name="Arrow: Right 10"/>
-          <p:cNvSpPr/>
-          <p:nvPr/>
-        </p:nvSpPr>
-        <p:spPr>
-          <a:xfrm rot="1800000">
-            <a:off x="3945444" y="2744297"/>
-            <a:ext cx="335280" cy="148560"/>
-          </a:xfrm>
-          <a:prstGeom prst="rightArrow">
-            <a:avLst/>
-          </a:prstGeom>
-        </p:spPr>
-        <p:style>
-          <a:lnRef idx="2">
-            <a:schemeClr val="accent1">
-              <a:shade val="50000"/>
-            </a:schemeClr>
-          </a:lnRef>
-          <a:fillRef idx="1">
-            <a:schemeClr val="accent1"/>
-          </a:fillRef>
-          <a:effectRef idx="0">
-            <a:schemeClr val="accent1"/>
-          </a:effectRef>
-          <a:fontRef idx="minor">
-            <a:schemeClr val="lt1"/>
-          </a:fontRef>
-        </p:style>
-        <p:txBody>
-          <a:bodyPr rtlCol="0" anchor="ctr"/>
-          <a:lstStyle/>
-          <a:p>
-            <a:pPr algn="ctr"/>
-            <a:endParaRPr lang="en-GB"/>
-          </a:p>
-        </p:txBody>
-      </p:sp>
-      <p:pic>
-        <p:nvPicPr>
-          <p:cNvPr id="12" name="Picture 11"/>
-          <p:cNvPicPr>
-            <a:picLocks noChangeAspect="1"/>
-          </p:cNvPicPr>
-          <p:nvPr/>
-        </p:nvPicPr>
-        <p:blipFill>
-          <a:blip r:embed="rId8"/>
-          <a:stretch>
-            <a:fillRect/>
-          </a:stretch>
-        </p:blipFill>
-        <p:spPr>
-          <a:xfrm>
-            <a:off x="3396538" y="3918104"/>
-            <a:ext cx="5221653" cy="957303"/>
-          </a:xfrm>
-          <a:prstGeom prst="rect">
-            <a:avLst/>
-          </a:prstGeom>
-        </p:spPr>
-      </p:pic>
       <p:pic>
         <p:nvPicPr>
           <p:cNvPr id="13" name="Picture 12"/>
@@ -23238,7 +23879,7 @@
 </p:sld>
 </file>
 
-<file path=ppt/slides/slide27.xml><?xml version="1.0" encoding="utf-8"?>
+<file path=ppt/slides/slide26.xml><?xml version="1.0" encoding="utf-8"?>
 <p:sld xmlns:a="http://schemas.openxmlformats.org/drawingml/2006/main" xmlns:r="http://schemas.openxmlformats.org/officeDocument/2006/relationships" xmlns:p="http://schemas.openxmlformats.org/presentationml/2006/main">
   <p:cSld>
     <p:spTree>
@@ -23637,16 +24278,7 @@
                 </a:solidFill>
                 <a:latin typeface="Consolas" panose="020B0609020204030204" pitchFamily="49" charset="0"/>
               </a:rPr>
-              <a:t>      value </a:t>
-            </a:r>
-            <a:r>
-              <a:rPr lang="en-GB">
-                <a:solidFill>
-                  <a:srgbClr val="000000"/>
-                </a:solidFill>
-                <a:latin typeface="Consolas" panose="020B0609020204030204" pitchFamily="49" charset="0"/>
-              </a:rPr>
-              <a:t>= value + </a:t>
+              <a:t>      value = value + </a:t>
             </a:r>
             <a:r>
               <a:rPr lang="en-GB" dirty="0" err="1">

--- a/Mutation net.pptx
+++ b/Mutation net.pptx
@@ -35,7 +35,7 @@
     <p:sldId id="264" r:id="rId24"/>
     <p:sldId id="265" r:id="rId25"/>
     <p:sldId id="268" r:id="rId26"/>
-    <p:sldId id="283" r:id="rId27"/>
+    <p:sldId id="289" r:id="rId27"/>
     <p:sldId id="288" r:id="rId28"/>
   </p:sldIdLst>
   <p:sldSz cx="12192000" cy="6858000"/>
@@ -1962,7 +1962,7 @@
     </p:spTree>
     <p:extLst>
       <p:ext uri="{BB962C8B-B14F-4D97-AF65-F5344CB8AC3E}">
-        <p14:creationId xmlns:p14="http://schemas.microsoft.com/office/powerpoint/2010/main" val="2775942785"/>
+        <p14:creationId xmlns:p14="http://schemas.microsoft.com/office/powerpoint/2010/main" val="1559424486"/>
       </p:ext>
     </p:extLst>
   </p:cSld>
@@ -20765,7 +20765,7 @@
         <p:spPr>
           <a:xfrm>
             <a:off x="1747777" y="1759352"/>
-            <a:ext cx="8102279" cy="3108543"/>
+            <a:ext cx="8102279" cy="3970318"/>
           </a:xfrm>
           <a:prstGeom prst="rect">
             <a:avLst/>
@@ -20784,7 +20784,7 @@
             </a:pPr>
             <a:r>
               <a:rPr lang="en-US" sz="2800" dirty="0"/>
-              <a:t>By class</a:t>
+              <a:t>By mutants</a:t>
             </a:r>
           </a:p>
           <a:p>
@@ -20801,7 +20801,20 @@
             </a:pPr>
             <a:r>
               <a:rPr lang="en-US" sz="2800" dirty="0"/>
-              <a:t>By mutants</a:t>
+              <a:t>By tests</a:t>
+            </a:r>
+          </a:p>
+          <a:p>
+            <a:endParaRPr lang="en-US" sz="2800" dirty="0"/>
+          </a:p>
+          <a:p>
+            <a:pPr marL="285750" indent="-285750">
+              <a:buFont typeface="Arial" panose="020B0604020202020204" pitchFamily="34" charset="0"/>
+              <a:buChar char="•"/>
+            </a:pPr>
+            <a:r>
+              <a:rPr lang="en-US" sz="2800" dirty="0"/>
+              <a:t>By class</a:t>
             </a:r>
           </a:p>
           <a:p>
@@ -20817,11 +20830,7 @@
               <a:buChar char="•"/>
             </a:pPr>
             <a:r>
-              <a:rPr lang="en-US" sz="2800" dirty="0">
-                <a:solidFill>
-                  <a:srgbClr val="FF0000"/>
-                </a:solidFill>
-              </a:rPr>
+              <a:rPr lang="en-US" sz="2800" dirty="0"/>
               <a:t>By methods</a:t>
             </a:r>
           </a:p>
@@ -20837,13 +20846,9 @@
             </a:endParaRPr>
           </a:p>
           <a:p>
-            <a:pPr marL="285750" indent="-285750">
-              <a:buFont typeface="Arial" panose="020B0604020202020204" pitchFamily="34" charset="0"/>
-              <a:buChar char="•"/>
-            </a:pPr>
             <a:r>
               <a:rPr lang="en-US" sz="2800" dirty="0"/>
-              <a:t>Incrementation testing</a:t>
+              <a:t>	Incrementation testing</a:t>
             </a:r>
           </a:p>
         </p:txBody>
@@ -21268,9 +21273,403 @@
           </a:p>
         </p:txBody>
       </p:sp>
+      <p:sp>
+        <p:nvSpPr>
+          <p:cNvPr id="4" name="TextBox 3"/>
+          <p:cNvSpPr txBox="1"/>
+          <p:nvPr/>
+        </p:nvSpPr>
+        <p:spPr>
+          <a:xfrm>
+            <a:off x="679063" y="1488193"/>
+            <a:ext cx="825867" cy="461665"/>
+          </a:xfrm>
+          <a:prstGeom prst="rect">
+            <a:avLst/>
+          </a:prstGeom>
+          <a:noFill/>
+        </p:spPr>
+        <p:txBody>
+          <a:bodyPr wrap="none" rtlCol="0">
+            <a:spAutoFit/>
+          </a:bodyPr>
+          <a:lstStyle/>
+          <a:p>
+            <a:r>
+              <a:rPr lang="en-GB" sz="2400" dirty="0"/>
+              <a:t>Code</a:t>
+            </a:r>
+          </a:p>
+        </p:txBody>
+      </p:sp>
+      <p:sp>
+        <p:nvSpPr>
+          <p:cNvPr id="5" name="TextBox 4"/>
+          <p:cNvSpPr txBox="1"/>
+          <p:nvPr/>
+        </p:nvSpPr>
+        <p:spPr>
+          <a:xfrm>
+            <a:off x="5802415" y="1488193"/>
+            <a:ext cx="801438" cy="461665"/>
+          </a:xfrm>
+          <a:prstGeom prst="rect">
+            <a:avLst/>
+          </a:prstGeom>
+          <a:noFill/>
+        </p:spPr>
+        <p:txBody>
+          <a:bodyPr wrap="none" rtlCol="0">
+            <a:spAutoFit/>
+          </a:bodyPr>
+          <a:lstStyle/>
+          <a:p>
+            <a:r>
+              <a:rPr lang="en-GB" sz="2400" dirty="0"/>
+              <a:t>Tests</a:t>
+            </a:r>
+          </a:p>
+        </p:txBody>
+      </p:sp>
+      <p:sp>
+        <p:nvSpPr>
+          <p:cNvPr id="6" name="Rectangle 5"/>
+          <p:cNvSpPr/>
+          <p:nvPr/>
+        </p:nvSpPr>
+        <p:spPr>
+          <a:xfrm>
+            <a:off x="679063" y="2112398"/>
+            <a:ext cx="4776164" cy="1200329"/>
+          </a:xfrm>
+          <a:prstGeom prst="rect">
+            <a:avLst/>
+          </a:prstGeom>
+          <a:ln>
+            <a:solidFill>
+              <a:schemeClr val="bg1"/>
+            </a:solidFill>
+          </a:ln>
+          <a:effectLst>
+            <a:outerShdw blurRad="63500" sx="102000" sy="102000" algn="ctr" rotWithShape="0">
+              <a:prstClr val="black">
+                <a:alpha val="40000"/>
+              </a:prstClr>
+            </a:outerShdw>
+          </a:effectLst>
+        </p:spPr>
+        <p:txBody>
+          <a:bodyPr wrap="square">
+            <a:spAutoFit/>
+          </a:bodyPr>
+          <a:lstStyle/>
+          <a:p>
+            <a:r>
+              <a:rPr lang="en-GB" dirty="0">
+                <a:solidFill>
+                  <a:srgbClr val="0000FF"/>
+                </a:solidFill>
+                <a:latin typeface="Consolas" panose="020B0609020204030204" pitchFamily="49" charset="0"/>
+              </a:rPr>
+              <a:t>public</a:t>
+            </a:r>
+            <a:r>
+              <a:rPr lang="en-GB" dirty="0">
+                <a:solidFill>
+                  <a:srgbClr val="000000"/>
+                </a:solidFill>
+                <a:latin typeface="Consolas" panose="020B0609020204030204" pitchFamily="49" charset="0"/>
+              </a:rPr>
+              <a:t> </a:t>
+            </a:r>
+            <a:r>
+              <a:rPr lang="en-GB" dirty="0" err="1">
+                <a:solidFill>
+                  <a:srgbClr val="0000FF"/>
+                </a:solidFill>
+                <a:latin typeface="Consolas" panose="020B0609020204030204" pitchFamily="49" charset="0"/>
+              </a:rPr>
+              <a:t>int</a:t>
+            </a:r>
+            <a:r>
+              <a:rPr lang="en-GB" dirty="0">
+                <a:solidFill>
+                  <a:srgbClr val="000000"/>
+                </a:solidFill>
+                <a:latin typeface="Consolas" panose="020B0609020204030204" pitchFamily="49" charset="0"/>
+              </a:rPr>
+              <a:t> </a:t>
+            </a:r>
+            <a:r>
+              <a:rPr lang="en-GB" dirty="0" err="1">
+                <a:solidFill>
+                  <a:srgbClr val="000000"/>
+                </a:solidFill>
+                <a:latin typeface="Consolas" panose="020B0609020204030204" pitchFamily="49" charset="0"/>
+              </a:rPr>
+              <a:t>Calc</a:t>
+            </a:r>
+            <a:r>
+              <a:rPr lang="en-GB" dirty="0">
+                <a:solidFill>
+                  <a:srgbClr val="000000"/>
+                </a:solidFill>
+                <a:latin typeface="Consolas" panose="020B0609020204030204" pitchFamily="49" charset="0"/>
+              </a:rPr>
+              <a:t>(</a:t>
+            </a:r>
+            <a:r>
+              <a:rPr lang="en-GB" dirty="0" err="1">
+                <a:solidFill>
+                  <a:srgbClr val="0000FF"/>
+                </a:solidFill>
+                <a:latin typeface="Consolas" panose="020B0609020204030204" pitchFamily="49" charset="0"/>
+              </a:rPr>
+              <a:t>int</a:t>
+            </a:r>
+            <a:r>
+              <a:rPr lang="en-GB" dirty="0">
+                <a:solidFill>
+                  <a:srgbClr val="000000"/>
+                </a:solidFill>
+                <a:latin typeface="Consolas" panose="020B0609020204030204" pitchFamily="49" charset="0"/>
+              </a:rPr>
+              <a:t> x, </a:t>
+            </a:r>
+            <a:r>
+              <a:rPr lang="en-GB" dirty="0" err="1">
+                <a:solidFill>
+                  <a:srgbClr val="0000FF"/>
+                </a:solidFill>
+                <a:latin typeface="Consolas" panose="020B0609020204030204" pitchFamily="49" charset="0"/>
+              </a:rPr>
+              <a:t>int</a:t>
+            </a:r>
+            <a:r>
+              <a:rPr lang="en-GB" dirty="0">
+                <a:solidFill>
+                  <a:srgbClr val="000000"/>
+                </a:solidFill>
+                <a:latin typeface="Consolas" panose="020B0609020204030204" pitchFamily="49" charset="0"/>
+              </a:rPr>
+              <a:t> y, </a:t>
+            </a:r>
+            <a:r>
+              <a:rPr lang="en-GB" dirty="0" err="1">
+                <a:solidFill>
+                  <a:srgbClr val="0000FF"/>
+                </a:solidFill>
+                <a:latin typeface="Consolas" panose="020B0609020204030204" pitchFamily="49" charset="0"/>
+              </a:rPr>
+              <a:t>int</a:t>
+            </a:r>
+            <a:r>
+              <a:rPr lang="en-GB" dirty="0">
+                <a:solidFill>
+                  <a:srgbClr val="000000"/>
+                </a:solidFill>
+                <a:latin typeface="Consolas" panose="020B0609020204030204" pitchFamily="49" charset="0"/>
+              </a:rPr>
+              <a:t> z)</a:t>
+            </a:r>
+          </a:p>
+          <a:p>
+            <a:r>
+              <a:rPr lang="en-GB" dirty="0">
+                <a:solidFill>
+                  <a:srgbClr val="000000"/>
+                </a:solidFill>
+                <a:latin typeface="Consolas" panose="020B0609020204030204" pitchFamily="49" charset="0"/>
+              </a:rPr>
+              <a:t>{</a:t>
+            </a:r>
+          </a:p>
+          <a:p>
+            <a:r>
+              <a:rPr lang="en-GB" dirty="0">
+                <a:solidFill>
+                  <a:srgbClr val="000000"/>
+                </a:solidFill>
+                <a:latin typeface="Consolas" panose="020B0609020204030204" pitchFamily="49" charset="0"/>
+              </a:rPr>
+              <a:t>    </a:t>
+            </a:r>
+            <a:r>
+              <a:rPr lang="en-GB" dirty="0">
+                <a:solidFill>
+                  <a:srgbClr val="0000FF"/>
+                </a:solidFill>
+                <a:latin typeface="Consolas" panose="020B0609020204030204" pitchFamily="49" charset="0"/>
+              </a:rPr>
+              <a:t>return</a:t>
+            </a:r>
+            <a:r>
+              <a:rPr lang="en-GB" dirty="0">
+                <a:solidFill>
+                  <a:srgbClr val="000000"/>
+                </a:solidFill>
+                <a:latin typeface="Consolas" panose="020B0609020204030204" pitchFamily="49" charset="0"/>
+              </a:rPr>
+              <a:t> x + y - z;</a:t>
+            </a:r>
+          </a:p>
+          <a:p>
+            <a:r>
+              <a:rPr lang="en-GB" dirty="0">
+                <a:solidFill>
+                  <a:srgbClr val="000000"/>
+                </a:solidFill>
+                <a:latin typeface="Consolas" panose="020B0609020204030204" pitchFamily="49" charset="0"/>
+              </a:rPr>
+              <a:t>}</a:t>
+            </a:r>
+            <a:endParaRPr lang="en-GB" dirty="0"/>
+          </a:p>
+        </p:txBody>
+      </p:sp>
+      <p:sp>
+        <p:nvSpPr>
+          <p:cNvPr id="20" name="Rectangle 19"/>
+          <p:cNvSpPr/>
+          <p:nvPr/>
+        </p:nvSpPr>
+        <p:spPr>
+          <a:xfrm>
+            <a:off x="6068480" y="2112398"/>
+            <a:ext cx="5434255" cy="1200329"/>
+          </a:xfrm>
+          <a:prstGeom prst="rect">
+            <a:avLst/>
+          </a:prstGeom>
+          <a:ln>
+            <a:solidFill>
+              <a:schemeClr val="bg1"/>
+            </a:solidFill>
+          </a:ln>
+          <a:effectLst>
+            <a:outerShdw blurRad="63500" sx="102000" sy="102000" algn="ctr" rotWithShape="0">
+              <a:prstClr val="black">
+                <a:alpha val="40000"/>
+              </a:prstClr>
+            </a:outerShdw>
+          </a:effectLst>
+        </p:spPr>
+        <p:txBody>
+          <a:bodyPr wrap="square">
+            <a:spAutoFit/>
+          </a:bodyPr>
+          <a:lstStyle/>
+          <a:p>
+            <a:r>
+              <a:rPr lang="en-GB" dirty="0" err="1">
+                <a:solidFill>
+                  <a:srgbClr val="114FBD"/>
+                </a:solidFill>
+                <a:latin typeface="Consolas" panose="020B0609020204030204" pitchFamily="49" charset="0"/>
+              </a:rPr>
+              <a:t>Assert</a:t>
+            </a:r>
+            <a:r>
+              <a:rPr lang="en-GB" dirty="0" err="1">
+                <a:solidFill>
+                  <a:srgbClr val="000000"/>
+                </a:solidFill>
+                <a:latin typeface="Consolas" panose="020B0609020204030204" pitchFamily="49" charset="0"/>
+              </a:rPr>
+              <a:t>.AreEqual</a:t>
+            </a:r>
+            <a:r>
+              <a:rPr lang="en-GB" dirty="0">
+                <a:solidFill>
+                  <a:srgbClr val="000000"/>
+                </a:solidFill>
+                <a:latin typeface="Consolas" panose="020B0609020204030204" pitchFamily="49" charset="0"/>
+              </a:rPr>
+              <a:t>(</a:t>
+            </a:r>
+            <a:r>
+              <a:rPr lang="en-GB" dirty="0" err="1">
+                <a:solidFill>
+                  <a:srgbClr val="000000"/>
+                </a:solidFill>
+                <a:latin typeface="Consolas" panose="020B0609020204030204" pitchFamily="49" charset="0"/>
+              </a:rPr>
+              <a:t>target.Calc</a:t>
+            </a:r>
+            <a:r>
+              <a:rPr lang="en-GB" dirty="0">
+                <a:solidFill>
+                  <a:srgbClr val="000000"/>
+                </a:solidFill>
+                <a:latin typeface="Consolas" panose="020B0609020204030204" pitchFamily="49" charset="0"/>
+              </a:rPr>
+              <a:t>(0, 0, 0), 0);</a:t>
+            </a:r>
+          </a:p>
+          <a:p>
+            <a:r>
+              <a:rPr lang="en-GB" dirty="0" err="1">
+                <a:solidFill>
+                  <a:srgbClr val="114FBD"/>
+                </a:solidFill>
+                <a:latin typeface="Consolas" panose="020B0609020204030204" pitchFamily="49" charset="0"/>
+              </a:rPr>
+              <a:t>Assert</a:t>
+            </a:r>
+            <a:r>
+              <a:rPr lang="en-GB" dirty="0" err="1">
+                <a:solidFill>
+                  <a:srgbClr val="000000"/>
+                </a:solidFill>
+                <a:latin typeface="Consolas" panose="020B0609020204030204" pitchFamily="49" charset="0"/>
+              </a:rPr>
+              <a:t>.AreEqual</a:t>
+            </a:r>
+            <a:r>
+              <a:rPr lang="en-GB" dirty="0">
+                <a:solidFill>
+                  <a:srgbClr val="000000"/>
+                </a:solidFill>
+                <a:latin typeface="Consolas" panose="020B0609020204030204" pitchFamily="49" charset="0"/>
+              </a:rPr>
+              <a:t>(</a:t>
+            </a:r>
+            <a:r>
+              <a:rPr lang="en-GB" dirty="0" err="1">
+                <a:solidFill>
+                  <a:srgbClr val="000000"/>
+                </a:solidFill>
+                <a:latin typeface="Consolas" panose="020B0609020204030204" pitchFamily="49" charset="0"/>
+              </a:rPr>
+              <a:t>target.Calc</a:t>
+            </a:r>
+            <a:r>
+              <a:rPr lang="en-GB" dirty="0">
+                <a:solidFill>
+                  <a:srgbClr val="000000"/>
+                </a:solidFill>
+                <a:latin typeface="Consolas" panose="020B0609020204030204" pitchFamily="49" charset="0"/>
+              </a:rPr>
+              <a:t>(0, 1, 1), 0);</a:t>
+            </a:r>
+            <a:endParaRPr lang="en-GB" dirty="0"/>
+          </a:p>
+          <a:p>
+            <a:endParaRPr lang="en-GB" dirty="0">
+              <a:solidFill>
+                <a:srgbClr val="000000"/>
+              </a:solidFill>
+              <a:latin typeface="Consolas" panose="020B0609020204030204" pitchFamily="49" charset="0"/>
+            </a:endParaRPr>
+          </a:p>
+          <a:p>
+            <a:endParaRPr lang="en-GB" dirty="0"/>
+          </a:p>
+        </p:txBody>
+      </p:sp>
       <p:pic>
         <p:nvPicPr>
-          <p:cNvPr id="3" name="Picture 2"/>
+          <p:cNvPr id="21" name="Picture 20"/>
           <p:cNvPicPr>
             <a:picLocks noChangeAspect="1"/>
           </p:cNvPicPr>
@@ -21284,114 +21683,8 @@
         </p:blipFill>
         <p:spPr>
           <a:xfrm>
-            <a:off x="1012648" y="2110317"/>
-            <a:ext cx="3118133" cy="1231194"/>
-          </a:xfrm>
-          <a:prstGeom prst="rect">
-            <a:avLst/>
-          </a:prstGeom>
-        </p:spPr>
-      </p:pic>
-      <p:sp>
-        <p:nvSpPr>
-          <p:cNvPr id="4" name="TextBox 3"/>
-          <p:cNvSpPr txBox="1"/>
-          <p:nvPr/>
-        </p:nvSpPr>
-        <p:spPr>
-          <a:xfrm>
-            <a:off x="679063" y="1488193"/>
-            <a:ext cx="825867" cy="461665"/>
-          </a:xfrm>
-          <a:prstGeom prst="rect">
-            <a:avLst/>
-          </a:prstGeom>
-          <a:noFill/>
-        </p:spPr>
-        <p:txBody>
-          <a:bodyPr wrap="none" rtlCol="0">
-            <a:spAutoFit/>
-          </a:bodyPr>
-          <a:lstStyle/>
-          <a:p>
-            <a:r>
-              <a:rPr lang="en-GB" sz="2400" dirty="0"/>
-              <a:t>Code</a:t>
-            </a:r>
-          </a:p>
-        </p:txBody>
-      </p:sp>
-      <p:sp>
-        <p:nvSpPr>
-          <p:cNvPr id="5" name="TextBox 4"/>
-          <p:cNvSpPr txBox="1"/>
-          <p:nvPr/>
-        </p:nvSpPr>
-        <p:spPr>
-          <a:xfrm>
-            <a:off x="5594596" y="1488193"/>
-            <a:ext cx="801438" cy="461665"/>
-          </a:xfrm>
-          <a:prstGeom prst="rect">
-            <a:avLst/>
-          </a:prstGeom>
-          <a:noFill/>
-        </p:spPr>
-        <p:txBody>
-          <a:bodyPr wrap="none" rtlCol="0">
-            <a:spAutoFit/>
-          </a:bodyPr>
-          <a:lstStyle/>
-          <a:p>
-            <a:r>
-              <a:rPr lang="en-GB" sz="2400" dirty="0"/>
-              <a:t>Tests</a:t>
-            </a:r>
-          </a:p>
-        </p:txBody>
-      </p:sp>
-      <p:pic>
-        <p:nvPicPr>
-          <p:cNvPr id="9" name="Picture 8"/>
-          <p:cNvPicPr>
-            <a:picLocks noChangeAspect="1"/>
-          </p:cNvPicPr>
-          <p:nvPr/>
-        </p:nvPicPr>
-        <p:blipFill>
-          <a:blip r:embed="rId4"/>
-          <a:stretch>
-            <a:fillRect/>
-          </a:stretch>
-        </p:blipFill>
-        <p:spPr>
-          <a:xfrm>
-            <a:off x="5913437" y="2110317"/>
-            <a:ext cx="5551305" cy="719870"/>
-          </a:xfrm>
-          <a:prstGeom prst="rect">
-            <a:avLst/>
-          </a:prstGeom>
-        </p:spPr>
-      </p:pic>
-      <p:pic>
-        <p:nvPicPr>
-          <p:cNvPr id="10" name="Picture 9"/>
-          <p:cNvPicPr>
-            <a:picLocks noChangeAspect="1"/>
-          </p:cNvPicPr>
-          <p:nvPr/>
-        </p:nvPicPr>
-        <p:blipFill>
-          <a:blip r:embed="rId5"/>
-          <a:stretch>
-            <a:fillRect/>
-          </a:stretch>
-        </p:blipFill>
-        <p:spPr>
-          <a:xfrm>
-            <a:off x="5913437" y="3834871"/>
-            <a:ext cx="4463328" cy="1538640"/>
+            <a:off x="1310101" y="4419121"/>
+            <a:ext cx="9516758" cy="932197"/>
           </a:xfrm>
           <a:prstGeom prst="rect">
             <a:avLst/>
@@ -21459,30 +21752,6 @@
           </a:p>
         </p:txBody>
       </p:sp>
-      <p:pic>
-        <p:nvPicPr>
-          <p:cNvPr id="3" name="Picture 2"/>
-          <p:cNvPicPr>
-            <a:picLocks noChangeAspect="1"/>
-          </p:cNvPicPr>
-          <p:nvPr/>
-        </p:nvPicPr>
-        <p:blipFill>
-          <a:blip r:embed="rId3"/>
-          <a:stretch>
-            <a:fillRect/>
-          </a:stretch>
-        </p:blipFill>
-        <p:spPr>
-          <a:xfrm>
-            <a:off x="1012648" y="2110317"/>
-            <a:ext cx="3118133" cy="1231194"/>
-          </a:xfrm>
-          <a:prstGeom prst="rect">
-            <a:avLst/>
-          </a:prstGeom>
-        </p:spPr>
-      </p:pic>
       <p:sp>
         <p:nvSpPr>
           <p:cNvPr id="4" name="TextBox 3"/>
@@ -21512,83 +21781,6 @@
           </a:p>
         </p:txBody>
       </p:sp>
-      <p:sp>
-        <p:nvSpPr>
-          <p:cNvPr id="5" name="TextBox 4"/>
-          <p:cNvSpPr txBox="1"/>
-          <p:nvPr/>
-        </p:nvSpPr>
-        <p:spPr>
-          <a:xfrm>
-            <a:off x="5594596" y="1488193"/>
-            <a:ext cx="801438" cy="461665"/>
-          </a:xfrm>
-          <a:prstGeom prst="rect">
-            <a:avLst/>
-          </a:prstGeom>
-          <a:noFill/>
-        </p:spPr>
-        <p:txBody>
-          <a:bodyPr wrap="none" rtlCol="0">
-            <a:spAutoFit/>
-          </a:bodyPr>
-          <a:lstStyle/>
-          <a:p>
-            <a:r>
-              <a:rPr lang="en-GB" sz="2400" dirty="0"/>
-              <a:t>Tests</a:t>
-            </a:r>
-          </a:p>
-        </p:txBody>
-      </p:sp>
-      <p:pic>
-        <p:nvPicPr>
-          <p:cNvPr id="9" name="Picture 8"/>
-          <p:cNvPicPr>
-            <a:picLocks noChangeAspect="1"/>
-          </p:cNvPicPr>
-          <p:nvPr/>
-        </p:nvPicPr>
-        <p:blipFill>
-          <a:blip r:embed="rId4"/>
-          <a:stretch>
-            <a:fillRect/>
-          </a:stretch>
-        </p:blipFill>
-        <p:spPr>
-          <a:xfrm>
-            <a:off x="5913437" y="2110317"/>
-            <a:ext cx="5551305" cy="719870"/>
-          </a:xfrm>
-          <a:prstGeom prst="rect">
-            <a:avLst/>
-          </a:prstGeom>
-        </p:spPr>
-      </p:pic>
-      <p:pic>
-        <p:nvPicPr>
-          <p:cNvPr id="10" name="Picture 9"/>
-          <p:cNvPicPr>
-            <a:picLocks noChangeAspect="1"/>
-          </p:cNvPicPr>
-          <p:nvPr/>
-        </p:nvPicPr>
-        <p:blipFill>
-          <a:blip r:embed="rId5"/>
-          <a:stretch>
-            <a:fillRect/>
-          </a:stretch>
-        </p:blipFill>
-        <p:spPr>
-          <a:xfrm>
-            <a:off x="5913437" y="3834871"/>
-            <a:ext cx="4463328" cy="1538640"/>
-          </a:xfrm>
-          <a:prstGeom prst="rect">
-            <a:avLst/>
-          </a:prstGeom>
-        </p:spPr>
-      </p:pic>
       <p:sp>
         <p:nvSpPr>
           <p:cNvPr id="6" name="Arrow: Down 5"/>
@@ -21629,30 +21821,567 @@
           </a:p>
         </p:txBody>
       </p:sp>
-      <p:pic>
-        <p:nvPicPr>
-          <p:cNvPr id="7" name="Picture 6"/>
-          <p:cNvPicPr>
-            <a:picLocks noChangeAspect="1"/>
-          </p:cNvPicPr>
+      <p:sp>
+        <p:nvSpPr>
+          <p:cNvPr id="11" name="Rectangle 10"/>
+          <p:cNvSpPr/>
           <p:nvPr/>
-        </p:nvPicPr>
-        <p:blipFill>
-          <a:blip r:embed="rId6"/>
-          <a:stretch>
-            <a:fillRect/>
-          </a:stretch>
-        </p:blipFill>
-        <p:spPr>
-          <a:xfrm>
-            <a:off x="1012648" y="4082548"/>
-            <a:ext cx="3124200" cy="1228725"/>
+        </p:nvSpPr>
+        <p:spPr>
+          <a:xfrm>
+            <a:off x="679063" y="2112398"/>
+            <a:ext cx="4776164" cy="1200329"/>
           </a:xfrm>
           <a:prstGeom prst="rect">
             <a:avLst/>
           </a:prstGeom>
-        </p:spPr>
-      </p:pic>
+          <a:ln>
+            <a:solidFill>
+              <a:schemeClr val="bg1"/>
+            </a:solidFill>
+          </a:ln>
+          <a:effectLst>
+            <a:outerShdw blurRad="63500" sx="102000" sy="102000" algn="ctr" rotWithShape="0">
+              <a:prstClr val="black">
+                <a:alpha val="40000"/>
+              </a:prstClr>
+            </a:outerShdw>
+          </a:effectLst>
+        </p:spPr>
+        <p:txBody>
+          <a:bodyPr wrap="square">
+            <a:spAutoFit/>
+          </a:bodyPr>
+          <a:lstStyle/>
+          <a:p>
+            <a:r>
+              <a:rPr lang="en-GB" dirty="0">
+                <a:solidFill>
+                  <a:srgbClr val="0000FF"/>
+                </a:solidFill>
+                <a:latin typeface="Consolas" panose="020B0609020204030204" pitchFamily="49" charset="0"/>
+              </a:rPr>
+              <a:t>public</a:t>
+            </a:r>
+            <a:r>
+              <a:rPr lang="en-GB" dirty="0">
+                <a:solidFill>
+                  <a:srgbClr val="000000"/>
+                </a:solidFill>
+                <a:latin typeface="Consolas" panose="020B0609020204030204" pitchFamily="49" charset="0"/>
+              </a:rPr>
+              <a:t> </a:t>
+            </a:r>
+            <a:r>
+              <a:rPr lang="en-GB" dirty="0" err="1">
+                <a:solidFill>
+                  <a:srgbClr val="0000FF"/>
+                </a:solidFill>
+                <a:latin typeface="Consolas" panose="020B0609020204030204" pitchFamily="49" charset="0"/>
+              </a:rPr>
+              <a:t>int</a:t>
+            </a:r>
+            <a:r>
+              <a:rPr lang="en-GB" dirty="0">
+                <a:solidFill>
+                  <a:srgbClr val="000000"/>
+                </a:solidFill>
+                <a:latin typeface="Consolas" panose="020B0609020204030204" pitchFamily="49" charset="0"/>
+              </a:rPr>
+              <a:t> </a:t>
+            </a:r>
+            <a:r>
+              <a:rPr lang="en-GB" dirty="0" err="1">
+                <a:solidFill>
+                  <a:srgbClr val="000000"/>
+                </a:solidFill>
+                <a:latin typeface="Consolas" panose="020B0609020204030204" pitchFamily="49" charset="0"/>
+              </a:rPr>
+              <a:t>Calc</a:t>
+            </a:r>
+            <a:r>
+              <a:rPr lang="en-GB" dirty="0">
+                <a:solidFill>
+                  <a:srgbClr val="000000"/>
+                </a:solidFill>
+                <a:latin typeface="Consolas" panose="020B0609020204030204" pitchFamily="49" charset="0"/>
+              </a:rPr>
+              <a:t>(</a:t>
+            </a:r>
+            <a:r>
+              <a:rPr lang="en-GB" dirty="0" err="1">
+                <a:solidFill>
+                  <a:srgbClr val="0000FF"/>
+                </a:solidFill>
+                <a:latin typeface="Consolas" panose="020B0609020204030204" pitchFamily="49" charset="0"/>
+              </a:rPr>
+              <a:t>int</a:t>
+            </a:r>
+            <a:r>
+              <a:rPr lang="en-GB" dirty="0">
+                <a:solidFill>
+                  <a:srgbClr val="000000"/>
+                </a:solidFill>
+                <a:latin typeface="Consolas" panose="020B0609020204030204" pitchFamily="49" charset="0"/>
+              </a:rPr>
+              <a:t> x, </a:t>
+            </a:r>
+            <a:r>
+              <a:rPr lang="en-GB" dirty="0" err="1">
+                <a:solidFill>
+                  <a:srgbClr val="0000FF"/>
+                </a:solidFill>
+                <a:latin typeface="Consolas" panose="020B0609020204030204" pitchFamily="49" charset="0"/>
+              </a:rPr>
+              <a:t>int</a:t>
+            </a:r>
+            <a:r>
+              <a:rPr lang="en-GB" dirty="0">
+                <a:solidFill>
+                  <a:srgbClr val="000000"/>
+                </a:solidFill>
+                <a:latin typeface="Consolas" panose="020B0609020204030204" pitchFamily="49" charset="0"/>
+              </a:rPr>
+              <a:t> y, </a:t>
+            </a:r>
+            <a:r>
+              <a:rPr lang="en-GB" dirty="0" err="1">
+                <a:solidFill>
+                  <a:srgbClr val="0000FF"/>
+                </a:solidFill>
+                <a:latin typeface="Consolas" panose="020B0609020204030204" pitchFamily="49" charset="0"/>
+              </a:rPr>
+              <a:t>int</a:t>
+            </a:r>
+            <a:r>
+              <a:rPr lang="en-GB" dirty="0">
+                <a:solidFill>
+                  <a:srgbClr val="000000"/>
+                </a:solidFill>
+                <a:latin typeface="Consolas" panose="020B0609020204030204" pitchFamily="49" charset="0"/>
+              </a:rPr>
+              <a:t> z)</a:t>
+            </a:r>
+          </a:p>
+          <a:p>
+            <a:r>
+              <a:rPr lang="en-GB" dirty="0">
+                <a:solidFill>
+                  <a:srgbClr val="000000"/>
+                </a:solidFill>
+                <a:latin typeface="Consolas" panose="020B0609020204030204" pitchFamily="49" charset="0"/>
+              </a:rPr>
+              <a:t>{</a:t>
+            </a:r>
+          </a:p>
+          <a:p>
+            <a:r>
+              <a:rPr lang="en-GB" dirty="0">
+                <a:solidFill>
+                  <a:srgbClr val="000000"/>
+                </a:solidFill>
+                <a:latin typeface="Consolas" panose="020B0609020204030204" pitchFamily="49" charset="0"/>
+              </a:rPr>
+              <a:t>    </a:t>
+            </a:r>
+            <a:r>
+              <a:rPr lang="en-GB" dirty="0">
+                <a:solidFill>
+                  <a:srgbClr val="0000FF"/>
+                </a:solidFill>
+                <a:latin typeface="Consolas" panose="020B0609020204030204" pitchFamily="49" charset="0"/>
+              </a:rPr>
+              <a:t>return</a:t>
+            </a:r>
+            <a:r>
+              <a:rPr lang="en-GB" dirty="0">
+                <a:solidFill>
+                  <a:srgbClr val="000000"/>
+                </a:solidFill>
+                <a:latin typeface="Consolas" panose="020B0609020204030204" pitchFamily="49" charset="0"/>
+              </a:rPr>
+              <a:t> x + y - z;</a:t>
+            </a:r>
+          </a:p>
+          <a:p>
+            <a:r>
+              <a:rPr lang="en-GB" dirty="0">
+                <a:solidFill>
+                  <a:srgbClr val="000000"/>
+                </a:solidFill>
+                <a:latin typeface="Consolas" panose="020B0609020204030204" pitchFamily="49" charset="0"/>
+              </a:rPr>
+              <a:t>}</a:t>
+            </a:r>
+            <a:endParaRPr lang="en-GB" dirty="0"/>
+          </a:p>
+        </p:txBody>
+      </p:sp>
+      <p:sp>
+        <p:nvSpPr>
+          <p:cNvPr id="12" name="Rectangle 11"/>
+          <p:cNvSpPr/>
+          <p:nvPr/>
+        </p:nvSpPr>
+        <p:spPr>
+          <a:xfrm>
+            <a:off x="679063" y="4111332"/>
+            <a:ext cx="4776164" cy="1200329"/>
+          </a:xfrm>
+          <a:prstGeom prst="rect">
+            <a:avLst/>
+          </a:prstGeom>
+          <a:ln>
+            <a:solidFill>
+              <a:schemeClr val="bg1"/>
+            </a:solidFill>
+          </a:ln>
+          <a:effectLst>
+            <a:outerShdw blurRad="63500" sx="102000" sy="102000" algn="ctr" rotWithShape="0">
+              <a:prstClr val="black">
+                <a:alpha val="40000"/>
+              </a:prstClr>
+            </a:outerShdw>
+          </a:effectLst>
+        </p:spPr>
+        <p:txBody>
+          <a:bodyPr wrap="square">
+            <a:spAutoFit/>
+          </a:bodyPr>
+          <a:lstStyle/>
+          <a:p>
+            <a:r>
+              <a:rPr lang="en-GB" dirty="0">
+                <a:solidFill>
+                  <a:srgbClr val="0000FF"/>
+                </a:solidFill>
+                <a:latin typeface="Consolas" panose="020B0609020204030204" pitchFamily="49" charset="0"/>
+              </a:rPr>
+              <a:t>public</a:t>
+            </a:r>
+            <a:r>
+              <a:rPr lang="en-GB" dirty="0">
+                <a:solidFill>
+                  <a:srgbClr val="000000"/>
+                </a:solidFill>
+                <a:latin typeface="Consolas" panose="020B0609020204030204" pitchFamily="49" charset="0"/>
+              </a:rPr>
+              <a:t> </a:t>
+            </a:r>
+            <a:r>
+              <a:rPr lang="en-GB" dirty="0" err="1">
+                <a:solidFill>
+                  <a:srgbClr val="0000FF"/>
+                </a:solidFill>
+                <a:latin typeface="Consolas" panose="020B0609020204030204" pitchFamily="49" charset="0"/>
+              </a:rPr>
+              <a:t>int</a:t>
+            </a:r>
+            <a:r>
+              <a:rPr lang="en-GB" dirty="0">
+                <a:solidFill>
+                  <a:srgbClr val="000000"/>
+                </a:solidFill>
+                <a:latin typeface="Consolas" panose="020B0609020204030204" pitchFamily="49" charset="0"/>
+              </a:rPr>
+              <a:t> </a:t>
+            </a:r>
+            <a:r>
+              <a:rPr lang="en-GB" dirty="0" err="1">
+                <a:solidFill>
+                  <a:srgbClr val="000000"/>
+                </a:solidFill>
+                <a:latin typeface="Consolas" panose="020B0609020204030204" pitchFamily="49" charset="0"/>
+              </a:rPr>
+              <a:t>Calc</a:t>
+            </a:r>
+            <a:r>
+              <a:rPr lang="en-GB" dirty="0">
+                <a:solidFill>
+                  <a:srgbClr val="000000"/>
+                </a:solidFill>
+                <a:latin typeface="Consolas" panose="020B0609020204030204" pitchFamily="49" charset="0"/>
+              </a:rPr>
+              <a:t>(</a:t>
+            </a:r>
+            <a:r>
+              <a:rPr lang="en-GB" dirty="0" err="1">
+                <a:solidFill>
+                  <a:srgbClr val="0000FF"/>
+                </a:solidFill>
+                <a:latin typeface="Consolas" panose="020B0609020204030204" pitchFamily="49" charset="0"/>
+              </a:rPr>
+              <a:t>int</a:t>
+            </a:r>
+            <a:r>
+              <a:rPr lang="en-GB" dirty="0">
+                <a:solidFill>
+                  <a:srgbClr val="000000"/>
+                </a:solidFill>
+                <a:latin typeface="Consolas" panose="020B0609020204030204" pitchFamily="49" charset="0"/>
+              </a:rPr>
+              <a:t> x, </a:t>
+            </a:r>
+            <a:r>
+              <a:rPr lang="en-GB" dirty="0" err="1">
+                <a:solidFill>
+                  <a:srgbClr val="0000FF"/>
+                </a:solidFill>
+                <a:latin typeface="Consolas" panose="020B0609020204030204" pitchFamily="49" charset="0"/>
+              </a:rPr>
+              <a:t>int</a:t>
+            </a:r>
+            <a:r>
+              <a:rPr lang="en-GB" dirty="0">
+                <a:solidFill>
+                  <a:srgbClr val="000000"/>
+                </a:solidFill>
+                <a:latin typeface="Consolas" panose="020B0609020204030204" pitchFamily="49" charset="0"/>
+              </a:rPr>
+              <a:t> y, </a:t>
+            </a:r>
+            <a:r>
+              <a:rPr lang="en-GB" dirty="0" err="1">
+                <a:solidFill>
+                  <a:srgbClr val="0000FF"/>
+                </a:solidFill>
+                <a:latin typeface="Consolas" panose="020B0609020204030204" pitchFamily="49" charset="0"/>
+              </a:rPr>
+              <a:t>int</a:t>
+            </a:r>
+            <a:r>
+              <a:rPr lang="en-GB" dirty="0">
+                <a:solidFill>
+                  <a:srgbClr val="000000"/>
+                </a:solidFill>
+                <a:latin typeface="Consolas" panose="020B0609020204030204" pitchFamily="49" charset="0"/>
+              </a:rPr>
+              <a:t> z)</a:t>
+            </a:r>
+          </a:p>
+          <a:p>
+            <a:r>
+              <a:rPr lang="en-GB" dirty="0">
+                <a:solidFill>
+                  <a:srgbClr val="000000"/>
+                </a:solidFill>
+                <a:latin typeface="Consolas" panose="020B0609020204030204" pitchFamily="49" charset="0"/>
+              </a:rPr>
+              <a:t>{</a:t>
+            </a:r>
+          </a:p>
+          <a:p>
+            <a:r>
+              <a:rPr lang="en-GB" dirty="0">
+                <a:solidFill>
+                  <a:srgbClr val="000000"/>
+                </a:solidFill>
+                <a:latin typeface="Consolas" panose="020B0609020204030204" pitchFamily="49" charset="0"/>
+              </a:rPr>
+              <a:t>    </a:t>
+            </a:r>
+            <a:r>
+              <a:rPr lang="en-GB" dirty="0">
+                <a:solidFill>
+                  <a:srgbClr val="0000FF"/>
+                </a:solidFill>
+                <a:latin typeface="Consolas" panose="020B0609020204030204" pitchFamily="49" charset="0"/>
+              </a:rPr>
+              <a:t>return</a:t>
+            </a:r>
+            <a:r>
+              <a:rPr lang="en-GB" dirty="0">
+                <a:solidFill>
+                  <a:srgbClr val="000000"/>
+                </a:solidFill>
+                <a:latin typeface="Consolas" panose="020B0609020204030204" pitchFamily="49" charset="0"/>
+              </a:rPr>
+              <a:t> x - y + z;</a:t>
+            </a:r>
+          </a:p>
+          <a:p>
+            <a:r>
+              <a:rPr lang="en-GB" dirty="0">
+                <a:solidFill>
+                  <a:srgbClr val="000000"/>
+                </a:solidFill>
+                <a:latin typeface="Consolas" panose="020B0609020204030204" pitchFamily="49" charset="0"/>
+              </a:rPr>
+              <a:t>}</a:t>
+            </a:r>
+            <a:endParaRPr lang="en-GB" dirty="0"/>
+          </a:p>
+        </p:txBody>
+      </p:sp>
+      <p:sp>
+        <p:nvSpPr>
+          <p:cNvPr id="13" name="TextBox 12"/>
+          <p:cNvSpPr txBox="1"/>
+          <p:nvPr/>
+        </p:nvSpPr>
+        <p:spPr>
+          <a:xfrm>
+            <a:off x="5802415" y="1488193"/>
+            <a:ext cx="801438" cy="461665"/>
+          </a:xfrm>
+          <a:prstGeom prst="rect">
+            <a:avLst/>
+          </a:prstGeom>
+          <a:noFill/>
+        </p:spPr>
+        <p:txBody>
+          <a:bodyPr wrap="none" rtlCol="0">
+            <a:spAutoFit/>
+          </a:bodyPr>
+          <a:lstStyle/>
+          <a:p>
+            <a:r>
+              <a:rPr lang="en-GB" sz="2400" dirty="0"/>
+              <a:t>Tests</a:t>
+            </a:r>
+          </a:p>
+        </p:txBody>
+      </p:sp>
+      <p:sp>
+        <p:nvSpPr>
+          <p:cNvPr id="14" name="Rectangle 13"/>
+          <p:cNvSpPr/>
+          <p:nvPr/>
+        </p:nvSpPr>
+        <p:spPr>
+          <a:xfrm>
+            <a:off x="6068480" y="2112398"/>
+            <a:ext cx="5434255" cy="1200329"/>
+          </a:xfrm>
+          <a:prstGeom prst="rect">
+            <a:avLst/>
+          </a:prstGeom>
+          <a:ln>
+            <a:solidFill>
+              <a:schemeClr val="bg1"/>
+            </a:solidFill>
+          </a:ln>
+          <a:effectLst>
+            <a:outerShdw blurRad="63500" sx="102000" sy="102000" algn="ctr" rotWithShape="0">
+              <a:prstClr val="black">
+                <a:alpha val="40000"/>
+              </a:prstClr>
+            </a:outerShdw>
+          </a:effectLst>
+        </p:spPr>
+        <p:txBody>
+          <a:bodyPr wrap="square">
+            <a:spAutoFit/>
+          </a:bodyPr>
+          <a:lstStyle/>
+          <a:p>
+            <a:r>
+              <a:rPr lang="en-GB" dirty="0" err="1">
+                <a:solidFill>
+                  <a:srgbClr val="114FBD"/>
+                </a:solidFill>
+                <a:latin typeface="Consolas" panose="020B0609020204030204" pitchFamily="49" charset="0"/>
+              </a:rPr>
+              <a:t>Assert</a:t>
+            </a:r>
+            <a:r>
+              <a:rPr lang="en-GB" dirty="0" err="1">
+                <a:solidFill>
+                  <a:srgbClr val="000000"/>
+                </a:solidFill>
+                <a:latin typeface="Consolas" panose="020B0609020204030204" pitchFamily="49" charset="0"/>
+              </a:rPr>
+              <a:t>.AreEqual</a:t>
+            </a:r>
+            <a:r>
+              <a:rPr lang="en-GB" dirty="0">
+                <a:solidFill>
+                  <a:srgbClr val="000000"/>
+                </a:solidFill>
+                <a:latin typeface="Consolas" panose="020B0609020204030204" pitchFamily="49" charset="0"/>
+              </a:rPr>
+              <a:t>(</a:t>
+            </a:r>
+            <a:r>
+              <a:rPr lang="en-GB" dirty="0" err="1">
+                <a:solidFill>
+                  <a:srgbClr val="000000"/>
+                </a:solidFill>
+                <a:latin typeface="Consolas" panose="020B0609020204030204" pitchFamily="49" charset="0"/>
+              </a:rPr>
+              <a:t>target.Calc</a:t>
+            </a:r>
+            <a:r>
+              <a:rPr lang="en-GB" dirty="0">
+                <a:solidFill>
+                  <a:srgbClr val="000000"/>
+                </a:solidFill>
+                <a:latin typeface="Consolas" panose="020B0609020204030204" pitchFamily="49" charset="0"/>
+              </a:rPr>
+              <a:t>(0, 0, 0), 0);</a:t>
+            </a:r>
+          </a:p>
+          <a:p>
+            <a:r>
+              <a:rPr lang="en-GB" dirty="0" err="1">
+                <a:solidFill>
+                  <a:srgbClr val="114FBD"/>
+                </a:solidFill>
+                <a:latin typeface="Consolas" panose="020B0609020204030204" pitchFamily="49" charset="0"/>
+              </a:rPr>
+              <a:t>Assert</a:t>
+            </a:r>
+            <a:r>
+              <a:rPr lang="en-GB" dirty="0" err="1">
+                <a:solidFill>
+                  <a:srgbClr val="000000"/>
+                </a:solidFill>
+                <a:latin typeface="Consolas" panose="020B0609020204030204" pitchFamily="49" charset="0"/>
+              </a:rPr>
+              <a:t>.AreEqual</a:t>
+            </a:r>
+            <a:r>
+              <a:rPr lang="en-GB" dirty="0">
+                <a:solidFill>
+                  <a:srgbClr val="000000"/>
+                </a:solidFill>
+                <a:latin typeface="Consolas" panose="020B0609020204030204" pitchFamily="49" charset="0"/>
+              </a:rPr>
+              <a:t>(</a:t>
+            </a:r>
+            <a:r>
+              <a:rPr lang="en-GB" dirty="0" err="1">
+                <a:solidFill>
+                  <a:srgbClr val="000000"/>
+                </a:solidFill>
+                <a:latin typeface="Consolas" panose="020B0609020204030204" pitchFamily="49" charset="0"/>
+              </a:rPr>
+              <a:t>target.Calc</a:t>
+            </a:r>
+            <a:r>
+              <a:rPr lang="en-GB" dirty="0">
+                <a:solidFill>
+                  <a:srgbClr val="000000"/>
+                </a:solidFill>
+                <a:latin typeface="Consolas" panose="020B0609020204030204" pitchFamily="49" charset="0"/>
+              </a:rPr>
+              <a:t>(0, 1, 1), 0);</a:t>
+            </a:r>
+            <a:endParaRPr lang="en-GB" dirty="0"/>
+          </a:p>
+          <a:p>
+            <a:endParaRPr lang="en-GB" dirty="0">
+              <a:solidFill>
+                <a:srgbClr val="000000"/>
+              </a:solidFill>
+              <a:latin typeface="Consolas" panose="020B0609020204030204" pitchFamily="49" charset="0"/>
+            </a:endParaRPr>
+          </a:p>
+          <a:p>
+            <a:endParaRPr lang="en-GB" dirty="0"/>
+          </a:p>
+        </p:txBody>
+      </p:sp>
     </p:spTree>
     <p:extLst>
       <p:ext uri="{BB962C8B-B14F-4D97-AF65-F5344CB8AC3E}">
@@ -21717,126 +22446,6 @@
           </a:p>
         </p:txBody>
       </p:sp>
-      <p:pic>
-        <p:nvPicPr>
-          <p:cNvPr id="3" name="Picture 2"/>
-          <p:cNvPicPr>
-            <a:picLocks noChangeAspect="1"/>
-          </p:cNvPicPr>
-          <p:nvPr/>
-        </p:nvPicPr>
-        <p:blipFill>
-          <a:blip r:embed="rId3"/>
-          <a:stretch>
-            <a:fillRect/>
-          </a:stretch>
-        </p:blipFill>
-        <p:spPr>
-          <a:xfrm>
-            <a:off x="573438" y="3332450"/>
-            <a:ext cx="3010420" cy="345458"/>
-          </a:xfrm>
-          <a:prstGeom prst="rect">
-            <a:avLst/>
-          </a:prstGeom>
-        </p:spPr>
-      </p:pic>
-      <p:pic>
-        <p:nvPicPr>
-          <p:cNvPr id="4" name="Picture 3"/>
-          <p:cNvPicPr>
-            <a:picLocks noChangeAspect="1"/>
-          </p:cNvPicPr>
-          <p:nvPr/>
-        </p:nvPicPr>
-        <p:blipFill>
-          <a:blip r:embed="rId4"/>
-          <a:stretch>
-            <a:fillRect/>
-          </a:stretch>
-        </p:blipFill>
-        <p:spPr>
-          <a:xfrm>
-            <a:off x="4342164" y="3316000"/>
-            <a:ext cx="3010419" cy="361908"/>
-          </a:xfrm>
-          <a:prstGeom prst="rect">
-            <a:avLst/>
-          </a:prstGeom>
-        </p:spPr>
-      </p:pic>
-      <p:pic>
-        <p:nvPicPr>
-          <p:cNvPr id="6" name="Picture 5"/>
-          <p:cNvPicPr>
-            <a:picLocks noChangeAspect="1"/>
-          </p:cNvPicPr>
-          <p:nvPr/>
-        </p:nvPicPr>
-        <p:blipFill>
-          <a:blip r:embed="rId5"/>
-          <a:stretch>
-            <a:fillRect/>
-          </a:stretch>
-        </p:blipFill>
-        <p:spPr>
-          <a:xfrm>
-            <a:off x="4342164" y="4196072"/>
-            <a:ext cx="3010420" cy="345458"/>
-          </a:xfrm>
-          <a:prstGeom prst="rect">
-            <a:avLst/>
-          </a:prstGeom>
-        </p:spPr>
-      </p:pic>
-      <p:pic>
-        <p:nvPicPr>
-          <p:cNvPr id="7" name="Picture 6"/>
-          <p:cNvPicPr>
-            <a:picLocks noChangeAspect="1"/>
-          </p:cNvPicPr>
-          <p:nvPr/>
-        </p:nvPicPr>
-        <p:blipFill>
-          <a:blip r:embed="rId6"/>
-          <a:stretch>
-            <a:fillRect/>
-          </a:stretch>
-        </p:blipFill>
-        <p:spPr>
-          <a:xfrm>
-            <a:off x="4342164" y="2435090"/>
-            <a:ext cx="3000896" cy="362746"/>
-          </a:xfrm>
-          <a:prstGeom prst="rect">
-            <a:avLst/>
-          </a:prstGeom>
-        </p:spPr>
-      </p:pic>
-      <p:pic>
-        <p:nvPicPr>
-          <p:cNvPr id="8" name="Picture 7"/>
-          <p:cNvPicPr>
-            <a:picLocks noChangeAspect="1"/>
-          </p:cNvPicPr>
-          <p:nvPr/>
-        </p:nvPicPr>
-        <p:blipFill>
-          <a:blip r:embed="rId7"/>
-          <a:stretch>
-            <a:fillRect/>
-          </a:stretch>
-        </p:blipFill>
-        <p:spPr>
-          <a:xfrm>
-            <a:off x="8110889" y="3300035"/>
-            <a:ext cx="3009900" cy="361950"/>
-          </a:xfrm>
-          <a:prstGeom prst="rect">
-            <a:avLst/>
-          </a:prstGeom>
-        </p:spPr>
-      </p:pic>
       <p:sp>
         <p:nvSpPr>
           <p:cNvPr id="9" name="Arrow: Right 8"/>
@@ -21919,13 +22528,13 @@
       </p:sp>
       <p:sp>
         <p:nvSpPr>
-          <p:cNvPr id="12" name="Arrow: Right 11"/>
+          <p:cNvPr id="13" name="Arrow: Right 12"/>
           <p:cNvSpPr/>
           <p:nvPr/>
         </p:nvSpPr>
         <p:spPr>
-          <a:xfrm rot="18900000">
-            <a:off x="3791947" y="2865068"/>
+          <a:xfrm rot="1800000">
+            <a:off x="3780691" y="3913340"/>
             <a:ext cx="335280" cy="148560"/>
           </a:xfrm>
           <a:prstGeom prst="rightArrow">
@@ -21959,18 +22568,24 @@
       </p:sp>
       <p:sp>
         <p:nvSpPr>
-          <p:cNvPr id="13" name="Arrow: Right 12"/>
+          <p:cNvPr id="17" name="Rectangle 16"/>
           <p:cNvSpPr/>
           <p:nvPr/>
         </p:nvSpPr>
         <p:spPr>
-          <a:xfrm rot="1800000">
-            <a:off x="3780691" y="3913340"/>
-            <a:ext cx="335280" cy="148560"/>
-          </a:xfrm>
-          <a:prstGeom prst="rightArrow">
+          <a:xfrm>
+            <a:off x="5839527" y="3248548"/>
+            <a:ext cx="955040" cy="464924"/>
+          </a:xfrm>
+          <a:prstGeom prst="rect">
             <a:avLst/>
           </a:prstGeom>
+          <a:noFill/>
+          <a:ln w="50800">
+            <a:solidFill>
+              <a:srgbClr val="C00000"/>
+            </a:solidFill>
+          </a:ln>
         </p:spPr>
         <p:style>
           <a:lnRef idx="2">
@@ -21993,19 +22608,19 @@
           <a:lstStyle/>
           <a:p>
             <a:pPr algn="ctr"/>
-            <a:endParaRPr lang="en-GB"/>
-          </a:p>
-        </p:txBody>
-      </p:sp>
-      <p:sp>
-        <p:nvSpPr>
-          <p:cNvPr id="17" name="Rectangle 16"/>
+            <a:endParaRPr lang="en-GB" dirty="0"/>
+          </a:p>
+        </p:txBody>
+      </p:sp>
+      <p:sp>
+        <p:nvSpPr>
+          <p:cNvPr id="18" name="Rectangle 17"/>
           <p:cNvSpPr/>
           <p:nvPr/>
         </p:nvSpPr>
         <p:spPr>
           <a:xfrm>
-            <a:off x="6182360" y="3264492"/>
+            <a:off x="5396331" y="4049438"/>
             <a:ext cx="955040" cy="464924"/>
           </a:xfrm>
           <a:prstGeom prst="rect">
@@ -22045,106 +22660,14 @@
       </p:sp>
       <p:sp>
         <p:nvSpPr>
-          <p:cNvPr id="18" name="Rectangle 17"/>
-          <p:cNvSpPr/>
-          <p:nvPr/>
-        </p:nvSpPr>
-        <p:spPr>
-          <a:xfrm>
-            <a:off x="5552440" y="4136339"/>
-            <a:ext cx="955040" cy="464924"/>
-          </a:xfrm>
-          <a:prstGeom prst="rect">
-            <a:avLst/>
-          </a:prstGeom>
-          <a:noFill/>
-          <a:ln w="50800">
-            <a:solidFill>
-              <a:srgbClr val="C00000"/>
-            </a:solidFill>
-          </a:ln>
-        </p:spPr>
-        <p:style>
-          <a:lnRef idx="2">
-            <a:schemeClr val="accent1">
-              <a:shade val="50000"/>
-            </a:schemeClr>
-          </a:lnRef>
-          <a:fillRef idx="1">
-            <a:schemeClr val="accent1"/>
-          </a:fillRef>
-          <a:effectRef idx="0">
-            <a:schemeClr val="accent1"/>
-          </a:effectRef>
-          <a:fontRef idx="minor">
-            <a:schemeClr val="lt1"/>
-          </a:fontRef>
-        </p:style>
-        <p:txBody>
-          <a:bodyPr rtlCol="0" anchor="ctr"/>
-          <a:lstStyle/>
-          <a:p>
-            <a:pPr algn="ctr"/>
-            <a:endParaRPr lang="en-GB" dirty="0"/>
-          </a:p>
-        </p:txBody>
-      </p:sp>
-      <p:sp>
-        <p:nvSpPr>
-          <p:cNvPr id="19" name="Rectangle 18"/>
-          <p:cNvSpPr/>
-          <p:nvPr/>
-        </p:nvSpPr>
-        <p:spPr>
-          <a:xfrm>
-            <a:off x="4505960" y="2392645"/>
-            <a:ext cx="2738120" cy="464924"/>
-          </a:xfrm>
-          <a:prstGeom prst="rect">
-            <a:avLst/>
-          </a:prstGeom>
-          <a:noFill/>
-          <a:ln w="50800">
-            <a:solidFill>
-              <a:srgbClr val="C00000"/>
-            </a:solidFill>
-          </a:ln>
-        </p:spPr>
-        <p:style>
-          <a:lnRef idx="2">
-            <a:schemeClr val="accent1">
-              <a:shade val="50000"/>
-            </a:schemeClr>
-          </a:lnRef>
-          <a:fillRef idx="1">
-            <a:schemeClr val="accent1"/>
-          </a:fillRef>
-          <a:effectRef idx="0">
-            <a:schemeClr val="accent1"/>
-          </a:effectRef>
-          <a:fontRef idx="minor">
-            <a:schemeClr val="lt1"/>
-          </a:fontRef>
-        </p:style>
-        <p:txBody>
-          <a:bodyPr rtlCol="0" anchor="ctr"/>
-          <a:lstStyle/>
-          <a:p>
-            <a:pPr algn="ctr"/>
-            <a:endParaRPr lang="en-GB" dirty="0"/>
-          </a:p>
-        </p:txBody>
-      </p:sp>
-      <p:sp>
-        <p:nvSpPr>
           <p:cNvPr id="20" name="Rectangle 19"/>
           <p:cNvSpPr/>
           <p:nvPr/>
         </p:nvSpPr>
         <p:spPr>
           <a:xfrm>
-            <a:off x="9316720" y="3235206"/>
-            <a:ext cx="1584960" cy="494209"/>
+            <a:off x="9445336" y="3235207"/>
+            <a:ext cx="1456344" cy="478266"/>
           </a:xfrm>
           <a:prstGeom prst="rect">
             <a:avLst/>
@@ -22328,6 +22851,174 @@
           </a:fontRef>
         </p:style>
       </p:cxnSp>
+      <p:sp>
+        <p:nvSpPr>
+          <p:cNvPr id="5" name="Rectangle 4"/>
+          <p:cNvSpPr/>
+          <p:nvPr/>
+        </p:nvSpPr>
+        <p:spPr>
+          <a:xfrm>
+            <a:off x="639561" y="3185915"/>
+            <a:ext cx="2593298" cy="400110"/>
+          </a:xfrm>
+          <a:prstGeom prst="rect">
+            <a:avLst/>
+          </a:prstGeom>
+        </p:spPr>
+        <p:txBody>
+          <a:bodyPr wrap="square">
+            <a:spAutoFit/>
+          </a:bodyPr>
+          <a:lstStyle/>
+          <a:p>
+            <a:r>
+              <a:rPr lang="en-GB" sz="2000" dirty="0">
+                <a:solidFill>
+                  <a:srgbClr val="0000FF"/>
+                </a:solidFill>
+                <a:latin typeface="Consolas" panose="020B0609020204030204" pitchFamily="49" charset="0"/>
+              </a:rPr>
+              <a:t>return</a:t>
+            </a:r>
+            <a:r>
+              <a:rPr lang="en-GB" sz="2000" dirty="0">
+                <a:solidFill>
+                  <a:srgbClr val="000000"/>
+                </a:solidFill>
+                <a:latin typeface="Consolas" panose="020B0609020204030204" pitchFamily="49" charset="0"/>
+              </a:rPr>
+              <a:t> x + y - z;</a:t>
+            </a:r>
+          </a:p>
+        </p:txBody>
+      </p:sp>
+      <p:sp>
+        <p:nvSpPr>
+          <p:cNvPr id="14" name="Rectangle 13"/>
+          <p:cNvSpPr/>
+          <p:nvPr/>
+        </p:nvSpPr>
+        <p:spPr>
+          <a:xfrm>
+            <a:off x="4507900" y="3283003"/>
+            <a:ext cx="2337499" cy="369332"/>
+          </a:xfrm>
+          <a:prstGeom prst="rect">
+            <a:avLst/>
+          </a:prstGeom>
+        </p:spPr>
+        <p:txBody>
+          <a:bodyPr wrap="none">
+            <a:spAutoFit/>
+          </a:bodyPr>
+          <a:lstStyle/>
+          <a:p>
+            <a:r>
+              <a:rPr lang="en-GB" dirty="0">
+                <a:solidFill>
+                  <a:srgbClr val="0000FF"/>
+                </a:solidFill>
+                <a:latin typeface="Consolas" panose="020B0609020204030204" pitchFamily="49" charset="0"/>
+              </a:rPr>
+              <a:t>return</a:t>
+            </a:r>
+            <a:r>
+              <a:rPr lang="en-GB" dirty="0">
+                <a:solidFill>
+                  <a:srgbClr val="000000"/>
+                </a:solidFill>
+                <a:latin typeface="Consolas" panose="020B0609020204030204" pitchFamily="49" charset="0"/>
+              </a:rPr>
+              <a:t> x + y + z;</a:t>
+            </a:r>
+          </a:p>
+        </p:txBody>
+      </p:sp>
+      <p:sp>
+        <p:nvSpPr>
+          <p:cNvPr id="15" name="Rectangle 14"/>
+          <p:cNvSpPr/>
+          <p:nvPr/>
+        </p:nvSpPr>
+        <p:spPr>
+          <a:xfrm>
+            <a:off x="4525812" y="4059258"/>
+            <a:ext cx="2337499" cy="369332"/>
+          </a:xfrm>
+          <a:prstGeom prst="rect">
+            <a:avLst/>
+          </a:prstGeom>
+        </p:spPr>
+        <p:txBody>
+          <a:bodyPr wrap="none">
+            <a:spAutoFit/>
+          </a:bodyPr>
+          <a:lstStyle/>
+          <a:p>
+            <a:r>
+              <a:rPr lang="en-GB" dirty="0">
+                <a:solidFill>
+                  <a:srgbClr val="0000FF"/>
+                </a:solidFill>
+                <a:latin typeface="Consolas" panose="020B0609020204030204" pitchFamily="49" charset="0"/>
+              </a:rPr>
+              <a:t>return</a:t>
+            </a:r>
+            <a:r>
+              <a:rPr lang="en-GB" dirty="0">
+                <a:solidFill>
+                  <a:srgbClr val="000000"/>
+                </a:solidFill>
+                <a:latin typeface="Consolas" panose="020B0609020204030204" pitchFamily="49" charset="0"/>
+              </a:rPr>
+              <a:t> x - y - z;</a:t>
+            </a:r>
+          </a:p>
+        </p:txBody>
+      </p:sp>
+      <p:sp>
+        <p:nvSpPr>
+          <p:cNvPr id="16" name="Rectangle 15"/>
+          <p:cNvSpPr/>
+          <p:nvPr/>
+        </p:nvSpPr>
+        <p:spPr>
+          <a:xfrm>
+            <a:off x="8547533" y="3284258"/>
+            <a:ext cx="2337499" cy="369332"/>
+          </a:xfrm>
+          <a:prstGeom prst="rect">
+            <a:avLst/>
+          </a:prstGeom>
+        </p:spPr>
+        <p:txBody>
+          <a:bodyPr wrap="none">
+            <a:spAutoFit/>
+          </a:bodyPr>
+          <a:lstStyle/>
+          <a:p>
+            <a:r>
+              <a:rPr lang="en-GB" dirty="0">
+                <a:solidFill>
+                  <a:srgbClr val="0000FF"/>
+                </a:solidFill>
+                <a:latin typeface="Consolas" panose="020B0609020204030204" pitchFamily="49" charset="0"/>
+              </a:rPr>
+              <a:t>return</a:t>
+            </a:r>
+            <a:r>
+              <a:rPr lang="en-GB" dirty="0">
+                <a:solidFill>
+                  <a:srgbClr val="000000"/>
+                </a:solidFill>
+                <a:latin typeface="Consolas" panose="020B0609020204030204" pitchFamily="49" charset="0"/>
+              </a:rPr>
+              <a:t> x - y + z;</a:t>
+            </a:r>
+          </a:p>
+        </p:txBody>
+      </p:sp>
     </p:spTree>
     <p:extLst>
       <p:ext uri="{BB962C8B-B14F-4D97-AF65-F5344CB8AC3E}">
@@ -23164,135 +23855,15 @@
           </a:p>
         </p:txBody>
       </p:sp>
-      <p:pic>
-        <p:nvPicPr>
-          <p:cNvPr id="3" name="Picture 2"/>
-          <p:cNvPicPr>
-            <a:picLocks noChangeAspect="1"/>
-          </p:cNvPicPr>
-          <p:nvPr/>
-        </p:nvPicPr>
-        <p:blipFill>
-          <a:blip r:embed="rId3"/>
-          <a:stretch>
-            <a:fillRect/>
-          </a:stretch>
-        </p:blipFill>
-        <p:spPr>
-          <a:xfrm>
-            <a:off x="738191" y="2163407"/>
-            <a:ext cx="3010420" cy="345458"/>
-          </a:xfrm>
-          <a:prstGeom prst="rect">
-            <a:avLst/>
-          </a:prstGeom>
-        </p:spPr>
-      </p:pic>
-      <p:pic>
-        <p:nvPicPr>
-          <p:cNvPr id="4" name="Picture 3"/>
-          <p:cNvPicPr>
-            <a:picLocks noChangeAspect="1"/>
-          </p:cNvPicPr>
-          <p:nvPr/>
-        </p:nvPicPr>
-        <p:blipFill>
-          <a:blip r:embed="rId4"/>
-          <a:stretch>
-            <a:fillRect/>
-          </a:stretch>
-        </p:blipFill>
-        <p:spPr>
-          <a:xfrm>
-            <a:off x="4506917" y="2146957"/>
-            <a:ext cx="3010419" cy="361908"/>
-          </a:xfrm>
-          <a:prstGeom prst="rect">
-            <a:avLst/>
-          </a:prstGeom>
-        </p:spPr>
-      </p:pic>
-      <p:pic>
-        <p:nvPicPr>
-          <p:cNvPr id="5" name="Picture 4"/>
-          <p:cNvPicPr>
-            <a:picLocks noChangeAspect="1"/>
-          </p:cNvPicPr>
-          <p:nvPr/>
-        </p:nvPicPr>
-        <p:blipFill>
-          <a:blip r:embed="rId5"/>
-          <a:stretch>
-            <a:fillRect/>
-          </a:stretch>
-        </p:blipFill>
-        <p:spPr>
-          <a:xfrm>
-            <a:off x="4506917" y="3027029"/>
-            <a:ext cx="3010420" cy="345458"/>
-          </a:xfrm>
-          <a:prstGeom prst="rect">
-            <a:avLst/>
-          </a:prstGeom>
-        </p:spPr>
-      </p:pic>
-      <p:pic>
-        <p:nvPicPr>
-          <p:cNvPr id="6" name="Picture 5"/>
-          <p:cNvPicPr>
-            <a:picLocks noChangeAspect="1"/>
-          </p:cNvPicPr>
-          <p:nvPr/>
-        </p:nvPicPr>
-        <p:blipFill>
-          <a:blip r:embed="rId6"/>
-          <a:stretch>
-            <a:fillRect/>
-          </a:stretch>
-        </p:blipFill>
-        <p:spPr>
-          <a:xfrm>
-            <a:off x="4506917" y="1266047"/>
-            <a:ext cx="3000896" cy="362746"/>
-          </a:xfrm>
-          <a:prstGeom prst="rect">
-            <a:avLst/>
-          </a:prstGeom>
-        </p:spPr>
-      </p:pic>
-      <p:pic>
-        <p:nvPicPr>
-          <p:cNvPr id="7" name="Picture 6"/>
-          <p:cNvPicPr>
-            <a:picLocks noChangeAspect="1"/>
-          </p:cNvPicPr>
-          <p:nvPr/>
-        </p:nvPicPr>
-        <p:blipFill>
-          <a:blip r:embed="rId7"/>
-          <a:stretch>
-            <a:fillRect/>
-          </a:stretch>
-        </p:blipFill>
-        <p:spPr>
-          <a:xfrm>
-            <a:off x="8275642" y="2130992"/>
-            <a:ext cx="3009900" cy="361950"/>
-          </a:xfrm>
-          <a:prstGeom prst="rect">
-            <a:avLst/>
-          </a:prstGeom>
-        </p:spPr>
-      </p:pic>
-      <p:sp>
-        <p:nvSpPr>
-          <p:cNvPr id="8" name="Arrow: Right 7"/>
+      <p:sp>
+        <p:nvSpPr>
+          <p:cNvPr id="13" name="Arrow: Right 12"/>
           <p:cNvSpPr/>
           <p:nvPr/>
         </p:nvSpPr>
         <p:spPr>
-          <a:xfrm>
-            <a:off x="3960124" y="2224346"/>
+          <a:xfrm rot="20322698">
+            <a:off x="3878472" y="1679887"/>
             <a:ext cx="335280" cy="148560"/>
           </a:xfrm>
           <a:prstGeom prst="rightArrow">
@@ -23326,14 +23897,14 @@
       </p:sp>
       <p:sp>
         <p:nvSpPr>
-          <p:cNvPr id="9" name="Arrow: Right 8"/>
+          <p:cNvPr id="14" name="Arrow: Right 13"/>
           <p:cNvSpPr/>
           <p:nvPr/>
         </p:nvSpPr>
         <p:spPr>
           <a:xfrm>
-            <a:off x="7728849" y="2237687"/>
-            <a:ext cx="335280" cy="148560"/>
+            <a:off x="7294855" y="1564570"/>
+            <a:ext cx="335280" cy="151637"/>
           </a:xfrm>
           <a:prstGeom prst="rightArrow">
             <a:avLst/>
@@ -23360,19 +23931,19 @@
           <a:lstStyle/>
           <a:p>
             <a:pPr algn="ctr"/>
-            <a:endParaRPr lang="en-GB"/>
-          </a:p>
-        </p:txBody>
-      </p:sp>
-      <p:sp>
-        <p:nvSpPr>
-          <p:cNvPr id="10" name="Arrow: Right 9"/>
+            <a:endParaRPr lang="en-GB" dirty="0"/>
+          </a:p>
+        </p:txBody>
+      </p:sp>
+      <p:sp>
+        <p:nvSpPr>
+          <p:cNvPr id="15" name="Arrow: Right 14"/>
           <p:cNvSpPr/>
           <p:nvPr/>
         </p:nvSpPr>
         <p:spPr>
-          <a:xfrm rot="18900000">
-            <a:off x="3956700" y="1696025"/>
+          <a:xfrm rot="1800000">
+            <a:off x="3879321" y="2184942"/>
             <a:ext cx="335280" cy="148560"/>
           </a:xfrm>
           <a:prstGeom prst="rightArrow">
@@ -23406,18 +23977,24 @@
       </p:sp>
       <p:sp>
         <p:nvSpPr>
-          <p:cNvPr id="11" name="Arrow: Right 10"/>
+          <p:cNvPr id="16" name="Rectangle 15"/>
           <p:cNvSpPr/>
           <p:nvPr/>
         </p:nvSpPr>
         <p:spPr>
-          <a:xfrm rot="1800000">
-            <a:off x="3945444" y="2744297"/>
-            <a:ext cx="335280" cy="148560"/>
-          </a:xfrm>
-          <a:prstGeom prst="rightArrow">
+          <a:xfrm>
+            <a:off x="5906088" y="1436003"/>
+            <a:ext cx="955040" cy="464924"/>
+          </a:xfrm>
+          <a:prstGeom prst="rect">
             <a:avLst/>
           </a:prstGeom>
+          <a:noFill/>
+          <a:ln w="50800">
+            <a:solidFill>
+              <a:srgbClr val="C00000"/>
+            </a:solidFill>
+          </a:ln>
         </p:spPr>
         <p:style>
           <a:lnRef idx="2">
@@ -23440,34 +24017,455 @@
           <a:lstStyle/>
           <a:p>
             <a:pPr algn="ctr"/>
-            <a:endParaRPr lang="en-GB"/>
-          </a:p>
-        </p:txBody>
-      </p:sp>
-      <p:pic>
-        <p:nvPicPr>
-          <p:cNvPr id="12" name="Picture 11"/>
-          <p:cNvPicPr>
-            <a:picLocks noChangeAspect="1"/>
-          </p:cNvPicPr>
+            <a:endParaRPr lang="en-GB" dirty="0"/>
+          </a:p>
+        </p:txBody>
+      </p:sp>
+      <p:sp>
+        <p:nvSpPr>
+          <p:cNvPr id="17" name="Rectangle 16"/>
+          <p:cNvSpPr/>
           <p:nvPr/>
-        </p:nvPicPr>
-        <p:blipFill>
-          <a:blip r:embed="rId8"/>
-          <a:stretch>
-            <a:fillRect/>
-          </a:stretch>
-        </p:blipFill>
-        <p:spPr>
-          <a:xfrm>
-            <a:off x="3396538" y="3918104"/>
-            <a:ext cx="5221653" cy="957303"/>
+        </p:nvSpPr>
+        <p:spPr>
+          <a:xfrm>
+            <a:off x="5494961" y="2321040"/>
+            <a:ext cx="955040" cy="464924"/>
           </a:xfrm>
           <a:prstGeom prst="rect">
             <a:avLst/>
           </a:prstGeom>
-        </p:spPr>
-      </p:pic>
+          <a:noFill/>
+          <a:ln w="50800">
+            <a:solidFill>
+              <a:srgbClr val="C00000"/>
+            </a:solidFill>
+          </a:ln>
+        </p:spPr>
+        <p:style>
+          <a:lnRef idx="2">
+            <a:schemeClr val="accent1">
+              <a:shade val="50000"/>
+            </a:schemeClr>
+          </a:lnRef>
+          <a:fillRef idx="1">
+            <a:schemeClr val="accent1"/>
+          </a:fillRef>
+          <a:effectRef idx="0">
+            <a:schemeClr val="accent1"/>
+          </a:effectRef>
+          <a:fontRef idx="minor">
+            <a:schemeClr val="lt1"/>
+          </a:fontRef>
+        </p:style>
+        <p:txBody>
+          <a:bodyPr rtlCol="0" anchor="ctr"/>
+          <a:lstStyle/>
+          <a:p>
+            <a:pPr algn="ctr"/>
+            <a:endParaRPr lang="en-GB" dirty="0"/>
+          </a:p>
+        </p:txBody>
+      </p:sp>
+      <p:sp>
+        <p:nvSpPr>
+          <p:cNvPr id="18" name="Rectangle 17"/>
+          <p:cNvSpPr/>
+          <p:nvPr/>
+        </p:nvSpPr>
+        <p:spPr>
+          <a:xfrm>
+            <a:off x="8929596" y="1411586"/>
+            <a:ext cx="1456344" cy="478266"/>
+          </a:xfrm>
+          <a:prstGeom prst="rect">
+            <a:avLst/>
+          </a:prstGeom>
+          <a:noFill/>
+          <a:ln w="50800">
+            <a:solidFill>
+              <a:srgbClr val="C00000"/>
+            </a:solidFill>
+          </a:ln>
+        </p:spPr>
+        <p:style>
+          <a:lnRef idx="2">
+            <a:schemeClr val="accent1">
+              <a:shade val="50000"/>
+            </a:schemeClr>
+          </a:lnRef>
+          <a:fillRef idx="1">
+            <a:schemeClr val="accent1"/>
+          </a:fillRef>
+          <a:effectRef idx="0">
+            <a:schemeClr val="accent1"/>
+          </a:effectRef>
+          <a:fontRef idx="minor">
+            <a:schemeClr val="lt1"/>
+          </a:fontRef>
+        </p:style>
+        <p:txBody>
+          <a:bodyPr rtlCol="0" anchor="ctr"/>
+          <a:lstStyle/>
+          <a:p>
+            <a:pPr algn="ctr"/>
+            <a:endParaRPr lang="en-GB" dirty="0"/>
+          </a:p>
+        </p:txBody>
+      </p:sp>
+      <p:sp>
+        <p:nvSpPr>
+          <p:cNvPr id="19" name="Rectangle 18"/>
+          <p:cNvSpPr/>
+          <p:nvPr/>
+        </p:nvSpPr>
+        <p:spPr>
+          <a:xfrm>
+            <a:off x="894093" y="1710963"/>
+            <a:ext cx="2593298" cy="400110"/>
+          </a:xfrm>
+          <a:prstGeom prst="rect">
+            <a:avLst/>
+          </a:prstGeom>
+        </p:spPr>
+        <p:txBody>
+          <a:bodyPr wrap="square">
+            <a:spAutoFit/>
+          </a:bodyPr>
+          <a:lstStyle/>
+          <a:p>
+            <a:r>
+              <a:rPr lang="en-GB" sz="2000" dirty="0">
+                <a:solidFill>
+                  <a:srgbClr val="0000FF"/>
+                </a:solidFill>
+                <a:latin typeface="Consolas" panose="020B0609020204030204" pitchFamily="49" charset="0"/>
+              </a:rPr>
+              <a:t>return</a:t>
+            </a:r>
+            <a:r>
+              <a:rPr lang="en-GB" sz="2000" dirty="0">
+                <a:solidFill>
+                  <a:srgbClr val="000000"/>
+                </a:solidFill>
+                <a:latin typeface="Consolas" panose="020B0609020204030204" pitchFamily="49" charset="0"/>
+              </a:rPr>
+              <a:t> x + y - z;</a:t>
+            </a:r>
+          </a:p>
+        </p:txBody>
+      </p:sp>
+      <p:sp>
+        <p:nvSpPr>
+          <p:cNvPr id="20" name="Rectangle 19"/>
+          <p:cNvSpPr/>
+          <p:nvPr/>
+        </p:nvSpPr>
+        <p:spPr>
+          <a:xfrm>
+            <a:off x="4555698" y="1460637"/>
+            <a:ext cx="2337499" cy="369332"/>
+          </a:xfrm>
+          <a:prstGeom prst="rect">
+            <a:avLst/>
+          </a:prstGeom>
+        </p:spPr>
+        <p:txBody>
+          <a:bodyPr wrap="none">
+            <a:spAutoFit/>
+          </a:bodyPr>
+          <a:lstStyle/>
+          <a:p>
+            <a:r>
+              <a:rPr lang="en-GB" dirty="0">
+                <a:solidFill>
+                  <a:srgbClr val="0000FF"/>
+                </a:solidFill>
+                <a:latin typeface="Consolas" panose="020B0609020204030204" pitchFamily="49" charset="0"/>
+              </a:rPr>
+              <a:t>return</a:t>
+            </a:r>
+            <a:r>
+              <a:rPr lang="en-GB" dirty="0">
+                <a:solidFill>
+                  <a:srgbClr val="000000"/>
+                </a:solidFill>
+                <a:latin typeface="Consolas" panose="020B0609020204030204" pitchFamily="49" charset="0"/>
+              </a:rPr>
+              <a:t> x + y + z;</a:t>
+            </a:r>
+          </a:p>
+        </p:txBody>
+      </p:sp>
+      <p:sp>
+        <p:nvSpPr>
+          <p:cNvPr id="21" name="Rectangle 20"/>
+          <p:cNvSpPr/>
+          <p:nvPr/>
+        </p:nvSpPr>
+        <p:spPr>
+          <a:xfrm>
+            <a:off x="4624442" y="2330860"/>
+            <a:ext cx="2337499" cy="369332"/>
+          </a:xfrm>
+          <a:prstGeom prst="rect">
+            <a:avLst/>
+          </a:prstGeom>
+        </p:spPr>
+        <p:txBody>
+          <a:bodyPr wrap="none">
+            <a:spAutoFit/>
+          </a:bodyPr>
+          <a:lstStyle/>
+          <a:p>
+            <a:r>
+              <a:rPr lang="en-GB" dirty="0">
+                <a:solidFill>
+                  <a:srgbClr val="0000FF"/>
+                </a:solidFill>
+                <a:latin typeface="Consolas" panose="020B0609020204030204" pitchFamily="49" charset="0"/>
+              </a:rPr>
+              <a:t>return</a:t>
+            </a:r>
+            <a:r>
+              <a:rPr lang="en-GB" dirty="0">
+                <a:solidFill>
+                  <a:srgbClr val="000000"/>
+                </a:solidFill>
+                <a:latin typeface="Consolas" panose="020B0609020204030204" pitchFamily="49" charset="0"/>
+              </a:rPr>
+              <a:t> x - y - z;</a:t>
+            </a:r>
+          </a:p>
+        </p:txBody>
+      </p:sp>
+      <p:sp>
+        <p:nvSpPr>
+          <p:cNvPr id="22" name="Rectangle 21"/>
+          <p:cNvSpPr/>
+          <p:nvPr/>
+        </p:nvSpPr>
+        <p:spPr>
+          <a:xfrm>
+            <a:off x="8031793" y="1460637"/>
+            <a:ext cx="2337499" cy="369332"/>
+          </a:xfrm>
+          <a:prstGeom prst="rect">
+            <a:avLst/>
+          </a:prstGeom>
+        </p:spPr>
+        <p:txBody>
+          <a:bodyPr wrap="none">
+            <a:spAutoFit/>
+          </a:bodyPr>
+          <a:lstStyle/>
+          <a:p>
+            <a:r>
+              <a:rPr lang="en-GB" dirty="0">
+                <a:solidFill>
+                  <a:srgbClr val="0000FF"/>
+                </a:solidFill>
+                <a:latin typeface="Consolas" panose="020B0609020204030204" pitchFamily="49" charset="0"/>
+              </a:rPr>
+              <a:t>return</a:t>
+            </a:r>
+            <a:r>
+              <a:rPr lang="en-GB" dirty="0">
+                <a:solidFill>
+                  <a:srgbClr val="000000"/>
+                </a:solidFill>
+                <a:latin typeface="Consolas" panose="020B0609020204030204" pitchFamily="49" charset="0"/>
+              </a:rPr>
+              <a:t> x - y + z;</a:t>
+            </a:r>
+          </a:p>
+        </p:txBody>
+      </p:sp>
+      <p:sp>
+        <p:nvSpPr>
+          <p:cNvPr id="23" name="Rectangle 22"/>
+          <p:cNvSpPr/>
+          <p:nvPr/>
+        </p:nvSpPr>
+        <p:spPr>
+          <a:xfrm>
+            <a:off x="3255353" y="3286855"/>
+            <a:ext cx="5434255" cy="1200329"/>
+          </a:xfrm>
+          <a:prstGeom prst="rect">
+            <a:avLst/>
+          </a:prstGeom>
+          <a:ln>
+            <a:solidFill>
+              <a:schemeClr val="bg1"/>
+            </a:solidFill>
+          </a:ln>
+          <a:effectLst>
+            <a:outerShdw blurRad="63500" sx="102000" sy="102000" algn="ctr" rotWithShape="0">
+              <a:prstClr val="black">
+                <a:alpha val="40000"/>
+              </a:prstClr>
+            </a:outerShdw>
+          </a:effectLst>
+        </p:spPr>
+        <p:txBody>
+          <a:bodyPr wrap="square">
+            <a:spAutoFit/>
+          </a:bodyPr>
+          <a:lstStyle/>
+          <a:p>
+            <a:r>
+              <a:rPr lang="en-GB" dirty="0" err="1">
+                <a:solidFill>
+                  <a:srgbClr val="114FBD"/>
+                </a:solidFill>
+                <a:latin typeface="Consolas" panose="020B0609020204030204" pitchFamily="49" charset="0"/>
+              </a:rPr>
+              <a:t>Assert</a:t>
+            </a:r>
+            <a:r>
+              <a:rPr lang="en-GB" dirty="0" err="1">
+                <a:solidFill>
+                  <a:srgbClr val="000000"/>
+                </a:solidFill>
+                <a:latin typeface="Consolas" panose="020B0609020204030204" pitchFamily="49" charset="0"/>
+              </a:rPr>
+              <a:t>.AreEqual</a:t>
+            </a:r>
+            <a:r>
+              <a:rPr lang="en-GB" dirty="0">
+                <a:solidFill>
+                  <a:srgbClr val="000000"/>
+                </a:solidFill>
+                <a:latin typeface="Consolas" panose="020B0609020204030204" pitchFamily="49" charset="0"/>
+              </a:rPr>
+              <a:t>(</a:t>
+            </a:r>
+            <a:r>
+              <a:rPr lang="en-GB" dirty="0" err="1">
+                <a:solidFill>
+                  <a:srgbClr val="000000"/>
+                </a:solidFill>
+                <a:latin typeface="Consolas" panose="020B0609020204030204" pitchFamily="49" charset="0"/>
+              </a:rPr>
+              <a:t>target.Calc</a:t>
+            </a:r>
+            <a:r>
+              <a:rPr lang="en-GB" dirty="0">
+                <a:solidFill>
+                  <a:srgbClr val="000000"/>
+                </a:solidFill>
+                <a:latin typeface="Consolas" panose="020B0609020204030204" pitchFamily="49" charset="0"/>
+              </a:rPr>
+              <a:t>(0, 0, 0), 0);</a:t>
+            </a:r>
+          </a:p>
+          <a:p>
+            <a:r>
+              <a:rPr lang="en-GB" dirty="0" err="1">
+                <a:solidFill>
+                  <a:srgbClr val="114FBD"/>
+                </a:solidFill>
+                <a:latin typeface="Consolas" panose="020B0609020204030204" pitchFamily="49" charset="0"/>
+              </a:rPr>
+              <a:t>Assert</a:t>
+            </a:r>
+            <a:r>
+              <a:rPr lang="en-GB" dirty="0" err="1">
+                <a:solidFill>
+                  <a:srgbClr val="000000"/>
+                </a:solidFill>
+                <a:latin typeface="Consolas" panose="020B0609020204030204" pitchFamily="49" charset="0"/>
+              </a:rPr>
+              <a:t>.AreEqual</a:t>
+            </a:r>
+            <a:r>
+              <a:rPr lang="en-GB" dirty="0">
+                <a:solidFill>
+                  <a:srgbClr val="000000"/>
+                </a:solidFill>
+                <a:latin typeface="Consolas" panose="020B0609020204030204" pitchFamily="49" charset="0"/>
+              </a:rPr>
+              <a:t>(</a:t>
+            </a:r>
+            <a:r>
+              <a:rPr lang="en-GB" dirty="0" err="1">
+                <a:solidFill>
+                  <a:srgbClr val="000000"/>
+                </a:solidFill>
+                <a:latin typeface="Consolas" panose="020B0609020204030204" pitchFamily="49" charset="0"/>
+              </a:rPr>
+              <a:t>target.Calc</a:t>
+            </a:r>
+            <a:r>
+              <a:rPr lang="en-GB" dirty="0">
+                <a:solidFill>
+                  <a:srgbClr val="000000"/>
+                </a:solidFill>
+                <a:latin typeface="Consolas" panose="020B0609020204030204" pitchFamily="49" charset="0"/>
+              </a:rPr>
+              <a:t>(0, 1, 1), 0);</a:t>
+            </a:r>
+            <a:endParaRPr lang="en-GB" dirty="0"/>
+          </a:p>
+          <a:p>
+            <a:r>
+              <a:rPr lang="en-GB" dirty="0" err="1">
+                <a:solidFill>
+                  <a:srgbClr val="114FBD"/>
+                </a:solidFill>
+                <a:latin typeface="Consolas" panose="020B0609020204030204" pitchFamily="49" charset="0"/>
+              </a:rPr>
+              <a:t>Assert</a:t>
+            </a:r>
+            <a:r>
+              <a:rPr lang="en-GB" dirty="0" err="1">
+                <a:solidFill>
+                  <a:srgbClr val="000000"/>
+                </a:solidFill>
+                <a:latin typeface="Consolas" panose="020B0609020204030204" pitchFamily="49" charset="0"/>
+              </a:rPr>
+              <a:t>.AreEqual</a:t>
+            </a:r>
+            <a:r>
+              <a:rPr lang="en-GB" dirty="0">
+                <a:solidFill>
+                  <a:srgbClr val="000000"/>
+                </a:solidFill>
+                <a:latin typeface="Consolas" panose="020B0609020204030204" pitchFamily="49" charset="0"/>
+              </a:rPr>
+              <a:t>(</a:t>
+            </a:r>
+            <a:r>
+              <a:rPr lang="en-GB" dirty="0" err="1">
+                <a:solidFill>
+                  <a:srgbClr val="000000"/>
+                </a:solidFill>
+                <a:latin typeface="Consolas" panose="020B0609020204030204" pitchFamily="49" charset="0"/>
+              </a:rPr>
+              <a:t>target.Calc</a:t>
+            </a:r>
+            <a:r>
+              <a:rPr lang="en-GB" dirty="0">
+                <a:solidFill>
+                  <a:srgbClr val="000000"/>
+                </a:solidFill>
+                <a:latin typeface="Consolas" panose="020B0609020204030204" pitchFamily="49" charset="0"/>
+              </a:rPr>
+              <a:t>(1, 0, 1), 0);</a:t>
+            </a:r>
+            <a:endParaRPr lang="en-GB" dirty="0">
+              <a:solidFill>
+                <a:srgbClr val="000000"/>
+              </a:solidFill>
+              <a:latin typeface="Consolas" panose="020B0609020204030204" pitchFamily="49" charset="0"/>
+            </a:endParaRPr>
+          </a:p>
+          <a:p>
+            <a:endParaRPr lang="en-GB" dirty="0"/>
+          </a:p>
+        </p:txBody>
+      </p:sp>
     </p:spTree>
     <p:extLst>
       <p:ext uri="{BB962C8B-B14F-4D97-AF65-F5344CB8AC3E}">
@@ -23538,135 +24536,15 @@
           </a:p>
         </p:txBody>
       </p:sp>
-      <p:pic>
-        <p:nvPicPr>
-          <p:cNvPr id="3" name="Picture 2"/>
-          <p:cNvPicPr>
-            <a:picLocks noChangeAspect="1"/>
-          </p:cNvPicPr>
-          <p:nvPr/>
-        </p:nvPicPr>
-        <p:blipFill>
-          <a:blip r:embed="rId3"/>
-          <a:stretch>
-            <a:fillRect/>
-          </a:stretch>
-        </p:blipFill>
-        <p:spPr>
-          <a:xfrm>
-            <a:off x="738191" y="2163407"/>
-            <a:ext cx="3010420" cy="345458"/>
-          </a:xfrm>
-          <a:prstGeom prst="rect">
-            <a:avLst/>
-          </a:prstGeom>
-        </p:spPr>
-      </p:pic>
-      <p:pic>
-        <p:nvPicPr>
-          <p:cNvPr id="4" name="Picture 3"/>
-          <p:cNvPicPr>
-            <a:picLocks noChangeAspect="1"/>
-          </p:cNvPicPr>
-          <p:nvPr/>
-        </p:nvPicPr>
-        <p:blipFill>
-          <a:blip r:embed="rId4"/>
-          <a:stretch>
-            <a:fillRect/>
-          </a:stretch>
-        </p:blipFill>
-        <p:spPr>
-          <a:xfrm>
-            <a:off x="4506917" y="2146957"/>
-            <a:ext cx="3010419" cy="361908"/>
-          </a:xfrm>
-          <a:prstGeom prst="rect">
-            <a:avLst/>
-          </a:prstGeom>
-        </p:spPr>
-      </p:pic>
-      <p:pic>
-        <p:nvPicPr>
-          <p:cNvPr id="5" name="Picture 4"/>
-          <p:cNvPicPr>
-            <a:picLocks noChangeAspect="1"/>
-          </p:cNvPicPr>
-          <p:nvPr/>
-        </p:nvPicPr>
-        <p:blipFill>
-          <a:blip r:embed="rId5"/>
-          <a:stretch>
-            <a:fillRect/>
-          </a:stretch>
-        </p:blipFill>
-        <p:spPr>
-          <a:xfrm>
-            <a:off x="4506917" y="3027029"/>
-            <a:ext cx="3010420" cy="345458"/>
-          </a:xfrm>
-          <a:prstGeom prst="rect">
-            <a:avLst/>
-          </a:prstGeom>
-        </p:spPr>
-      </p:pic>
-      <p:pic>
-        <p:nvPicPr>
-          <p:cNvPr id="6" name="Picture 5"/>
-          <p:cNvPicPr>
-            <a:picLocks noChangeAspect="1"/>
-          </p:cNvPicPr>
-          <p:nvPr/>
-        </p:nvPicPr>
-        <p:blipFill>
-          <a:blip r:embed="rId6"/>
-          <a:stretch>
-            <a:fillRect/>
-          </a:stretch>
-        </p:blipFill>
-        <p:spPr>
-          <a:xfrm>
-            <a:off x="4506917" y="1266047"/>
-            <a:ext cx="3000896" cy="362746"/>
-          </a:xfrm>
-          <a:prstGeom prst="rect">
-            <a:avLst/>
-          </a:prstGeom>
-        </p:spPr>
-      </p:pic>
-      <p:pic>
-        <p:nvPicPr>
-          <p:cNvPr id="7" name="Picture 6"/>
-          <p:cNvPicPr>
-            <a:picLocks noChangeAspect="1"/>
-          </p:cNvPicPr>
-          <p:nvPr/>
-        </p:nvPicPr>
-        <p:blipFill>
-          <a:blip r:embed="rId7"/>
-          <a:stretch>
-            <a:fillRect/>
-          </a:stretch>
-        </p:blipFill>
-        <p:spPr>
-          <a:xfrm>
-            <a:off x="8275642" y="2130992"/>
-            <a:ext cx="3009900" cy="361950"/>
-          </a:xfrm>
-          <a:prstGeom prst="rect">
-            <a:avLst/>
-          </a:prstGeom>
-        </p:spPr>
-      </p:pic>
-      <p:sp>
-        <p:nvSpPr>
-          <p:cNvPr id="8" name="Arrow: Right 7"/>
+      <p:sp>
+        <p:nvSpPr>
+          <p:cNvPr id="13" name="Arrow: Right 12"/>
           <p:cNvSpPr/>
           <p:nvPr/>
         </p:nvSpPr>
         <p:spPr>
-          <a:xfrm>
-            <a:off x="3960124" y="2224346"/>
+          <a:xfrm rot="20322698">
+            <a:off x="3878472" y="1679887"/>
             <a:ext cx="335280" cy="148560"/>
           </a:xfrm>
           <a:prstGeom prst="rightArrow">
@@ -23700,14 +24578,14 @@
       </p:sp>
       <p:sp>
         <p:nvSpPr>
-          <p:cNvPr id="9" name="Arrow: Right 8"/>
+          <p:cNvPr id="14" name="Arrow: Right 13"/>
           <p:cNvSpPr/>
           <p:nvPr/>
         </p:nvSpPr>
         <p:spPr>
           <a:xfrm>
-            <a:off x="7728849" y="2237687"/>
-            <a:ext cx="335280" cy="148560"/>
+            <a:off x="7294855" y="1564570"/>
+            <a:ext cx="335280" cy="151637"/>
           </a:xfrm>
           <a:prstGeom prst="rightArrow">
             <a:avLst/>
@@ -23734,19 +24612,19 @@
           <a:lstStyle/>
           <a:p>
             <a:pPr algn="ctr"/>
-            <a:endParaRPr lang="en-GB"/>
-          </a:p>
-        </p:txBody>
-      </p:sp>
-      <p:sp>
-        <p:nvSpPr>
-          <p:cNvPr id="10" name="Arrow: Right 9"/>
+            <a:endParaRPr lang="en-GB" dirty="0"/>
+          </a:p>
+        </p:txBody>
+      </p:sp>
+      <p:sp>
+        <p:nvSpPr>
+          <p:cNvPr id="15" name="Arrow: Right 14"/>
           <p:cNvSpPr/>
           <p:nvPr/>
         </p:nvSpPr>
         <p:spPr>
-          <a:xfrm rot="18900000">
-            <a:off x="3956700" y="1696025"/>
+          <a:xfrm rot="1800000">
+            <a:off x="3879321" y="2184942"/>
             <a:ext cx="335280" cy="148560"/>
           </a:xfrm>
           <a:prstGeom prst="rightArrow">
@@ -23780,18 +24658,24 @@
       </p:sp>
       <p:sp>
         <p:nvSpPr>
-          <p:cNvPr id="11" name="Arrow: Right 10"/>
+          <p:cNvPr id="16" name="Rectangle 15"/>
           <p:cNvSpPr/>
           <p:nvPr/>
         </p:nvSpPr>
         <p:spPr>
-          <a:xfrm rot="1800000">
-            <a:off x="3945444" y="2744297"/>
-            <a:ext cx="335280" cy="148560"/>
-          </a:xfrm>
-          <a:prstGeom prst="rightArrow">
+          <a:xfrm>
+            <a:off x="5906088" y="1436003"/>
+            <a:ext cx="955040" cy="464924"/>
+          </a:xfrm>
+          <a:prstGeom prst="rect">
             <a:avLst/>
           </a:prstGeom>
+          <a:noFill/>
+          <a:ln w="50800">
+            <a:solidFill>
+              <a:srgbClr val="C00000"/>
+            </a:solidFill>
+          </a:ln>
         </p:spPr>
         <p:style>
           <a:lnRef idx="2">
@@ -23814,62 +24698,567 @@
           <a:lstStyle/>
           <a:p>
             <a:pPr algn="ctr"/>
-            <a:endParaRPr lang="en-GB"/>
-          </a:p>
-        </p:txBody>
-      </p:sp>
-      <p:pic>
-        <p:nvPicPr>
-          <p:cNvPr id="12" name="Picture 11"/>
-          <p:cNvPicPr>
-            <a:picLocks noChangeAspect="1"/>
-          </p:cNvPicPr>
+            <a:endParaRPr lang="en-GB" dirty="0"/>
+          </a:p>
+        </p:txBody>
+      </p:sp>
+      <p:sp>
+        <p:nvSpPr>
+          <p:cNvPr id="17" name="Rectangle 16"/>
+          <p:cNvSpPr/>
           <p:nvPr/>
-        </p:nvPicPr>
-        <p:blipFill>
-          <a:blip r:embed="rId8"/>
-          <a:stretch>
-            <a:fillRect/>
-          </a:stretch>
-        </p:blipFill>
-        <p:spPr>
-          <a:xfrm>
-            <a:off x="3396538" y="3918104"/>
-            <a:ext cx="5221653" cy="957303"/>
+        </p:nvSpPr>
+        <p:spPr>
+          <a:xfrm>
+            <a:off x="5494961" y="2321040"/>
+            <a:ext cx="955040" cy="464924"/>
           </a:xfrm>
           <a:prstGeom prst="rect">
             <a:avLst/>
           </a:prstGeom>
-        </p:spPr>
-      </p:pic>
-      <p:pic>
-        <p:nvPicPr>
-          <p:cNvPr id="13" name="Picture 12"/>
-          <p:cNvPicPr>
-            <a:picLocks noChangeAspect="1"/>
-          </p:cNvPicPr>
+          <a:noFill/>
+          <a:ln w="50800">
+            <a:solidFill>
+              <a:srgbClr val="C00000"/>
+            </a:solidFill>
+          </a:ln>
+        </p:spPr>
+        <p:style>
+          <a:lnRef idx="2">
+            <a:schemeClr val="accent1">
+              <a:shade val="50000"/>
+            </a:schemeClr>
+          </a:lnRef>
+          <a:fillRef idx="1">
+            <a:schemeClr val="accent1"/>
+          </a:fillRef>
+          <a:effectRef idx="0">
+            <a:schemeClr val="accent1"/>
+          </a:effectRef>
+          <a:fontRef idx="minor">
+            <a:schemeClr val="lt1"/>
+          </a:fontRef>
+        </p:style>
+        <p:txBody>
+          <a:bodyPr rtlCol="0" anchor="ctr"/>
+          <a:lstStyle/>
+          <a:p>
+            <a:pPr algn="ctr"/>
+            <a:endParaRPr lang="en-GB" dirty="0"/>
+          </a:p>
+        </p:txBody>
+      </p:sp>
+      <p:sp>
+        <p:nvSpPr>
+          <p:cNvPr id="18" name="Rectangle 17"/>
+          <p:cNvSpPr/>
           <p:nvPr/>
-        </p:nvPicPr>
-        <p:blipFill>
-          <a:blip r:embed="rId9"/>
-          <a:stretch>
-            <a:fillRect/>
-          </a:stretch>
-        </p:blipFill>
-        <p:spPr>
-          <a:xfrm>
-            <a:off x="3907183" y="5242204"/>
-            <a:ext cx="4156946" cy="646636"/>
+        </p:nvSpPr>
+        <p:spPr>
+          <a:xfrm>
+            <a:off x="8929596" y="1411586"/>
+            <a:ext cx="1456344" cy="478266"/>
           </a:xfrm>
           <a:prstGeom prst="rect">
             <a:avLst/>
           </a:prstGeom>
-        </p:spPr>
-      </p:pic>
+          <a:noFill/>
+          <a:ln w="50800">
+            <a:solidFill>
+              <a:srgbClr val="C00000"/>
+            </a:solidFill>
+          </a:ln>
+        </p:spPr>
+        <p:style>
+          <a:lnRef idx="2">
+            <a:schemeClr val="accent1">
+              <a:shade val="50000"/>
+            </a:schemeClr>
+          </a:lnRef>
+          <a:fillRef idx="1">
+            <a:schemeClr val="accent1"/>
+          </a:fillRef>
+          <a:effectRef idx="0">
+            <a:schemeClr val="accent1"/>
+          </a:effectRef>
+          <a:fontRef idx="minor">
+            <a:schemeClr val="lt1"/>
+          </a:fontRef>
+        </p:style>
+        <p:txBody>
+          <a:bodyPr rtlCol="0" anchor="ctr"/>
+          <a:lstStyle/>
+          <a:p>
+            <a:pPr algn="ctr"/>
+            <a:endParaRPr lang="en-GB" dirty="0"/>
+          </a:p>
+        </p:txBody>
+      </p:sp>
+      <p:sp>
+        <p:nvSpPr>
+          <p:cNvPr id="19" name="Rectangle 18"/>
+          <p:cNvSpPr/>
+          <p:nvPr/>
+        </p:nvSpPr>
+        <p:spPr>
+          <a:xfrm>
+            <a:off x="894093" y="1710963"/>
+            <a:ext cx="2593298" cy="400110"/>
+          </a:xfrm>
+          <a:prstGeom prst="rect">
+            <a:avLst/>
+          </a:prstGeom>
+        </p:spPr>
+        <p:txBody>
+          <a:bodyPr wrap="square">
+            <a:spAutoFit/>
+          </a:bodyPr>
+          <a:lstStyle/>
+          <a:p>
+            <a:r>
+              <a:rPr lang="en-GB" sz="2000" dirty="0">
+                <a:solidFill>
+                  <a:srgbClr val="0000FF"/>
+                </a:solidFill>
+                <a:latin typeface="Consolas" panose="020B0609020204030204" pitchFamily="49" charset="0"/>
+              </a:rPr>
+              <a:t>return</a:t>
+            </a:r>
+            <a:r>
+              <a:rPr lang="en-GB" sz="2000" dirty="0">
+                <a:solidFill>
+                  <a:srgbClr val="000000"/>
+                </a:solidFill>
+                <a:latin typeface="Consolas" panose="020B0609020204030204" pitchFamily="49" charset="0"/>
+              </a:rPr>
+              <a:t> x + y - z;</a:t>
+            </a:r>
+          </a:p>
+        </p:txBody>
+      </p:sp>
+      <p:sp>
+        <p:nvSpPr>
+          <p:cNvPr id="20" name="Rectangle 19"/>
+          <p:cNvSpPr/>
+          <p:nvPr/>
+        </p:nvSpPr>
+        <p:spPr>
+          <a:xfrm>
+            <a:off x="4555698" y="1460637"/>
+            <a:ext cx="2337499" cy="369332"/>
+          </a:xfrm>
+          <a:prstGeom prst="rect">
+            <a:avLst/>
+          </a:prstGeom>
+        </p:spPr>
+        <p:txBody>
+          <a:bodyPr wrap="none">
+            <a:spAutoFit/>
+          </a:bodyPr>
+          <a:lstStyle/>
+          <a:p>
+            <a:r>
+              <a:rPr lang="en-GB" dirty="0">
+                <a:solidFill>
+                  <a:srgbClr val="0000FF"/>
+                </a:solidFill>
+                <a:latin typeface="Consolas" panose="020B0609020204030204" pitchFamily="49" charset="0"/>
+              </a:rPr>
+              <a:t>return</a:t>
+            </a:r>
+            <a:r>
+              <a:rPr lang="en-GB" dirty="0">
+                <a:solidFill>
+                  <a:srgbClr val="000000"/>
+                </a:solidFill>
+                <a:latin typeface="Consolas" panose="020B0609020204030204" pitchFamily="49" charset="0"/>
+              </a:rPr>
+              <a:t> x + y + z;</a:t>
+            </a:r>
+          </a:p>
+        </p:txBody>
+      </p:sp>
+      <p:sp>
+        <p:nvSpPr>
+          <p:cNvPr id="21" name="Rectangle 20"/>
+          <p:cNvSpPr/>
+          <p:nvPr/>
+        </p:nvSpPr>
+        <p:spPr>
+          <a:xfrm>
+            <a:off x="4624442" y="2330860"/>
+            <a:ext cx="2337499" cy="369332"/>
+          </a:xfrm>
+          <a:prstGeom prst="rect">
+            <a:avLst/>
+          </a:prstGeom>
+        </p:spPr>
+        <p:txBody>
+          <a:bodyPr wrap="none">
+            <a:spAutoFit/>
+          </a:bodyPr>
+          <a:lstStyle/>
+          <a:p>
+            <a:r>
+              <a:rPr lang="en-GB" dirty="0">
+                <a:solidFill>
+                  <a:srgbClr val="0000FF"/>
+                </a:solidFill>
+                <a:latin typeface="Consolas" panose="020B0609020204030204" pitchFamily="49" charset="0"/>
+              </a:rPr>
+              <a:t>return</a:t>
+            </a:r>
+            <a:r>
+              <a:rPr lang="en-GB" dirty="0">
+                <a:solidFill>
+                  <a:srgbClr val="000000"/>
+                </a:solidFill>
+                <a:latin typeface="Consolas" panose="020B0609020204030204" pitchFamily="49" charset="0"/>
+              </a:rPr>
+              <a:t> x - y - z;</a:t>
+            </a:r>
+          </a:p>
+        </p:txBody>
+      </p:sp>
+      <p:sp>
+        <p:nvSpPr>
+          <p:cNvPr id="22" name="Rectangle 21"/>
+          <p:cNvSpPr/>
+          <p:nvPr/>
+        </p:nvSpPr>
+        <p:spPr>
+          <a:xfrm>
+            <a:off x="8031793" y="1460637"/>
+            <a:ext cx="2337499" cy="369332"/>
+          </a:xfrm>
+          <a:prstGeom prst="rect">
+            <a:avLst/>
+          </a:prstGeom>
+        </p:spPr>
+        <p:txBody>
+          <a:bodyPr wrap="none">
+            <a:spAutoFit/>
+          </a:bodyPr>
+          <a:lstStyle/>
+          <a:p>
+            <a:r>
+              <a:rPr lang="en-GB" dirty="0">
+                <a:solidFill>
+                  <a:srgbClr val="0000FF"/>
+                </a:solidFill>
+                <a:latin typeface="Consolas" panose="020B0609020204030204" pitchFamily="49" charset="0"/>
+              </a:rPr>
+              <a:t>return</a:t>
+            </a:r>
+            <a:r>
+              <a:rPr lang="en-GB" dirty="0">
+                <a:solidFill>
+                  <a:srgbClr val="000000"/>
+                </a:solidFill>
+                <a:latin typeface="Consolas" panose="020B0609020204030204" pitchFamily="49" charset="0"/>
+              </a:rPr>
+              <a:t> x - y + z;</a:t>
+            </a:r>
+          </a:p>
+        </p:txBody>
+      </p:sp>
+      <p:sp>
+        <p:nvSpPr>
+          <p:cNvPr id="23" name="Rectangle 22"/>
+          <p:cNvSpPr/>
+          <p:nvPr/>
+        </p:nvSpPr>
+        <p:spPr>
+          <a:xfrm>
+            <a:off x="3255353" y="3286855"/>
+            <a:ext cx="5434255" cy="1200329"/>
+          </a:xfrm>
+          <a:prstGeom prst="rect">
+            <a:avLst/>
+          </a:prstGeom>
+          <a:ln>
+            <a:solidFill>
+              <a:schemeClr val="bg1"/>
+            </a:solidFill>
+          </a:ln>
+          <a:effectLst>
+            <a:outerShdw blurRad="63500" sx="102000" sy="102000" algn="ctr" rotWithShape="0">
+              <a:prstClr val="black">
+                <a:alpha val="40000"/>
+              </a:prstClr>
+            </a:outerShdw>
+          </a:effectLst>
+        </p:spPr>
+        <p:txBody>
+          <a:bodyPr wrap="square">
+            <a:spAutoFit/>
+          </a:bodyPr>
+          <a:lstStyle/>
+          <a:p>
+            <a:r>
+              <a:rPr lang="en-GB" dirty="0" err="1">
+                <a:solidFill>
+                  <a:srgbClr val="114FBD"/>
+                </a:solidFill>
+                <a:latin typeface="Consolas" panose="020B0609020204030204" pitchFamily="49" charset="0"/>
+              </a:rPr>
+              <a:t>Assert</a:t>
+            </a:r>
+            <a:r>
+              <a:rPr lang="en-GB" dirty="0" err="1">
+                <a:solidFill>
+                  <a:srgbClr val="000000"/>
+                </a:solidFill>
+                <a:latin typeface="Consolas" panose="020B0609020204030204" pitchFamily="49" charset="0"/>
+              </a:rPr>
+              <a:t>.AreEqual</a:t>
+            </a:r>
+            <a:r>
+              <a:rPr lang="en-GB" dirty="0">
+                <a:solidFill>
+                  <a:srgbClr val="000000"/>
+                </a:solidFill>
+                <a:latin typeface="Consolas" panose="020B0609020204030204" pitchFamily="49" charset="0"/>
+              </a:rPr>
+              <a:t>(</a:t>
+            </a:r>
+            <a:r>
+              <a:rPr lang="en-GB" dirty="0" err="1">
+                <a:solidFill>
+                  <a:srgbClr val="000000"/>
+                </a:solidFill>
+                <a:latin typeface="Consolas" panose="020B0609020204030204" pitchFamily="49" charset="0"/>
+              </a:rPr>
+              <a:t>target.Calc</a:t>
+            </a:r>
+            <a:r>
+              <a:rPr lang="en-GB" dirty="0">
+                <a:solidFill>
+                  <a:srgbClr val="000000"/>
+                </a:solidFill>
+                <a:latin typeface="Consolas" panose="020B0609020204030204" pitchFamily="49" charset="0"/>
+              </a:rPr>
+              <a:t>(0, 0, 0), 0);</a:t>
+            </a:r>
+          </a:p>
+          <a:p>
+            <a:r>
+              <a:rPr lang="en-GB" dirty="0" err="1">
+                <a:solidFill>
+                  <a:srgbClr val="114FBD"/>
+                </a:solidFill>
+                <a:latin typeface="Consolas" panose="020B0609020204030204" pitchFamily="49" charset="0"/>
+              </a:rPr>
+              <a:t>Assert</a:t>
+            </a:r>
+            <a:r>
+              <a:rPr lang="en-GB" dirty="0" err="1">
+                <a:solidFill>
+                  <a:srgbClr val="000000"/>
+                </a:solidFill>
+                <a:latin typeface="Consolas" panose="020B0609020204030204" pitchFamily="49" charset="0"/>
+              </a:rPr>
+              <a:t>.AreEqual</a:t>
+            </a:r>
+            <a:r>
+              <a:rPr lang="en-GB" dirty="0">
+                <a:solidFill>
+                  <a:srgbClr val="000000"/>
+                </a:solidFill>
+                <a:latin typeface="Consolas" panose="020B0609020204030204" pitchFamily="49" charset="0"/>
+              </a:rPr>
+              <a:t>(</a:t>
+            </a:r>
+            <a:r>
+              <a:rPr lang="en-GB" dirty="0" err="1">
+                <a:solidFill>
+                  <a:srgbClr val="000000"/>
+                </a:solidFill>
+                <a:latin typeface="Consolas" panose="020B0609020204030204" pitchFamily="49" charset="0"/>
+              </a:rPr>
+              <a:t>target.Calc</a:t>
+            </a:r>
+            <a:r>
+              <a:rPr lang="en-GB" dirty="0">
+                <a:solidFill>
+                  <a:srgbClr val="000000"/>
+                </a:solidFill>
+                <a:latin typeface="Consolas" panose="020B0609020204030204" pitchFamily="49" charset="0"/>
+              </a:rPr>
+              <a:t>(0, 1, 1), 0);</a:t>
+            </a:r>
+            <a:endParaRPr lang="en-GB" dirty="0"/>
+          </a:p>
+          <a:p>
+            <a:r>
+              <a:rPr lang="en-GB" dirty="0" err="1">
+                <a:solidFill>
+                  <a:srgbClr val="114FBD"/>
+                </a:solidFill>
+                <a:latin typeface="Consolas" panose="020B0609020204030204" pitchFamily="49" charset="0"/>
+              </a:rPr>
+              <a:t>Assert</a:t>
+            </a:r>
+            <a:r>
+              <a:rPr lang="en-GB" dirty="0" err="1">
+                <a:solidFill>
+                  <a:srgbClr val="000000"/>
+                </a:solidFill>
+                <a:latin typeface="Consolas" panose="020B0609020204030204" pitchFamily="49" charset="0"/>
+              </a:rPr>
+              <a:t>.AreEqual</a:t>
+            </a:r>
+            <a:r>
+              <a:rPr lang="en-GB" dirty="0">
+                <a:solidFill>
+                  <a:srgbClr val="000000"/>
+                </a:solidFill>
+                <a:latin typeface="Consolas" panose="020B0609020204030204" pitchFamily="49" charset="0"/>
+              </a:rPr>
+              <a:t>(</a:t>
+            </a:r>
+            <a:r>
+              <a:rPr lang="en-GB" dirty="0" err="1">
+                <a:solidFill>
+                  <a:srgbClr val="000000"/>
+                </a:solidFill>
+                <a:latin typeface="Consolas" panose="020B0609020204030204" pitchFamily="49" charset="0"/>
+              </a:rPr>
+              <a:t>target.Calc</a:t>
+            </a:r>
+            <a:r>
+              <a:rPr lang="en-GB" dirty="0">
+                <a:solidFill>
+                  <a:srgbClr val="000000"/>
+                </a:solidFill>
+                <a:latin typeface="Consolas" panose="020B0609020204030204" pitchFamily="49" charset="0"/>
+              </a:rPr>
+              <a:t>(1, 0, 1), 0);</a:t>
+            </a:r>
+            <a:endParaRPr lang="en-GB" dirty="0">
+              <a:solidFill>
+                <a:srgbClr val="000000"/>
+              </a:solidFill>
+              <a:latin typeface="Consolas" panose="020B0609020204030204" pitchFamily="49" charset="0"/>
+            </a:endParaRPr>
+          </a:p>
+          <a:p>
+            <a:endParaRPr lang="en-GB" dirty="0"/>
+          </a:p>
+        </p:txBody>
+      </p:sp>
+      <p:sp>
+        <p:nvSpPr>
+          <p:cNvPr id="25" name="Rectangle 24"/>
+          <p:cNvSpPr/>
+          <p:nvPr/>
+        </p:nvSpPr>
+        <p:spPr>
+          <a:xfrm>
+            <a:off x="2422174" y="4843014"/>
+            <a:ext cx="3247875" cy="461665"/>
+          </a:xfrm>
+          <a:prstGeom prst="rect">
+            <a:avLst/>
+          </a:prstGeom>
+          <a:ln>
+            <a:solidFill>
+              <a:schemeClr val="bg1"/>
+            </a:solidFill>
+          </a:ln>
+          <a:effectLst>
+            <a:outerShdw blurRad="63500" sx="102000" sy="102000" algn="ctr" rotWithShape="0">
+              <a:prstClr val="black">
+                <a:alpha val="40000"/>
+              </a:prstClr>
+            </a:outerShdw>
+          </a:effectLst>
+        </p:spPr>
+        <p:txBody>
+          <a:bodyPr wrap="square">
+            <a:spAutoFit/>
+          </a:bodyPr>
+          <a:lstStyle/>
+          <a:p>
+            <a:r>
+              <a:rPr lang="en-GB" sz="2400" dirty="0">
+                <a:solidFill>
+                  <a:srgbClr val="0000FF"/>
+                </a:solidFill>
+                <a:latin typeface="Consolas" panose="020B0609020204030204" pitchFamily="49" charset="0"/>
+              </a:rPr>
+              <a:t>return</a:t>
+            </a:r>
+            <a:r>
+              <a:rPr lang="en-GB" sz="2400" dirty="0">
+                <a:solidFill>
+                  <a:srgbClr val="000000"/>
+                </a:solidFill>
+                <a:latin typeface="Consolas" panose="020B0609020204030204" pitchFamily="49" charset="0"/>
+              </a:rPr>
+              <a:t> x * y * z;</a:t>
+            </a:r>
+          </a:p>
+        </p:txBody>
+      </p:sp>
+      <p:sp>
+        <p:nvSpPr>
+          <p:cNvPr id="26" name="Rectangle 25"/>
+          <p:cNvSpPr/>
+          <p:nvPr/>
+        </p:nvSpPr>
+        <p:spPr>
+          <a:xfrm>
+            <a:off x="6305700" y="4843014"/>
+            <a:ext cx="3247875" cy="461665"/>
+          </a:xfrm>
+          <a:prstGeom prst="rect">
+            <a:avLst/>
+          </a:prstGeom>
+          <a:ln>
+            <a:solidFill>
+              <a:schemeClr val="bg1"/>
+            </a:solidFill>
+          </a:ln>
+          <a:effectLst>
+            <a:outerShdw blurRad="63500" sx="102000" sy="102000" algn="ctr" rotWithShape="0">
+              <a:prstClr val="black">
+                <a:alpha val="40000"/>
+              </a:prstClr>
+            </a:outerShdw>
+          </a:effectLst>
+        </p:spPr>
+        <p:txBody>
+          <a:bodyPr wrap="square">
+            <a:spAutoFit/>
+          </a:bodyPr>
+          <a:lstStyle/>
+          <a:p>
+            <a:r>
+              <a:rPr lang="en-GB" sz="2400" dirty="0">
+                <a:solidFill>
+                  <a:srgbClr val="0000FF"/>
+                </a:solidFill>
+                <a:latin typeface="Consolas" panose="020B0609020204030204" pitchFamily="49" charset="0"/>
+              </a:rPr>
+              <a:t>return</a:t>
+            </a:r>
+            <a:r>
+              <a:rPr lang="en-GB" sz="2400" dirty="0">
+                <a:solidFill>
+                  <a:srgbClr val="000000"/>
+                </a:solidFill>
+                <a:latin typeface="Consolas" panose="020B0609020204030204" pitchFamily="49" charset="0"/>
+              </a:rPr>
+              <a:t> 0;</a:t>
+            </a:r>
+          </a:p>
+        </p:txBody>
+      </p:sp>
     </p:spTree>
     <p:extLst>
       <p:ext uri="{BB962C8B-B14F-4D97-AF65-F5344CB8AC3E}">
-        <p14:creationId xmlns:p14="http://schemas.microsoft.com/office/powerpoint/2010/main" val="3556928305"/>
+        <p14:creationId xmlns:p14="http://schemas.microsoft.com/office/powerpoint/2010/main" val="1592254155"/>
       </p:ext>
     </p:extLst>
   </p:cSld>
